--- a/lessons/lesson-03/03_git_github_Data-science.pptx
+++ b/lessons/lesson-03/03_git_github_Data-science.pptx
@@ -4,6 +4,9 @@
   <p:sldMasterIdLst>
     <p:sldMasterId id="2147483648" r:id="rId1"/>
   </p:sldMasterIdLst>
+  <p:notesMasterIdLst>
+    <p:notesMasterId r:id="rId45"/>
+  </p:notesMasterIdLst>
   <p:sldIdLst>
     <p:sldId id="256" r:id="rId2"/>
     <p:sldId id="257" r:id="rId3"/>
@@ -12,43 +15,42 @@
     <p:sldId id="258" r:id="rId6"/>
     <p:sldId id="259" r:id="rId7"/>
     <p:sldId id="261" r:id="rId8"/>
-    <p:sldId id="305" r:id="rId9"/>
-    <p:sldId id="308" r:id="rId10"/>
-    <p:sldId id="312" r:id="rId11"/>
-    <p:sldId id="315" r:id="rId12"/>
-    <p:sldId id="316" r:id="rId13"/>
-    <p:sldId id="324" r:id="rId14"/>
-    <p:sldId id="325" r:id="rId15"/>
-    <p:sldId id="326" r:id="rId16"/>
-    <p:sldId id="327" r:id="rId17"/>
-    <p:sldId id="328" r:id="rId18"/>
-    <p:sldId id="329" r:id="rId19"/>
-    <p:sldId id="330" r:id="rId20"/>
-    <p:sldId id="286" r:id="rId21"/>
-    <p:sldId id="266" r:id="rId22"/>
-    <p:sldId id="267" r:id="rId23"/>
-    <p:sldId id="269" r:id="rId24"/>
-    <p:sldId id="298" r:id="rId25"/>
-    <p:sldId id="288" r:id="rId26"/>
-    <p:sldId id="299" r:id="rId27"/>
-    <p:sldId id="270" r:id="rId28"/>
-    <p:sldId id="272" r:id="rId29"/>
-    <p:sldId id="273" r:id="rId30"/>
-    <p:sldId id="274" r:id="rId31"/>
-    <p:sldId id="275" r:id="rId32"/>
-    <p:sldId id="285" r:id="rId33"/>
-    <p:sldId id="290" r:id="rId34"/>
-    <p:sldId id="291" r:id="rId35"/>
-    <p:sldId id="300" r:id="rId36"/>
-    <p:sldId id="301" r:id="rId37"/>
-    <p:sldId id="302" r:id="rId38"/>
-    <p:sldId id="304" r:id="rId39"/>
-    <p:sldId id="303" r:id="rId40"/>
-    <p:sldId id="293" r:id="rId41"/>
-    <p:sldId id="295" r:id="rId42"/>
-    <p:sldId id="297" r:id="rId43"/>
-    <p:sldId id="296" r:id="rId44"/>
-    <p:sldId id="294" r:id="rId45"/>
+    <p:sldId id="312" r:id="rId9"/>
+    <p:sldId id="331" r:id="rId10"/>
+    <p:sldId id="315" r:id="rId11"/>
+    <p:sldId id="316" r:id="rId12"/>
+    <p:sldId id="324" r:id="rId13"/>
+    <p:sldId id="325" r:id="rId14"/>
+    <p:sldId id="326" r:id="rId15"/>
+    <p:sldId id="327" r:id="rId16"/>
+    <p:sldId id="328" r:id="rId17"/>
+    <p:sldId id="329" r:id="rId18"/>
+    <p:sldId id="330" r:id="rId19"/>
+    <p:sldId id="286" r:id="rId20"/>
+    <p:sldId id="266" r:id="rId21"/>
+    <p:sldId id="267" r:id="rId22"/>
+    <p:sldId id="269" r:id="rId23"/>
+    <p:sldId id="298" r:id="rId24"/>
+    <p:sldId id="288" r:id="rId25"/>
+    <p:sldId id="299" r:id="rId26"/>
+    <p:sldId id="270" r:id="rId27"/>
+    <p:sldId id="272" r:id="rId28"/>
+    <p:sldId id="273" r:id="rId29"/>
+    <p:sldId id="274" r:id="rId30"/>
+    <p:sldId id="275" r:id="rId31"/>
+    <p:sldId id="285" r:id="rId32"/>
+    <p:sldId id="290" r:id="rId33"/>
+    <p:sldId id="291" r:id="rId34"/>
+    <p:sldId id="300" r:id="rId35"/>
+    <p:sldId id="301" r:id="rId36"/>
+    <p:sldId id="302" r:id="rId37"/>
+    <p:sldId id="304" r:id="rId38"/>
+    <p:sldId id="303" r:id="rId39"/>
+    <p:sldId id="293" r:id="rId40"/>
+    <p:sldId id="295" r:id="rId41"/>
+    <p:sldId id="297" r:id="rId42"/>
+    <p:sldId id="296" r:id="rId43"/>
+    <p:sldId id="294" r:id="rId44"/>
   </p:sldIdLst>
   <p:sldSz cx="9144000" cy="6858000" type="screen4x3"/>
   <p:notesSz cx="6858000" cy="9144000"/>
@@ -148,6 +150,440 @@
     </a:lvl9pPr>
   </p:defaultTextStyle>
 </p:presentation>
+</file>
+
+<file path=ppt/notesMasters/notesMaster1.xml><?xml version="1.0" encoding="utf-8"?>
+<p:notesMaster xmlns:a="http://schemas.openxmlformats.org/drawingml/2006/main" xmlns:r="http://schemas.openxmlformats.org/officeDocument/2006/relationships" xmlns:p="http://schemas.openxmlformats.org/presentationml/2006/main">
+  <p:cSld>
+    <p:bg>
+      <p:bgRef idx="1001">
+        <a:schemeClr val="bg1"/>
+      </p:bgRef>
+    </p:bg>
+    <p:spTree>
+      <p:nvGrpSpPr>
+        <p:cNvPr id="1" name=""/>
+        <p:cNvGrpSpPr/>
+        <p:nvPr/>
+      </p:nvGrpSpPr>
+      <p:grpSpPr>
+        <a:xfrm>
+          <a:off x="0" y="0"/>
+          <a:ext cx="0" cy="0"/>
+          <a:chOff x="0" y="0"/>
+          <a:chExt cx="0" cy="0"/>
+        </a:xfrm>
+      </p:grpSpPr>
+      <p:sp>
+        <p:nvSpPr>
+          <p:cNvPr id="2" name="Header Placeholder 1"/>
+          <p:cNvSpPr>
+            <a:spLocks noGrp="1"/>
+          </p:cNvSpPr>
+          <p:nvPr>
+            <p:ph type="hdr" sz="quarter"/>
+          </p:nvPr>
+        </p:nvSpPr>
+        <p:spPr>
+          <a:xfrm>
+            <a:off x="0" y="0"/>
+            <a:ext cx="2971800" cy="457200"/>
+          </a:xfrm>
+          <a:prstGeom prst="rect">
+            <a:avLst/>
+          </a:prstGeom>
+        </p:spPr>
+        <p:txBody>
+          <a:bodyPr vert="horz" lIns="91440" tIns="45720" rIns="91440" bIns="45720" rtlCol="0"/>
+          <a:lstStyle>
+            <a:lvl1pPr algn="l">
+              <a:defRPr sz="1200"/>
+            </a:lvl1pPr>
+          </a:lstStyle>
+          <a:p>
+            <a:endParaRPr lang="en-US"/>
+          </a:p>
+        </p:txBody>
+      </p:sp>
+      <p:sp>
+        <p:nvSpPr>
+          <p:cNvPr id="3" name="Date Placeholder 2"/>
+          <p:cNvSpPr>
+            <a:spLocks noGrp="1"/>
+          </p:cNvSpPr>
+          <p:nvPr>
+            <p:ph type="dt" idx="1"/>
+          </p:nvPr>
+        </p:nvSpPr>
+        <p:spPr>
+          <a:xfrm>
+            <a:off x="3884613" y="0"/>
+            <a:ext cx="2971800" cy="457200"/>
+          </a:xfrm>
+          <a:prstGeom prst="rect">
+            <a:avLst/>
+          </a:prstGeom>
+        </p:spPr>
+        <p:txBody>
+          <a:bodyPr vert="horz" lIns="91440" tIns="45720" rIns="91440" bIns="45720" rtlCol="0"/>
+          <a:lstStyle>
+            <a:lvl1pPr algn="r">
+              <a:defRPr sz="1200"/>
+            </a:lvl1pPr>
+          </a:lstStyle>
+          <a:p>
+            <a:fld id="{918835FE-1F8C-E74B-8EB1-69901B14C6AF}" type="datetimeFigureOut">
+              <a:rPr lang="en-US" smtClean="0"/>
+              <a:t>4/10/17</a:t>
+            </a:fld>
+            <a:endParaRPr lang="en-US"/>
+          </a:p>
+        </p:txBody>
+      </p:sp>
+      <p:sp>
+        <p:nvSpPr>
+          <p:cNvPr id="4" name="Slide Image Placeholder 3"/>
+          <p:cNvSpPr>
+            <a:spLocks noGrp="1" noRot="1" noChangeAspect="1"/>
+          </p:cNvSpPr>
+          <p:nvPr>
+            <p:ph type="sldImg" idx="2"/>
+          </p:nvPr>
+        </p:nvSpPr>
+        <p:spPr>
+          <a:xfrm>
+            <a:off x="1143000" y="685800"/>
+            <a:ext cx="4572000" cy="3429000"/>
+          </a:xfrm>
+          <a:prstGeom prst="rect">
+            <a:avLst/>
+          </a:prstGeom>
+          <a:noFill/>
+          <a:ln w="12700">
+            <a:solidFill>
+              <a:prstClr val="black"/>
+            </a:solidFill>
+          </a:ln>
+        </p:spPr>
+        <p:txBody>
+          <a:bodyPr vert="horz" lIns="91440" tIns="45720" rIns="91440" bIns="45720" rtlCol="0" anchor="ctr"/>
+          <a:lstStyle/>
+          <a:p>
+            <a:endParaRPr lang="en-US"/>
+          </a:p>
+        </p:txBody>
+      </p:sp>
+      <p:sp>
+        <p:nvSpPr>
+          <p:cNvPr id="5" name="Notes Placeholder 4"/>
+          <p:cNvSpPr>
+            <a:spLocks noGrp="1"/>
+          </p:cNvSpPr>
+          <p:nvPr>
+            <p:ph type="body" sz="quarter" idx="3"/>
+          </p:nvPr>
+        </p:nvSpPr>
+        <p:spPr>
+          <a:xfrm>
+            <a:off x="685800" y="4343400"/>
+            <a:ext cx="5486400" cy="4114800"/>
+          </a:xfrm>
+          <a:prstGeom prst="rect">
+            <a:avLst/>
+          </a:prstGeom>
+        </p:spPr>
+        <p:txBody>
+          <a:bodyPr vert="horz" lIns="91440" tIns="45720" rIns="91440" bIns="45720" rtlCol="0"/>
+          <a:lstStyle/>
+          <a:p>
+            <a:pPr lvl="0"/>
+            <a:r>
+              <a:rPr lang="en-US" smtClean="0"/>
+              <a:t>Click to edit Master text styles</a:t>
+            </a:r>
+          </a:p>
+          <a:p>
+            <a:pPr lvl="1"/>
+            <a:r>
+              <a:rPr lang="en-US" smtClean="0"/>
+              <a:t>Second level</a:t>
+            </a:r>
+          </a:p>
+          <a:p>
+            <a:pPr lvl="2"/>
+            <a:r>
+              <a:rPr lang="en-US" smtClean="0"/>
+              <a:t>Third level</a:t>
+            </a:r>
+          </a:p>
+          <a:p>
+            <a:pPr lvl="3"/>
+            <a:r>
+              <a:rPr lang="en-US" smtClean="0"/>
+              <a:t>Fourth level</a:t>
+            </a:r>
+          </a:p>
+          <a:p>
+            <a:pPr lvl="4"/>
+            <a:r>
+              <a:rPr lang="en-US" smtClean="0"/>
+              <a:t>Fifth level</a:t>
+            </a:r>
+            <a:endParaRPr lang="en-US"/>
+          </a:p>
+        </p:txBody>
+      </p:sp>
+      <p:sp>
+        <p:nvSpPr>
+          <p:cNvPr id="6" name="Footer Placeholder 5"/>
+          <p:cNvSpPr>
+            <a:spLocks noGrp="1"/>
+          </p:cNvSpPr>
+          <p:nvPr>
+            <p:ph type="ftr" sz="quarter" idx="4"/>
+          </p:nvPr>
+        </p:nvSpPr>
+        <p:spPr>
+          <a:xfrm>
+            <a:off x="0" y="8685213"/>
+            <a:ext cx="2971800" cy="457200"/>
+          </a:xfrm>
+          <a:prstGeom prst="rect">
+            <a:avLst/>
+          </a:prstGeom>
+        </p:spPr>
+        <p:txBody>
+          <a:bodyPr vert="horz" lIns="91440" tIns="45720" rIns="91440" bIns="45720" rtlCol="0" anchor="b"/>
+          <a:lstStyle>
+            <a:lvl1pPr algn="l">
+              <a:defRPr sz="1200"/>
+            </a:lvl1pPr>
+          </a:lstStyle>
+          <a:p>
+            <a:endParaRPr lang="en-US"/>
+          </a:p>
+        </p:txBody>
+      </p:sp>
+      <p:sp>
+        <p:nvSpPr>
+          <p:cNvPr id="7" name="Slide Number Placeholder 6"/>
+          <p:cNvSpPr>
+            <a:spLocks noGrp="1"/>
+          </p:cNvSpPr>
+          <p:nvPr>
+            <p:ph type="sldNum" sz="quarter" idx="5"/>
+          </p:nvPr>
+        </p:nvSpPr>
+        <p:spPr>
+          <a:xfrm>
+            <a:off x="3884613" y="8685213"/>
+            <a:ext cx="2971800" cy="457200"/>
+          </a:xfrm>
+          <a:prstGeom prst="rect">
+            <a:avLst/>
+          </a:prstGeom>
+        </p:spPr>
+        <p:txBody>
+          <a:bodyPr vert="horz" lIns="91440" tIns="45720" rIns="91440" bIns="45720" rtlCol="0" anchor="b"/>
+          <a:lstStyle>
+            <a:lvl1pPr algn="r">
+              <a:defRPr sz="1200"/>
+            </a:lvl1pPr>
+          </a:lstStyle>
+          <a:p>
+            <a:fld id="{A5F85691-0A5F-DB46-A31F-C93013C8D459}" type="slidenum">
+              <a:rPr lang="en-US" smtClean="0"/>
+              <a:t>‹#›</a:t>
+            </a:fld>
+            <a:endParaRPr lang="en-US"/>
+          </a:p>
+        </p:txBody>
+      </p:sp>
+    </p:spTree>
+    <p:extLst>
+      <p:ext uri="{BB962C8B-B14F-4D97-AF65-F5344CB8AC3E}">
+        <p14:creationId xmlns:p14="http://schemas.microsoft.com/office/powerpoint/2010/main" val="2161616456"/>
+      </p:ext>
+    </p:extLst>
+  </p:cSld>
+  <p:clrMap bg1="lt1" tx1="dk1" bg2="lt2" tx2="dk2" accent1="accent1" accent2="accent2" accent3="accent3" accent4="accent4" accent5="accent5" accent6="accent6" hlink="hlink" folHlink="folHlink"/>
+  <p:notesStyle>
+    <a:lvl1pPr marL="0" algn="l" defTabSz="457200" rtl="0" eaLnBrk="1" latinLnBrk="0" hangingPunct="1">
+      <a:defRPr sz="1200" kern="1200">
+        <a:solidFill>
+          <a:schemeClr val="tx1"/>
+        </a:solidFill>
+        <a:latin typeface="+mn-lt"/>
+        <a:ea typeface="+mn-ea"/>
+        <a:cs typeface="+mn-cs"/>
+      </a:defRPr>
+    </a:lvl1pPr>
+    <a:lvl2pPr marL="457200" algn="l" defTabSz="457200" rtl="0" eaLnBrk="1" latinLnBrk="0" hangingPunct="1">
+      <a:defRPr sz="1200" kern="1200">
+        <a:solidFill>
+          <a:schemeClr val="tx1"/>
+        </a:solidFill>
+        <a:latin typeface="+mn-lt"/>
+        <a:ea typeface="+mn-ea"/>
+        <a:cs typeface="+mn-cs"/>
+      </a:defRPr>
+    </a:lvl2pPr>
+    <a:lvl3pPr marL="914400" algn="l" defTabSz="457200" rtl="0" eaLnBrk="1" latinLnBrk="0" hangingPunct="1">
+      <a:defRPr sz="1200" kern="1200">
+        <a:solidFill>
+          <a:schemeClr val="tx1"/>
+        </a:solidFill>
+        <a:latin typeface="+mn-lt"/>
+        <a:ea typeface="+mn-ea"/>
+        <a:cs typeface="+mn-cs"/>
+      </a:defRPr>
+    </a:lvl3pPr>
+    <a:lvl4pPr marL="1371600" algn="l" defTabSz="457200" rtl="0" eaLnBrk="1" latinLnBrk="0" hangingPunct="1">
+      <a:defRPr sz="1200" kern="1200">
+        <a:solidFill>
+          <a:schemeClr val="tx1"/>
+        </a:solidFill>
+        <a:latin typeface="+mn-lt"/>
+        <a:ea typeface="+mn-ea"/>
+        <a:cs typeface="+mn-cs"/>
+      </a:defRPr>
+    </a:lvl4pPr>
+    <a:lvl5pPr marL="1828800" algn="l" defTabSz="457200" rtl="0" eaLnBrk="1" latinLnBrk="0" hangingPunct="1">
+      <a:defRPr sz="1200" kern="1200">
+        <a:solidFill>
+          <a:schemeClr val="tx1"/>
+        </a:solidFill>
+        <a:latin typeface="+mn-lt"/>
+        <a:ea typeface="+mn-ea"/>
+        <a:cs typeface="+mn-cs"/>
+      </a:defRPr>
+    </a:lvl5pPr>
+    <a:lvl6pPr marL="2286000" algn="l" defTabSz="457200" rtl="0" eaLnBrk="1" latinLnBrk="0" hangingPunct="1">
+      <a:defRPr sz="1200" kern="1200">
+        <a:solidFill>
+          <a:schemeClr val="tx1"/>
+        </a:solidFill>
+        <a:latin typeface="+mn-lt"/>
+        <a:ea typeface="+mn-ea"/>
+        <a:cs typeface="+mn-cs"/>
+      </a:defRPr>
+    </a:lvl6pPr>
+    <a:lvl7pPr marL="2743200" algn="l" defTabSz="457200" rtl="0" eaLnBrk="1" latinLnBrk="0" hangingPunct="1">
+      <a:defRPr sz="1200" kern="1200">
+        <a:solidFill>
+          <a:schemeClr val="tx1"/>
+        </a:solidFill>
+        <a:latin typeface="+mn-lt"/>
+        <a:ea typeface="+mn-ea"/>
+        <a:cs typeface="+mn-cs"/>
+      </a:defRPr>
+    </a:lvl7pPr>
+    <a:lvl8pPr marL="3200400" algn="l" defTabSz="457200" rtl="0" eaLnBrk="1" latinLnBrk="0" hangingPunct="1">
+      <a:defRPr sz="1200" kern="1200">
+        <a:solidFill>
+          <a:schemeClr val="tx1"/>
+        </a:solidFill>
+        <a:latin typeface="+mn-lt"/>
+        <a:ea typeface="+mn-ea"/>
+        <a:cs typeface="+mn-cs"/>
+      </a:defRPr>
+    </a:lvl8pPr>
+    <a:lvl9pPr marL="3657600" algn="l" defTabSz="457200" rtl="0" eaLnBrk="1" latinLnBrk="0" hangingPunct="1">
+      <a:defRPr sz="1200" kern="1200">
+        <a:solidFill>
+          <a:schemeClr val="tx1"/>
+        </a:solidFill>
+        <a:latin typeface="+mn-lt"/>
+        <a:ea typeface="+mn-ea"/>
+        <a:cs typeface="+mn-cs"/>
+      </a:defRPr>
+    </a:lvl9pPr>
+  </p:notesStyle>
+</p:notesMaster>
+</file>
+
+<file path=ppt/notesSlides/notesSlide1.xml><?xml version="1.0" encoding="utf-8"?>
+<p:notes xmlns:a="http://schemas.openxmlformats.org/drawingml/2006/main" xmlns:r="http://schemas.openxmlformats.org/officeDocument/2006/relationships" xmlns:p="http://schemas.openxmlformats.org/presentationml/2006/main">
+  <p:cSld>
+    <p:spTree>
+      <p:nvGrpSpPr>
+        <p:cNvPr id="1" name=""/>
+        <p:cNvGrpSpPr/>
+        <p:nvPr/>
+      </p:nvGrpSpPr>
+      <p:grpSpPr>
+        <a:xfrm>
+          <a:off x="0" y="0"/>
+          <a:ext cx="0" cy="0"/>
+          <a:chOff x="0" y="0"/>
+          <a:chExt cx="0" cy="0"/>
+        </a:xfrm>
+      </p:grpSpPr>
+      <p:sp>
+        <p:nvSpPr>
+          <p:cNvPr id="2" name="Slide Image Placeholder 1"/>
+          <p:cNvSpPr>
+            <a:spLocks noGrp="1" noRot="1" noChangeAspect="1"/>
+          </p:cNvSpPr>
+          <p:nvPr>
+            <p:ph type="sldImg"/>
+          </p:nvPr>
+        </p:nvSpPr>
+        <p:spPr/>
+      </p:sp>
+      <p:sp>
+        <p:nvSpPr>
+          <p:cNvPr id="3" name="Notes Placeholder 2"/>
+          <p:cNvSpPr>
+            <a:spLocks noGrp="1"/>
+          </p:cNvSpPr>
+          <p:nvPr>
+            <p:ph type="body" idx="1"/>
+          </p:nvPr>
+        </p:nvSpPr>
+        <p:spPr/>
+        <p:txBody>
+          <a:bodyPr/>
+          <a:lstStyle/>
+          <a:p>
+            <a:endParaRPr lang="en-US" dirty="0"/>
+          </a:p>
+        </p:txBody>
+      </p:sp>
+      <p:sp>
+        <p:nvSpPr>
+          <p:cNvPr id="4" name="Slide Number Placeholder 3"/>
+          <p:cNvSpPr>
+            <a:spLocks noGrp="1"/>
+          </p:cNvSpPr>
+          <p:nvPr>
+            <p:ph type="sldNum" sz="quarter" idx="10"/>
+          </p:nvPr>
+        </p:nvSpPr>
+        <p:spPr/>
+        <p:txBody>
+          <a:bodyPr/>
+          <a:lstStyle/>
+          <a:p>
+            <a:fld id="{A5F85691-0A5F-DB46-A31F-C93013C8D459}" type="slidenum">
+              <a:rPr lang="en-US" smtClean="0"/>
+              <a:t>12</a:t>
+            </a:fld>
+            <a:endParaRPr lang="en-US"/>
+          </a:p>
+        </p:txBody>
+      </p:sp>
+    </p:spTree>
+    <p:extLst>
+      <p:ext uri="{BB962C8B-B14F-4D97-AF65-F5344CB8AC3E}">
+        <p14:creationId xmlns:p14="http://schemas.microsoft.com/office/powerpoint/2010/main" val="3702453883"/>
+      </p:ext>
+    </p:extLst>
+  </p:cSld>
+  <p:clrMapOvr>
+    <a:masterClrMapping/>
+  </p:clrMapOvr>
+</p:notes>
 </file>
 
 <file path=ppt/slideLayouts/slideLayout1.xml><?xml version="1.0" encoding="utf-8"?>
@@ -3574,7 +4010,6 @@
               <a:rPr lang="en-US" dirty="0"/>
               <a:t>DAT-BOS-16</a:t>
             </a:r>
-            <a:endParaRPr lang="en-US" dirty="0"/>
           </a:p>
         </p:txBody>
       </p:sp>
@@ -3591,7 +4026,7 @@
         <p:spPr/>
         <p:txBody>
           <a:bodyPr>
-            <a:normAutofit/>
+            <a:normAutofit fontScale="92500" lnSpcReduction="20000"/>
           </a:bodyPr>
           <a:lstStyle/>
           <a:p>
@@ -3600,7 +4035,7 @@
             </a:pPr>
             <a:r>
               <a:rPr lang="en-US" dirty="0"/>
-              <a:t>Clone the course repository</a:t>
+              <a:t>Update your clone</a:t>
             </a:r>
           </a:p>
           <a:p>
@@ -3609,16 +4044,7 @@
             </a:pPr>
             <a:r>
               <a:rPr lang="en-US" dirty="0"/>
-              <a:t>(one-time setup)</a:t>
-            </a:r>
-          </a:p>
-          <a:p>
-            <a:pPr marL="0" indent="0">
-              <a:buNone/>
-            </a:pPr>
-            <a:r>
-              <a:rPr lang="en-US" dirty="0"/>
-              <a:t>‣ Using your terminal:</a:t>
+              <a:t>(recurring)</a:t>
             </a:r>
           </a:p>
           <a:p>
@@ -3635,27 +4061,40 @@
             </a:r>
             <a:r>
               <a:rPr lang="en-US" dirty="0"/>
-              <a:t> clone https://</a:t>
+              <a:t> pull</a:t>
+            </a:r>
+          </a:p>
+          <a:p>
+            <a:pPr marL="0" indent="0">
+              <a:buNone/>
+            </a:pPr>
+            <a:r>
+              <a:rPr lang="en-US" dirty="0"/>
+              <a:t>‣ </a:t>
             </a:r>
             <a:r>
               <a:rPr lang="en-US" dirty="0" err="1"/>
-              <a:t>github.com</a:t>
-            </a:r>
-            <a:r>
-              <a:rPr lang="en-US" dirty="0"/>
-              <a:t>/</a:t>
+              <a:t>git</a:t>
+            </a:r>
+            <a:r>
+              <a:rPr lang="en-US" dirty="0"/>
+              <a:t> pull combines </a:t>
             </a:r>
             <a:r>
               <a:rPr lang="en-US" dirty="0" err="1"/>
-              <a:t>gastudents</a:t>
-            </a:r>
-            <a:r>
-              <a:rPr lang="en-US" dirty="0" smtClean="0"/>
-              <a:t>/DAT</a:t>
-            </a:r>
-            <a:r>
-              <a:rPr lang="en-US" dirty="0"/>
-              <a:t>-BOS-16</a:t>
+              <a:t>git</a:t>
+            </a:r>
+            <a:r>
+              <a:rPr lang="en-US" dirty="0"/>
+              <a:t> fetch and </a:t>
+            </a:r>
+            <a:r>
+              <a:rPr lang="en-US" dirty="0" err="1"/>
+              <a:t>git</a:t>
+            </a:r>
+            <a:r>
+              <a:rPr lang="en-US" dirty="0"/>
+              <a:t> merge in</a:t>
             </a:r>
           </a:p>
           <a:p>
@@ -3664,11 +4103,56 @@
             </a:pPr>
             <a:r>
               <a:rPr lang="en-US" dirty="0"/>
-              <a:t>‣ cd DAT-BOS-16</a:t>
-            </a:r>
-          </a:p>
-          <a:p>
-            <a:endParaRPr lang="en-US" dirty="0"/>
+              <a:t>one operation</a:t>
+            </a:r>
+          </a:p>
+          <a:p>
+            <a:pPr marL="0" indent="0">
+              <a:buNone/>
+            </a:pPr>
+            <a:r>
+              <a:rPr lang="en-US" dirty="0"/>
+              <a:t>‣ </a:t>
+            </a:r>
+            <a:r>
+              <a:rPr lang="en-US" dirty="0" err="1"/>
+              <a:t>git</a:t>
+            </a:r>
+            <a:r>
+              <a:rPr lang="en-US" dirty="0"/>
+              <a:t> commit –m "Merged commits from</a:t>
+            </a:r>
+          </a:p>
+          <a:p>
+            <a:pPr marL="0" indent="0">
+              <a:buNone/>
+            </a:pPr>
+            <a:r>
+              <a:rPr lang="en-US" dirty="0" err="1"/>
+              <a:t>ga</a:t>
+            </a:r>
+            <a:r>
+              <a:rPr lang="en-US" dirty="0"/>
+              <a:t>-students/DAT-BOS-16 up to xxx"</a:t>
+            </a:r>
+          </a:p>
+          <a:p>
+            <a:pPr marL="0" indent="0">
+              <a:buNone/>
+            </a:pPr>
+            <a:r>
+              <a:rPr lang="en-US" dirty="0"/>
+              <a:t>‣ (if the merge was “Fast-forward”, i.e., trivial, there</a:t>
+            </a:r>
+          </a:p>
+          <a:p>
+            <a:pPr marL="0" indent="0">
+              <a:buNone/>
+            </a:pPr>
+            <a:r>
+              <a:rPr lang="en-US" dirty="0"/>
+              <a:t>is no commit to perform)</a:t>
+            </a:r>
           </a:p>
         </p:txBody>
       </p:sp>
@@ -3728,7 +4212,6 @@
               <a:rPr lang="en-US" dirty="0"/>
               <a:t>DAT-BOS-16</a:t>
             </a:r>
-            <a:endParaRPr lang="en-US" dirty="0"/>
           </a:p>
         </p:txBody>
       </p:sp>
@@ -3754,7 +4237,7 @@
             </a:pPr>
             <a:r>
               <a:rPr lang="en-US" dirty="0"/>
-              <a:t>Update your clone</a:t>
+              <a:t>‣ Assumptions</a:t>
             </a:r>
           </a:p>
           <a:p>
@@ -3763,7 +4246,7 @@
             </a:pPr>
             <a:r>
               <a:rPr lang="en-US" dirty="0"/>
-              <a:t>(recurring)</a:t>
+              <a:t>‣ Your clones DAT-BOS-16 and DAT-BOS-16-</a:t>
             </a:r>
           </a:p>
           <a:p>
@@ -3772,15 +4255,7 @@
             </a:pPr>
             <a:r>
               <a:rPr lang="en-US" dirty="0"/>
-              <a:t>‣ </a:t>
-            </a:r>
-            <a:r>
-              <a:rPr lang="en-US" dirty="0" err="1"/>
-              <a:t>git</a:t>
-            </a:r>
-            <a:r>
-              <a:rPr lang="en-US" dirty="0"/>
-              <a:t> pull</a:t>
+              <a:t>work are the at same level (i.e., you were</a:t>
             </a:r>
           </a:p>
           <a:p>
@@ -3789,31 +4264,7 @@
             </a:pPr>
             <a:r>
               <a:rPr lang="en-US" dirty="0"/>
-              <a:t>‣ </a:t>
-            </a:r>
-            <a:r>
-              <a:rPr lang="en-US" dirty="0" err="1"/>
-              <a:t>git</a:t>
-            </a:r>
-            <a:r>
-              <a:rPr lang="en-US" dirty="0"/>
-              <a:t> pull combines </a:t>
-            </a:r>
-            <a:r>
-              <a:rPr lang="en-US" dirty="0" err="1"/>
-              <a:t>git</a:t>
-            </a:r>
-            <a:r>
-              <a:rPr lang="en-US" dirty="0"/>
-              <a:t> fetch and </a:t>
-            </a:r>
-            <a:r>
-              <a:rPr lang="en-US" dirty="0" err="1"/>
-              <a:t>git</a:t>
-            </a:r>
-            <a:r>
-              <a:rPr lang="en-US" dirty="0"/>
-              <a:t> merge in</a:t>
+              <a:t>in the same directory/folder when you</a:t>
             </a:r>
           </a:p>
           <a:p>
@@ -3822,7 +4273,7 @@
             </a:pPr>
             <a:r>
               <a:rPr lang="en-US" dirty="0"/>
-              <a:t>one operation</a:t>
+              <a:t>cloned these repositories; e.g., the root of</a:t>
             </a:r>
           </a:p>
           <a:p>
@@ -3831,15 +4282,7 @@
             </a:pPr>
             <a:r>
               <a:rPr lang="en-US" dirty="0"/>
-              <a:t>‣ </a:t>
-            </a:r>
-            <a:r>
-              <a:rPr lang="en-US" dirty="0" err="1"/>
-              <a:t>git</a:t>
-            </a:r>
-            <a:r>
-              <a:rPr lang="en-US" dirty="0"/>
-              <a:t> commit –m "Merged commits from</a:t>
+              <a:t>your home directory)</a:t>
             </a:r>
           </a:p>
           <a:p>
@@ -3847,12 +4290,8 @@
               <a:buNone/>
             </a:pPr>
             <a:r>
-              <a:rPr lang="en-US" dirty="0" err="1"/>
-              <a:t>ga</a:t>
-            </a:r>
-            <a:r>
-              <a:rPr lang="en-US" dirty="0"/>
-              <a:t>-students/DAT-BOS-16 up to xxx"</a:t>
+              <a:rPr lang="en-US" dirty="0"/>
+              <a:t>‣ If you decided to use DAT-BOS-16 to submit</a:t>
             </a:r>
           </a:p>
           <a:p>
@@ -3861,7 +4300,7 @@
             </a:pPr>
             <a:r>
               <a:rPr lang="en-US" dirty="0"/>
-              <a:t>‣ (if the merge was “Fast-forward”, i.e., trivial, there</a:t>
+              <a:t>your assignments, replace “DAT-BOS-16-</a:t>
             </a:r>
           </a:p>
           <a:p>
@@ -3870,16 +4309,15 @@
             </a:pPr>
             <a:r>
               <a:rPr lang="en-US" dirty="0"/>
-              <a:t>is no commit to perform)</a:t>
-            </a:r>
-            <a:endParaRPr lang="en-US" dirty="0"/>
+              <a:t>work” with “DAT-BOS-16” in these slides</a:t>
+            </a:r>
           </a:p>
         </p:txBody>
       </p:sp>
     </p:spTree>
     <p:extLst>
       <p:ext uri="{BB962C8B-B14F-4D97-AF65-F5344CB8AC3E}">
-        <p14:creationId xmlns:p14="http://schemas.microsoft.com/office/powerpoint/2010/main" val="3784800741"/>
+        <p14:creationId xmlns:p14="http://schemas.microsoft.com/office/powerpoint/2010/main" val="65444338"/>
       </p:ext>
     </p:extLst>
   </p:cSld>
@@ -3932,33 +4370,76 @@
               <a:rPr lang="en-US" dirty="0"/>
               <a:t>DAT-BOS-16</a:t>
             </a:r>
+          </a:p>
+        </p:txBody>
+      </p:sp>
+      <p:sp>
+        <p:nvSpPr>
+          <p:cNvPr id="3" name="Content Placeholder 2"/>
+          <p:cNvSpPr>
+            <a:spLocks noGrp="1"/>
+          </p:cNvSpPr>
+          <p:nvPr>
+            <p:ph idx="1"/>
+          </p:nvPr>
+        </p:nvSpPr>
+        <p:spPr/>
+        <p:txBody>
+          <a:bodyPr>
+            <a:normAutofit/>
+          </a:bodyPr>
+          <a:lstStyle/>
+          <a:p>
+            <a:pPr marL="0" indent="0">
+              <a:buNone/>
+            </a:pPr>
+            <a:r>
+              <a:rPr lang="en-US" dirty="0"/>
+              <a:t>Initial commit</a:t>
+            </a:r>
+          </a:p>
+          <a:p>
+            <a:pPr marL="0" indent="0">
+              <a:buNone/>
+            </a:pPr>
+            <a:r>
+              <a:rPr lang="en-US" dirty="0"/>
+              <a:t>‣ cd DAT-BOS-16-work</a:t>
+            </a:r>
+          </a:p>
+          <a:p>
+            <a:pPr marL="0" indent="0">
+              <a:buNone/>
+            </a:pPr>
+            <a:r>
+              <a:rPr lang="en-US" dirty="0"/>
+              <a:t>‣ </a:t>
+            </a:r>
+            <a:r>
+              <a:rPr lang="en-US" dirty="0" err="1"/>
+              <a:t>cp</a:t>
+            </a:r>
+            <a:r>
+              <a:rPr lang="en-US" dirty="0"/>
+              <a:t> ../DAT-BOS-16</a:t>
+            </a:r>
+            <a:r>
+              <a:rPr lang="en-US" dirty="0"/>
+              <a:t>/projects/unit-projects/project-</a:t>
+            </a:r>
+            <a:r>
+              <a:rPr lang="en-US" dirty="0" smtClean="0"/>
+              <a:t>1/</a:t>
+            </a:r>
             <a:endParaRPr lang="en-US" dirty="0"/>
           </a:p>
-        </p:txBody>
-      </p:sp>
-      <p:sp>
-        <p:nvSpPr>
-          <p:cNvPr id="3" name="Content Placeholder 2"/>
-          <p:cNvSpPr>
-            <a:spLocks noGrp="1"/>
-          </p:cNvSpPr>
-          <p:nvPr>
-            <p:ph idx="1"/>
-          </p:nvPr>
-        </p:nvSpPr>
-        <p:spPr/>
-        <p:txBody>
-          <a:bodyPr>
-            <a:normAutofit fontScale="92500" lnSpcReduction="20000"/>
-          </a:bodyPr>
-          <a:lstStyle/>
           <a:p>
             <a:pPr marL="0" indent="0">
               <a:buNone/>
             </a:pPr>
             <a:r>
               <a:rPr lang="en-US" dirty="0"/>
-              <a:t>‣ Assumptions</a:t>
+              <a:t>1-starter-code.ipynb unit-project-1-</a:t>
             </a:r>
           </a:p>
           <a:p>
@@ -3966,9 +4447,10 @@
               <a:buNone/>
             </a:pPr>
             <a:r>
-              <a:rPr lang="en-US" dirty="0"/>
-              <a:t>‣ Your clones DAT-BOS-16 and DAT-BOS-16-</a:t>
-            </a:r>
+              <a:rPr lang="en-US" dirty="0" err="1"/>
+              <a:t>bear.ipynb</a:t>
+            </a:r>
+            <a:endParaRPr lang="en-US" dirty="0"/>
           </a:p>
           <a:p>
             <a:pPr marL="0" indent="0">
@@ -3976,62 +4458,18 @@
             </a:pPr>
             <a:r>
               <a:rPr lang="en-US" dirty="0"/>
-              <a:t>work are the at same level (i.e., you were</a:t>
-            </a:r>
-          </a:p>
-          <a:p>
-            <a:pPr marL="0" indent="0">
-              <a:buNone/>
-            </a:pPr>
-            <a:r>
-              <a:rPr lang="en-US" dirty="0"/>
-              <a:t>in the same directory/folder when you</a:t>
-            </a:r>
-          </a:p>
-          <a:p>
-            <a:pPr marL="0" indent="0">
-              <a:buNone/>
-            </a:pPr>
-            <a:r>
-              <a:rPr lang="en-US" dirty="0"/>
-              <a:t>cloned these repositories; e.g., the root of</a:t>
-            </a:r>
-          </a:p>
-          <a:p>
-            <a:pPr marL="0" indent="0">
-              <a:buNone/>
-            </a:pPr>
-            <a:r>
-              <a:rPr lang="en-US" dirty="0"/>
-              <a:t>your home directory)</a:t>
-            </a:r>
-          </a:p>
-          <a:p>
-            <a:pPr marL="0" indent="0">
-              <a:buNone/>
-            </a:pPr>
-            <a:r>
-              <a:rPr lang="en-US" dirty="0"/>
-              <a:t>‣ If you decided to use DAT-BOS-16 to submit</a:t>
-            </a:r>
-          </a:p>
-          <a:p>
-            <a:pPr marL="0" indent="0">
-              <a:buNone/>
-            </a:pPr>
-            <a:r>
-              <a:rPr lang="en-US" dirty="0"/>
-              <a:t>your assignments, replace “DAT-BOS-16-</a:t>
-            </a:r>
-          </a:p>
-          <a:p>
-            <a:pPr marL="0" indent="0">
-              <a:buNone/>
-            </a:pPr>
-            <a:r>
-              <a:rPr lang="en-US" dirty="0"/>
-              <a:t>work” with “DAT-BOS-16” in these slides</a:t>
-            </a:r>
+              <a:t>‣ </a:t>
+            </a:r>
+            <a:r>
+              <a:rPr lang="en-US" dirty="0" err="1"/>
+              <a:t>git</a:t>
+            </a:r>
+            <a:r>
+              <a:rPr lang="en-US" dirty="0"/>
+              <a:t> add unit-project-1-bear.ipynb</a:t>
+            </a:r>
+          </a:p>
+          <a:p>
             <a:endParaRPr lang="en-US" dirty="0"/>
           </a:p>
         </p:txBody>
@@ -4039,7 +4477,7 @@
     </p:spTree>
     <p:extLst>
       <p:ext uri="{BB962C8B-B14F-4D97-AF65-F5344CB8AC3E}">
-        <p14:creationId xmlns:p14="http://schemas.microsoft.com/office/powerpoint/2010/main" val="65444338"/>
+        <p14:creationId xmlns:p14="http://schemas.microsoft.com/office/powerpoint/2010/main" val="3070119153"/>
       </p:ext>
     </p:extLst>
   </p:cSld>
@@ -4092,7 +4530,6 @@
               <a:rPr lang="en-US" dirty="0"/>
               <a:t>DAT-BOS-16</a:t>
             </a:r>
-            <a:endParaRPr lang="en-US" dirty="0"/>
           </a:p>
         </p:txBody>
       </p:sp>
@@ -4109,7 +4546,7 @@
         <p:spPr/>
         <p:txBody>
           <a:bodyPr>
-            <a:normAutofit/>
+            <a:normAutofit fontScale="77500" lnSpcReduction="20000"/>
           </a:bodyPr>
           <a:lstStyle/>
           <a:p>
@@ -4118,50 +4555,7 @@
             </a:pPr>
             <a:r>
               <a:rPr lang="en-US" dirty="0"/>
-              <a:t>Initial commit</a:t>
-            </a:r>
-          </a:p>
-          <a:p>
-            <a:pPr marL="0" indent="0">
-              <a:buNone/>
-            </a:pPr>
-            <a:r>
-              <a:rPr lang="en-US" dirty="0"/>
-              <a:t>‣ cd DAT-BOS-16-work</a:t>
-            </a:r>
-          </a:p>
-          <a:p>
-            <a:pPr marL="0" indent="0">
-              <a:buNone/>
-            </a:pPr>
-            <a:r>
-              <a:rPr lang="en-US" dirty="0"/>
-              <a:t>‣ </a:t>
-            </a:r>
-            <a:r>
-              <a:rPr lang="en-US" dirty="0" err="1"/>
-              <a:t>cp</a:t>
-            </a:r>
-            <a:r>
-              <a:rPr lang="en-US" dirty="0"/>
-              <a:t> ../DAT-BOS-16/unit-projects/1/code/</a:t>
-            </a:r>
-            <a:r>
-              <a:rPr lang="en-US" dirty="0" err="1"/>
-              <a:t>unitproject</a:t>
-            </a:r>
-            <a:r>
-              <a:rPr lang="en-US" dirty="0"/>
-              <a:t>-</a:t>
-            </a:r>
-          </a:p>
-          <a:p>
-            <a:pPr marL="0" indent="0">
-              <a:buNone/>
-            </a:pPr>
-            <a:r>
-              <a:rPr lang="en-US" dirty="0"/>
-              <a:t>1-starter-code.ipynb unit-project-1-</a:t>
+              <a:t>If you can’t merge. E.g., unit-project-1-</a:t>
             </a:r>
           </a:p>
           <a:p>
@@ -4180,15 +4574,104 @@
             </a:pPr>
             <a:r>
               <a:rPr lang="en-US" dirty="0"/>
-              <a:t>‣ </a:t>
+              <a:t>‣ You have conflict(s). For example, you are trying to push</a:t>
+            </a:r>
+          </a:p>
+          <a:p>
+            <a:pPr marL="0" indent="0">
+              <a:buNone/>
+            </a:pPr>
+            <a:r>
+              <a:rPr lang="en-US" dirty="0"/>
+              <a:t>changes that modify the same cell that a previous commit</a:t>
+            </a:r>
+          </a:p>
+          <a:p>
+            <a:pPr marL="0" indent="0">
+              <a:buNone/>
+            </a:pPr>
+            <a:r>
+              <a:rPr lang="en-US" dirty="0"/>
+              <a:t>on the origin/</a:t>
             </a:r>
             <a:r>
               <a:rPr lang="en-US" dirty="0" err="1"/>
-              <a:t>git</a:t>
-            </a:r>
-            <a:r>
-              <a:rPr lang="en-US" dirty="0"/>
-              <a:t> add unit-project-1-bear.ipynb</a:t>
+              <a:t>GitHub</a:t>
+            </a:r>
+            <a:r>
+              <a:rPr lang="en-US" dirty="0"/>
+              <a:t> repository also changed. Somehow,</a:t>
+            </a:r>
+          </a:p>
+          <a:p>
+            <a:pPr marL="0" indent="0">
+              <a:buNone/>
+            </a:pPr>
+            <a:r>
+              <a:rPr lang="en-US" dirty="0" err="1"/>
+              <a:t>Git</a:t>
+            </a:r>
+            <a:r>
+              <a:rPr lang="en-US" dirty="0"/>
+              <a:t> cannot resolve the conflict because both commits aren’t</a:t>
+            </a:r>
+          </a:p>
+          <a:p>
+            <a:pPr marL="0" indent="0">
+              <a:buNone/>
+            </a:pPr>
+            <a:r>
+              <a:rPr lang="en-US" dirty="0"/>
+              <a:t>compatible with each other so it errors out and let you</a:t>
+            </a:r>
+          </a:p>
+          <a:p>
+            <a:pPr marL="0" indent="0">
+              <a:buNone/>
+            </a:pPr>
+            <a:r>
+              <a:rPr lang="en-US" dirty="0"/>
+              <a:t>resolve the merge manually)</a:t>
+            </a:r>
+          </a:p>
+          <a:p>
+            <a:pPr marL="0" indent="0">
+              <a:buNone/>
+            </a:pPr>
+            <a:r>
+              <a:rPr lang="en-US" dirty="0"/>
+              <a:t>‣ You won’t be able to resolve the conflict with </a:t>
+            </a:r>
+            <a:r>
+              <a:rPr lang="en-US" dirty="0" err="1"/>
+              <a:t>iPython</a:t>
+            </a:r>
+            <a:endParaRPr lang="en-US" dirty="0"/>
+          </a:p>
+          <a:p>
+            <a:pPr marL="0" indent="0">
+              <a:buNone/>
+            </a:pPr>
+            <a:r>
+              <a:rPr lang="en-US" dirty="0"/>
+              <a:t>Notebook as </a:t>
+            </a:r>
+            <a:r>
+              <a:rPr lang="en-US" dirty="0" err="1"/>
+              <a:t>Git</a:t>
+            </a:r>
+            <a:r>
+              <a:rPr lang="en-US" dirty="0"/>
+              <a:t> annotated the file with the merge conflict</a:t>
+            </a:r>
+          </a:p>
+          <a:p>
+            <a:pPr marL="0" indent="0">
+              <a:buNone/>
+            </a:pPr>
+            <a:r>
+              <a:rPr lang="en-US" dirty="0"/>
+              <a:t>that broke the structure of the notebook</a:t>
             </a:r>
           </a:p>
           <a:p>
@@ -4199,7 +4682,7 @@
     </p:spTree>
     <p:extLst>
       <p:ext uri="{BB962C8B-B14F-4D97-AF65-F5344CB8AC3E}">
-        <p14:creationId xmlns:p14="http://schemas.microsoft.com/office/powerpoint/2010/main" val="3070119153"/>
+        <p14:creationId xmlns:p14="http://schemas.microsoft.com/office/powerpoint/2010/main" val="4074033880"/>
       </p:ext>
     </p:extLst>
   </p:cSld>
@@ -4252,7 +4735,6 @@
               <a:rPr lang="en-US" dirty="0"/>
               <a:t>DAT-BOS-16</a:t>
             </a:r>
-            <a:endParaRPr lang="en-US" dirty="0"/>
           </a:p>
         </p:txBody>
       </p:sp>
@@ -4269,7 +4751,7 @@
         <p:spPr/>
         <p:txBody>
           <a:bodyPr>
-            <a:normAutofit fontScale="77500" lnSpcReduction="20000"/>
+            <a:normAutofit fontScale="70000" lnSpcReduction="20000"/>
           </a:bodyPr>
           <a:lstStyle/>
           <a:p>
@@ -4289,6 +4771,101 @@
               <a:rPr lang="en-US" dirty="0" err="1"/>
               <a:t>bear.ipynb</a:t>
             </a:r>
+            <a:r>
+              <a:rPr lang="en-US" dirty="0"/>
+              <a:t> (cont.)</a:t>
+            </a:r>
+          </a:p>
+          <a:p>
+            <a:pPr marL="0" indent="0">
+              <a:buNone/>
+            </a:pPr>
+            <a:r>
+              <a:rPr lang="en-US" dirty="0"/>
+              <a:t>‣ </a:t>
+            </a:r>
+            <a:r>
+              <a:rPr lang="en-US" dirty="0" err="1"/>
+              <a:t>git</a:t>
+            </a:r>
+            <a:r>
+              <a:rPr lang="en-US" dirty="0"/>
+              <a:t> diff unit-project-1-bear.ipynb</a:t>
+            </a:r>
+          </a:p>
+          <a:p>
+            <a:pPr marL="0" indent="0">
+              <a:buNone/>
+            </a:pPr>
+            <a:r>
+              <a:rPr lang="en-US" dirty="0"/>
+              <a:t>‣ The output will tell you in plain text where the conflicts occurs. Make</a:t>
+            </a:r>
+          </a:p>
+          <a:p>
+            <a:pPr marL="0" indent="0">
+              <a:buNone/>
+            </a:pPr>
+            <a:r>
+              <a:rPr lang="en-US" dirty="0"/>
+              <a:t>notes of them</a:t>
+            </a:r>
+          </a:p>
+          <a:p>
+            <a:pPr marL="0" indent="0">
+              <a:buNone/>
+            </a:pPr>
+            <a:r>
+              <a:rPr lang="en-US" dirty="0"/>
+              <a:t>‣ </a:t>
+            </a:r>
+            <a:r>
+              <a:rPr lang="en-US" dirty="0" err="1"/>
+              <a:t>git</a:t>
+            </a:r>
+            <a:r>
+              <a:rPr lang="en-US" dirty="0"/>
+              <a:t> reset --hard</a:t>
+            </a:r>
+          </a:p>
+          <a:p>
+            <a:pPr marL="0" indent="0">
+              <a:buNone/>
+            </a:pPr>
+            <a:r>
+              <a:rPr lang="en-US" dirty="0"/>
+              <a:t>‣ Undo the merge for the time being</a:t>
+            </a:r>
+          </a:p>
+          <a:p>
+            <a:pPr marL="0" indent="0">
+              <a:buNone/>
+            </a:pPr>
+            <a:r>
+              <a:rPr lang="en-US" dirty="0"/>
+              <a:t>‣ </a:t>
+            </a:r>
+            <a:r>
+              <a:rPr lang="en-US" dirty="0" err="1"/>
+              <a:t>cp</a:t>
+            </a:r>
+            <a:r>
+              <a:rPr lang="en-US" dirty="0"/>
+              <a:t> unit-project-1-bear.ipynb unit-project-1-</a:t>
+            </a:r>
+          </a:p>
+          <a:p>
+            <a:pPr marL="0" indent="0">
+              <a:buNone/>
+            </a:pPr>
+            <a:r>
+              <a:rPr lang="en-US" dirty="0"/>
+              <a:t>bear-pre-</a:t>
+            </a:r>
+            <a:r>
+              <a:rPr lang="en-US" dirty="0" err="1"/>
+              <a:t>merge.ipynb</a:t>
+            </a:r>
             <a:endParaRPr lang="en-US" dirty="0"/>
           </a:p>
           <a:p>
@@ -4297,7 +4874,7 @@
             </a:pPr>
             <a:r>
               <a:rPr lang="en-US" dirty="0"/>
-              <a:t>‣ You have conflict(s). For example, you are trying to push</a:t>
+              <a:t>‣ Make a copy of your pre-merge changes because you will apply them</a:t>
             </a:r>
           </a:p>
           <a:p>
@@ -4306,106 +4883,15 @@
             </a:pPr>
             <a:r>
               <a:rPr lang="en-US" dirty="0"/>
-              <a:t>changes that modify the same cell that a previous commit</a:t>
-            </a:r>
-          </a:p>
-          <a:p>
-            <a:pPr marL="0" indent="0">
-              <a:buNone/>
-            </a:pPr>
-            <a:r>
-              <a:rPr lang="en-US" dirty="0"/>
-              <a:t>on the origin/</a:t>
-            </a:r>
-            <a:r>
-              <a:rPr lang="en-US" dirty="0" err="1"/>
-              <a:t>GitHub</a:t>
-            </a:r>
-            <a:r>
-              <a:rPr lang="en-US" dirty="0"/>
-              <a:t> repository also changed. Somehow,</a:t>
-            </a:r>
-          </a:p>
-          <a:p>
-            <a:pPr marL="0" indent="0">
-              <a:buNone/>
-            </a:pPr>
-            <a:r>
-              <a:rPr lang="en-US" dirty="0" err="1"/>
-              <a:t>Git</a:t>
-            </a:r>
-            <a:r>
-              <a:rPr lang="en-US" dirty="0"/>
-              <a:t> cannot resolve the conflict because both commits aren’t</a:t>
-            </a:r>
-          </a:p>
-          <a:p>
-            <a:pPr marL="0" indent="0">
-              <a:buNone/>
-            </a:pPr>
-            <a:r>
-              <a:rPr lang="en-US" dirty="0"/>
-              <a:t>compatible with each other so it errors out and let you</a:t>
-            </a:r>
-          </a:p>
-          <a:p>
-            <a:pPr marL="0" indent="0">
-              <a:buNone/>
-            </a:pPr>
-            <a:r>
-              <a:rPr lang="en-US" dirty="0"/>
-              <a:t>resolve the merge manually)</a:t>
-            </a:r>
-          </a:p>
-          <a:p>
-            <a:pPr marL="0" indent="0">
-              <a:buNone/>
-            </a:pPr>
-            <a:r>
-              <a:rPr lang="en-US" dirty="0"/>
-              <a:t>‣ You won’t be able to resolve the conflict with </a:t>
-            </a:r>
-            <a:r>
-              <a:rPr lang="en-US" dirty="0" err="1"/>
-              <a:t>iPython</a:t>
-            </a:r>
-            <a:endParaRPr lang="en-US" dirty="0"/>
-          </a:p>
-          <a:p>
-            <a:pPr marL="0" indent="0">
-              <a:buNone/>
-            </a:pPr>
-            <a:r>
-              <a:rPr lang="en-US" dirty="0"/>
-              <a:t>Notebook as </a:t>
-            </a:r>
-            <a:r>
-              <a:rPr lang="en-US" dirty="0" err="1"/>
-              <a:t>Git</a:t>
-            </a:r>
-            <a:r>
-              <a:rPr lang="en-US" dirty="0"/>
-              <a:t> annotated the file with the merge conflict</a:t>
-            </a:r>
-          </a:p>
-          <a:p>
-            <a:pPr marL="0" indent="0">
-              <a:buNone/>
-            </a:pPr>
-            <a:r>
-              <a:rPr lang="en-US" dirty="0"/>
-              <a:t>that broke the structure of the notebook</a:t>
-            </a:r>
-          </a:p>
-          <a:p>
-            <a:endParaRPr lang="en-US" dirty="0"/>
+              <a:t>manually</a:t>
+            </a:r>
           </a:p>
         </p:txBody>
       </p:sp>
     </p:spTree>
     <p:extLst>
       <p:ext uri="{BB962C8B-B14F-4D97-AF65-F5344CB8AC3E}">
-        <p14:creationId xmlns:p14="http://schemas.microsoft.com/office/powerpoint/2010/main" val="4074033880"/>
+        <p14:creationId xmlns:p14="http://schemas.microsoft.com/office/powerpoint/2010/main" val="3070119153"/>
       </p:ext>
     </p:extLst>
   </p:cSld>
@@ -4458,7 +4944,6 @@
               <a:rPr lang="en-US" dirty="0"/>
               <a:t>DAT-BOS-16</a:t>
             </a:r>
-            <a:endParaRPr lang="en-US" dirty="0"/>
           </a:p>
         </p:txBody>
       </p:sp>
@@ -4475,7 +4960,7 @@
         <p:spPr/>
         <p:txBody>
           <a:bodyPr>
-            <a:normAutofit fontScale="70000" lnSpcReduction="20000"/>
+            <a:normAutofit fontScale="77500" lnSpcReduction="20000"/>
           </a:bodyPr>
           <a:lstStyle/>
           <a:p>
@@ -4514,7 +4999,7 @@
             </a:r>
             <a:r>
               <a:rPr lang="en-US" dirty="0"/>
-              <a:t> diff unit-project-1-bear.ipynb</a:t>
+              <a:t> merge</a:t>
             </a:r>
           </a:p>
           <a:p>
@@ -4523,16 +5008,7 @@
             </a:pPr>
             <a:r>
               <a:rPr lang="en-US" dirty="0"/>
-              <a:t>‣ The output will tell you in plain text where the conflicts occurs. Make</a:t>
-            </a:r>
-          </a:p>
-          <a:p>
-            <a:pPr marL="0" indent="0">
-              <a:buNone/>
-            </a:pPr>
-            <a:r>
-              <a:rPr lang="en-US" dirty="0"/>
-              <a:t>notes of them</a:t>
+              <a:t>‣ Try to merge again; of course, you’ll get the same conflicts</a:t>
             </a:r>
           </a:p>
           <a:p>
@@ -4549,7 +5025,7 @@
             </a:r>
             <a:r>
               <a:rPr lang="en-US" dirty="0"/>
-              <a:t> reset --hard</a:t>
+              <a:t> checkout --theirs unit-project-1-</a:t>
             </a:r>
           </a:p>
           <a:p>
@@ -4557,9 +5033,10 @@
               <a:buNone/>
             </a:pPr>
             <a:r>
-              <a:rPr lang="en-US" dirty="0"/>
-              <a:t>‣ Undo the merge for the time being</a:t>
-            </a:r>
+              <a:rPr lang="en-US" dirty="0" err="1"/>
+              <a:t>bear.ipynb</a:t>
+            </a:r>
+            <a:endParaRPr lang="en-US" dirty="0"/>
           </a:p>
           <a:p>
             <a:pPr marL="0" indent="0">
@@ -4567,15 +5044,15 @@
             </a:pPr>
             <a:r>
               <a:rPr lang="en-US" dirty="0"/>
-              <a:t>‣ </a:t>
+              <a:t>‣ Checkout the copy from the origin/</a:t>
             </a:r>
             <a:r>
               <a:rPr lang="en-US" dirty="0" err="1"/>
-              <a:t>cp</a:t>
-            </a:r>
-            <a:r>
-              <a:rPr lang="en-US" dirty="0"/>
-              <a:t> unit-project-1-bear.ipynb unit-project-1-</a:t>
+              <a:t>GitHub</a:t>
+            </a:r>
+            <a:r>
+              <a:rPr lang="en-US" dirty="0"/>
+              <a:t> repository</a:t>
             </a:r>
           </a:p>
           <a:p>
@@ -4584,13 +5061,24 @@
             </a:pPr>
             <a:r>
               <a:rPr lang="en-US" dirty="0"/>
-              <a:t>bear-pre-</a:t>
+              <a:t>‣ Now you can use </a:t>
             </a:r>
             <a:r>
               <a:rPr lang="en-US" dirty="0" err="1"/>
-              <a:t>merge.ipynb</a:t>
-            </a:r>
-            <a:endParaRPr lang="en-US" dirty="0"/>
+              <a:t>iPython</a:t>
+            </a:r>
+            <a:r>
+              <a:rPr lang="en-US" dirty="0"/>
+              <a:t> notebook to open both </a:t>
+            </a:r>
+            <a:r>
+              <a:rPr lang="en-US" dirty="0" err="1"/>
+              <a:t>unitproject</a:t>
+            </a:r>
+            <a:r>
+              <a:rPr lang="en-US" dirty="0"/>
+              <a:t>-</a:t>
+            </a:r>
           </a:p>
           <a:p>
             <a:pPr marL="0" indent="0">
@@ -4598,7 +5086,7 @@
             </a:pPr>
             <a:r>
               <a:rPr lang="en-US" dirty="0"/>
-              <a:t>‣ Make a copy of your pre-merge changes because you will apply them</a:t>
+              <a:t>1-bear.ipynb (the last version in the</a:t>
             </a:r>
           </a:p>
           <a:p>
@@ -4607,16 +5095,36 @@
             </a:pPr>
             <a:r>
               <a:rPr lang="en-US" dirty="0"/>
-              <a:t>manually</a:t>
-            </a:r>
-            <a:endParaRPr lang="en-US" dirty="0"/>
+              <a:t>origin/</a:t>
+            </a:r>
+            <a:r>
+              <a:rPr lang="en-US" dirty="0" err="1"/>
+              <a:t>GitHub</a:t>
+            </a:r>
+            <a:r>
+              <a:rPr lang="en-US" dirty="0"/>
+              <a:t> repository) and unit-project-1-bear-premerge.</a:t>
+            </a:r>
+          </a:p>
+          <a:p>
+            <a:pPr marL="0" indent="0">
+              <a:buNone/>
+            </a:pPr>
+            <a:r>
+              <a:rPr lang="en-US" dirty="0" err="1"/>
+              <a:t>ipynb</a:t>
+            </a:r>
+            <a:r>
+              <a:rPr lang="en-US" dirty="0"/>
+              <a:t> (the file you wanted to push)</a:t>
+            </a:r>
           </a:p>
         </p:txBody>
       </p:sp>
     </p:spTree>
     <p:extLst>
       <p:ext uri="{BB962C8B-B14F-4D97-AF65-F5344CB8AC3E}">
-        <p14:creationId xmlns:p14="http://schemas.microsoft.com/office/powerpoint/2010/main" val="3070119153"/>
+        <p14:creationId xmlns:p14="http://schemas.microsoft.com/office/powerpoint/2010/main" val="4074033880"/>
       </p:ext>
     </p:extLst>
   </p:cSld>
@@ -4669,7 +5177,6 @@
               <a:rPr lang="en-US" dirty="0"/>
               <a:t>DAT-BOS-16</a:t>
             </a:r>
-            <a:endParaRPr lang="en-US" dirty="0"/>
           </a:p>
         </p:txBody>
       </p:sp>
@@ -4844,6 +5351,8 @@
               <a:rPr lang="en-US" dirty="0"/>
               <a:t> (the file you wanted to push)</a:t>
             </a:r>
+          </a:p>
+          <a:p>
             <a:endParaRPr lang="en-US" dirty="0"/>
           </a:p>
         </p:txBody>
@@ -4851,7 +5360,7 @@
     </p:spTree>
     <p:extLst>
       <p:ext uri="{BB962C8B-B14F-4D97-AF65-F5344CB8AC3E}">
-        <p14:creationId xmlns:p14="http://schemas.microsoft.com/office/powerpoint/2010/main" val="4074033880"/>
+        <p14:creationId xmlns:p14="http://schemas.microsoft.com/office/powerpoint/2010/main" val="3070119153"/>
       </p:ext>
     </p:extLst>
   </p:cSld>
@@ -4904,7 +5413,6 @@
               <a:rPr lang="en-US" dirty="0"/>
               <a:t>DAT-BOS-16</a:t>
             </a:r>
-            <a:endParaRPr lang="en-US" dirty="0"/>
           </a:p>
         </p:txBody>
       </p:sp>
@@ -4921,31 +5429,9 @@
         <p:spPr/>
         <p:txBody>
           <a:bodyPr>
-            <a:normAutofit fontScale="77500" lnSpcReduction="20000"/>
+            <a:normAutofit/>
           </a:bodyPr>
           <a:lstStyle/>
-          <a:p>
-            <a:pPr marL="0" indent="0">
-              <a:buNone/>
-            </a:pPr>
-            <a:r>
-              <a:rPr lang="en-US" dirty="0"/>
-              <a:t>If you can’t merge. E.g., unit-project-1-</a:t>
-            </a:r>
-          </a:p>
-          <a:p>
-            <a:pPr marL="0" indent="0">
-              <a:buNone/>
-            </a:pPr>
-            <a:r>
-              <a:rPr lang="en-US" dirty="0" err="1"/>
-              <a:t>bear.ipynb</a:t>
-            </a:r>
-            <a:r>
-              <a:rPr lang="en-US" dirty="0"/>
-              <a:t> (cont.)</a:t>
-            </a:r>
-          </a:p>
           <a:p>
             <a:pPr marL="0" indent="0">
               <a:buNone/>
@@ -4960,7 +5446,7 @@
             </a:r>
             <a:r>
               <a:rPr lang="en-US" dirty="0"/>
-              <a:t> merge</a:t>
+              <a:t> commit -m "bear's Unit Project #1</a:t>
             </a:r>
           </a:p>
           <a:p>
@@ -4969,7 +5455,7 @@
             </a:pPr>
             <a:r>
               <a:rPr lang="en-US" dirty="0"/>
-              <a:t>‣ Try to merge again; of course, you’ll get the same conflicts</a:t>
+              <a:t>(unmodified from the course repository)"</a:t>
             </a:r>
           </a:p>
           <a:p>
@@ -4986,109 +5472,15 @@
             </a:r>
             <a:r>
               <a:rPr lang="en-US" dirty="0"/>
-              <a:t> checkout --theirs unit-project-1-</a:t>
-            </a:r>
-          </a:p>
-          <a:p>
-            <a:pPr marL="0" indent="0">
-              <a:buNone/>
-            </a:pPr>
-            <a:r>
-              <a:rPr lang="en-US" dirty="0" err="1"/>
-              <a:t>bear.ipynb</a:t>
-            </a:r>
-            <a:endParaRPr lang="en-US" dirty="0"/>
-          </a:p>
-          <a:p>
-            <a:pPr marL="0" indent="0">
-              <a:buNone/>
-            </a:pPr>
-            <a:r>
-              <a:rPr lang="en-US" dirty="0"/>
-              <a:t>‣ Checkout the copy from the origin/</a:t>
-            </a:r>
-            <a:r>
-              <a:rPr lang="en-US" dirty="0" err="1"/>
-              <a:t>GitHub</a:t>
-            </a:r>
-            <a:r>
-              <a:rPr lang="en-US" dirty="0"/>
-              <a:t> repository</a:t>
-            </a:r>
-          </a:p>
-          <a:p>
-            <a:pPr marL="0" indent="0">
-              <a:buNone/>
-            </a:pPr>
-            <a:r>
-              <a:rPr lang="en-US" dirty="0"/>
-              <a:t>‣ Now you can use </a:t>
-            </a:r>
-            <a:r>
-              <a:rPr lang="en-US" dirty="0" err="1"/>
-              <a:t>iPython</a:t>
-            </a:r>
-            <a:r>
-              <a:rPr lang="en-US" dirty="0"/>
-              <a:t> notebook to open both </a:t>
-            </a:r>
-            <a:r>
-              <a:rPr lang="en-US" dirty="0" err="1"/>
-              <a:t>unitproject</a:t>
-            </a:r>
-            <a:r>
-              <a:rPr lang="en-US" dirty="0"/>
-              <a:t>-</a:t>
-            </a:r>
-          </a:p>
-          <a:p>
-            <a:pPr marL="0" indent="0">
-              <a:buNone/>
-            </a:pPr>
-            <a:r>
-              <a:rPr lang="en-US" dirty="0"/>
-              <a:t>1-bear.ipynb (the last version in the</a:t>
-            </a:r>
-          </a:p>
-          <a:p>
-            <a:pPr marL="0" indent="0">
-              <a:buNone/>
-            </a:pPr>
-            <a:r>
-              <a:rPr lang="en-US" dirty="0"/>
-              <a:t>origin/</a:t>
-            </a:r>
-            <a:r>
-              <a:rPr lang="en-US" dirty="0" err="1"/>
-              <a:t>GitHub</a:t>
-            </a:r>
-            <a:r>
-              <a:rPr lang="en-US" dirty="0"/>
-              <a:t> repository) and unit-project-1-bear-premerge.</a:t>
-            </a:r>
-          </a:p>
-          <a:p>
-            <a:pPr marL="0" indent="0">
-              <a:buNone/>
-            </a:pPr>
-            <a:r>
-              <a:rPr lang="en-US" dirty="0" err="1"/>
-              <a:t>ipynb</a:t>
-            </a:r>
-            <a:r>
-              <a:rPr lang="en-US" dirty="0"/>
-              <a:t> (the file you wanted to push)</a:t>
-            </a:r>
-          </a:p>
-          <a:p>
-            <a:endParaRPr lang="en-US" dirty="0"/>
+              <a:t> push</a:t>
+            </a:r>
           </a:p>
         </p:txBody>
       </p:sp>
     </p:spTree>
     <p:extLst>
       <p:ext uri="{BB962C8B-B14F-4D97-AF65-F5344CB8AC3E}">
-        <p14:creationId xmlns:p14="http://schemas.microsoft.com/office/powerpoint/2010/main" val="3070119153"/>
+        <p14:creationId xmlns:p14="http://schemas.microsoft.com/office/powerpoint/2010/main" val="4074033880"/>
       </p:ext>
     </p:extLst>
   </p:cSld>
@@ -5141,42 +5533,78 @@
               <a:rPr lang="en-US" dirty="0"/>
               <a:t>DAT-BOS-16</a:t>
             </a:r>
+          </a:p>
+        </p:txBody>
+      </p:sp>
+      <p:sp>
+        <p:nvSpPr>
+          <p:cNvPr id="3" name="Content Placeholder 2"/>
+          <p:cNvSpPr>
+            <a:spLocks noGrp="1"/>
+          </p:cNvSpPr>
+          <p:nvPr>
+            <p:ph idx="1"/>
+          </p:nvPr>
+        </p:nvSpPr>
+        <p:spPr/>
+        <p:txBody>
+          <a:bodyPr>
+            <a:normAutofit fontScale="77500" lnSpcReduction="20000"/>
+          </a:bodyPr>
+          <a:lstStyle/>
+          <a:p>
+            <a:pPr marL="0" indent="0">
+              <a:buNone/>
+            </a:pPr>
+            <a:r>
+              <a:rPr lang="en-US" dirty="0"/>
+              <a:t>If you can’t push, you need to merge</a:t>
+            </a:r>
+          </a:p>
+          <a:p>
+            <a:pPr marL="0" indent="0">
+              <a:buNone/>
+            </a:pPr>
+            <a:r>
+              <a:rPr lang="en-US" dirty="0"/>
+              <a:t>‣ If you have multiple clones of the same </a:t>
+            </a:r>
+            <a:r>
+              <a:rPr lang="en-US" dirty="0" err="1"/>
+              <a:t>GitHub</a:t>
+            </a:r>
+            <a:r>
+              <a:rPr lang="en-US" dirty="0"/>
+              <a:t> repositories (or</a:t>
+            </a:r>
+          </a:p>
+          <a:p>
+            <a:pPr marL="0" indent="0">
+              <a:buNone/>
+            </a:pPr>
+            <a:r>
+              <a:rPr lang="en-US" dirty="0"/>
+              <a:t>you have multiple people working of the same </a:t>
+            </a:r>
+            <a:r>
+              <a:rPr lang="en-US" dirty="0" err="1"/>
+              <a:t>GitHub</a:t>
+            </a:r>
             <a:endParaRPr lang="en-US" dirty="0"/>
           </a:p>
-        </p:txBody>
-      </p:sp>
-      <p:sp>
-        <p:nvSpPr>
-          <p:cNvPr id="3" name="Content Placeholder 2"/>
-          <p:cNvSpPr>
-            <a:spLocks noGrp="1"/>
-          </p:cNvSpPr>
-          <p:nvPr>
-            <p:ph idx="1"/>
-          </p:nvPr>
-        </p:nvSpPr>
-        <p:spPr/>
-        <p:txBody>
-          <a:bodyPr>
-            <a:normAutofit/>
-          </a:bodyPr>
-          <a:lstStyle/>
           <a:p>
             <a:pPr marL="0" indent="0">
               <a:buNone/>
             </a:pPr>
             <a:r>
               <a:rPr lang="en-US" dirty="0"/>
-              <a:t>‣ </a:t>
+              <a:t>repository), the local clone you are trying to push from the </a:t>
             </a:r>
             <a:r>
               <a:rPr lang="en-US" dirty="0" err="1"/>
               <a:t>git</a:t>
             </a:r>
-            <a:r>
-              <a:rPr lang="en-US" dirty="0"/>
-              <a:t> commit -m "bear's Unit Project #1</a:t>
-            </a:r>
+            <a:endParaRPr lang="en-US" dirty="0"/>
           </a:p>
           <a:p>
             <a:pPr marL="0" indent="0">
@@ -5184,7 +5612,24 @@
             </a:pPr>
             <a:r>
               <a:rPr lang="en-US" dirty="0"/>
-              <a:t>(unmodified from the course repository)"</a:t>
+              <a:t>pull might be “behind” (it doesn’t have all the commits from the</a:t>
+            </a:r>
+          </a:p>
+          <a:p>
+            <a:pPr marL="0" indent="0">
+              <a:buNone/>
+            </a:pPr>
+            <a:r>
+              <a:rPr lang="en-US" dirty="0"/>
+              <a:t>origin/</a:t>
+            </a:r>
+            <a:r>
+              <a:rPr lang="en-US" dirty="0" err="1"/>
+              <a:t>GitHub</a:t>
+            </a:r>
+            <a:r>
+              <a:rPr lang="en-US" dirty="0"/>
+              <a:t> repository)</a:t>
             </a:r>
           </a:p>
           <a:p>
@@ -5201,8 +5646,52 @@
             </a:r>
             <a:r>
               <a:rPr lang="en-US" dirty="0"/>
-              <a:t> push</a:t>
-            </a:r>
+              <a:t> fetch</a:t>
+            </a:r>
+          </a:p>
+          <a:p>
+            <a:pPr marL="0" indent="0">
+              <a:buNone/>
+            </a:pPr>
+            <a:r>
+              <a:rPr lang="en-US" dirty="0"/>
+              <a:t>‣ </a:t>
+            </a:r>
+            <a:r>
+              <a:rPr lang="en-US" dirty="0" err="1"/>
+              <a:t>git</a:t>
+            </a:r>
+            <a:r>
+              <a:rPr lang="en-US" dirty="0"/>
+              <a:t> merge</a:t>
+            </a:r>
+          </a:p>
+          <a:p>
+            <a:pPr marL="0" indent="0">
+              <a:buNone/>
+            </a:pPr>
+            <a:r>
+              <a:rPr lang="en-US" dirty="0"/>
+              <a:t>‣ </a:t>
+            </a:r>
+            <a:r>
+              <a:rPr lang="en-US" dirty="0" err="1"/>
+              <a:t>git</a:t>
+            </a:r>
+            <a:r>
+              <a:rPr lang="en-US" dirty="0"/>
+              <a:t> commit –m "Merged commits from </a:t>
+            </a:r>
+            <a:r>
+              <a:rPr lang="en-US" dirty="0" err="1"/>
+              <a:t>ga</a:t>
+            </a:r>
+            <a:r>
+              <a:rPr lang="en-US" dirty="0"/>
+              <a:t>-students/DAT-BOS-16-work"</a:t>
+            </a:r>
+          </a:p>
+          <a:p>
             <a:endParaRPr lang="en-US" dirty="0"/>
           </a:p>
         </p:txBody>
@@ -5210,7 +5699,7 @@
     </p:spTree>
     <p:extLst>
       <p:ext uri="{BB962C8B-B14F-4D97-AF65-F5344CB8AC3E}">
-        <p14:creationId xmlns:p14="http://schemas.microsoft.com/office/powerpoint/2010/main" val="4074033880"/>
+        <p14:creationId xmlns:p14="http://schemas.microsoft.com/office/powerpoint/2010/main" val="3070119153"/>
       </p:ext>
     </p:extLst>
   </p:cSld>
@@ -5246,12 +5735,12 @@
       </p:grpSpPr>
       <p:sp>
         <p:nvSpPr>
-          <p:cNvPr id="2" name="Title 1"/>
-          <p:cNvSpPr>
-            <a:spLocks noGrp="1"/>
-          </p:cNvSpPr>
-          <p:nvPr>
-            <p:ph type="title"/>
+          <p:cNvPr id="4" name="Title 3"/>
+          <p:cNvSpPr>
+            <a:spLocks noGrp="1"/>
+          </p:cNvSpPr>
+          <p:nvPr>
+            <p:ph type="ctrTitle"/>
           </p:nvPr>
         </p:nvSpPr>
         <p:spPr/>
@@ -5260,177 +5749,36 @@
           <a:lstStyle/>
           <a:p>
             <a:r>
-              <a:rPr lang="en-US" dirty="0"/>
-              <a:t>DAT-BOS-16</a:t>
-            </a:r>
-            <a:endParaRPr lang="en-US" dirty="0"/>
-          </a:p>
-        </p:txBody>
-      </p:sp>
-      <p:sp>
-        <p:nvSpPr>
-          <p:cNvPr id="3" name="Content Placeholder 2"/>
-          <p:cNvSpPr>
-            <a:spLocks noGrp="1"/>
-          </p:cNvSpPr>
-          <p:nvPr>
-            <p:ph idx="1"/>
-          </p:nvPr>
-        </p:nvSpPr>
-        <p:spPr/>
-        <p:txBody>
-          <a:bodyPr>
-            <a:normAutofit fontScale="77500" lnSpcReduction="20000"/>
-          </a:bodyPr>
-          <a:lstStyle/>
-          <a:p>
-            <a:pPr marL="0" indent="0">
-              <a:buNone/>
-            </a:pPr>
-            <a:r>
-              <a:rPr lang="en-US" dirty="0"/>
-              <a:t>If you can’t push, you need to merge</a:t>
-            </a:r>
-          </a:p>
-          <a:p>
-            <a:pPr marL="0" indent="0">
-              <a:buNone/>
-            </a:pPr>
-            <a:r>
-              <a:rPr lang="en-US" dirty="0"/>
-              <a:t>‣ If you have multiple clones of the same </a:t>
-            </a:r>
-            <a:r>
-              <a:rPr lang="en-US" dirty="0" err="1"/>
-              <a:t>GitHub</a:t>
-            </a:r>
-            <a:r>
-              <a:rPr lang="en-US" dirty="0"/>
-              <a:t> repositories (or</a:t>
-            </a:r>
-          </a:p>
-          <a:p>
-            <a:pPr marL="0" indent="0">
-              <a:buNone/>
-            </a:pPr>
-            <a:r>
-              <a:rPr lang="en-US" dirty="0"/>
-              <a:t>you have multiple people working of the same </a:t>
-            </a:r>
-            <a:r>
-              <a:rPr lang="en-US" dirty="0" err="1"/>
-              <a:t>GitHub</a:t>
-            </a:r>
-            <a:endParaRPr lang="en-US" dirty="0"/>
-          </a:p>
-          <a:p>
-            <a:pPr marL="0" indent="0">
-              <a:buNone/>
-            </a:pPr>
-            <a:r>
-              <a:rPr lang="en-US" dirty="0"/>
-              <a:t>repository), the local clone you are trying to push from the </a:t>
-            </a:r>
-            <a:r>
-              <a:rPr lang="en-US" dirty="0" err="1"/>
-              <a:t>git</a:t>
-            </a:r>
-            <a:endParaRPr lang="en-US" dirty="0"/>
-          </a:p>
-          <a:p>
-            <a:pPr marL="0" indent="0">
-              <a:buNone/>
-            </a:pPr>
-            <a:r>
-              <a:rPr lang="en-US" dirty="0"/>
-              <a:t>pull might be “behind” (it doesn’t have all the commits from the</a:t>
-            </a:r>
-          </a:p>
-          <a:p>
-            <a:pPr marL="0" indent="0">
-              <a:buNone/>
-            </a:pPr>
-            <a:r>
-              <a:rPr lang="en-US" dirty="0"/>
-              <a:t>origin/</a:t>
-            </a:r>
-            <a:r>
-              <a:rPr lang="en-US" dirty="0" err="1"/>
-              <a:t>GitHub</a:t>
-            </a:r>
-            <a:r>
-              <a:rPr lang="en-US" dirty="0"/>
-              <a:t> repository)</a:t>
-            </a:r>
-          </a:p>
-          <a:p>
-            <a:pPr marL="0" indent="0">
-              <a:buNone/>
-            </a:pPr>
-            <a:r>
-              <a:rPr lang="en-US" dirty="0"/>
-              <a:t>‣ </a:t>
-            </a:r>
-            <a:r>
-              <a:rPr lang="en-US" dirty="0" err="1"/>
-              <a:t>git</a:t>
-            </a:r>
-            <a:r>
-              <a:rPr lang="en-US" dirty="0"/>
-              <a:t> fetch</a:t>
-            </a:r>
-          </a:p>
-          <a:p>
-            <a:pPr marL="0" indent="0">
-              <a:buNone/>
-            </a:pPr>
-            <a:r>
-              <a:rPr lang="en-US" dirty="0"/>
-              <a:t>‣ </a:t>
-            </a:r>
-            <a:r>
-              <a:rPr lang="en-US" dirty="0" err="1"/>
-              <a:t>git</a:t>
-            </a:r>
-            <a:r>
-              <a:rPr lang="en-US" dirty="0"/>
-              <a:t> merge</a:t>
-            </a:r>
-          </a:p>
-          <a:p>
-            <a:pPr marL="0" indent="0">
-              <a:buNone/>
-            </a:pPr>
-            <a:r>
-              <a:rPr lang="en-US" dirty="0"/>
-              <a:t>‣ </a:t>
-            </a:r>
-            <a:r>
-              <a:rPr lang="en-US" dirty="0" err="1"/>
-              <a:t>git</a:t>
-            </a:r>
-            <a:r>
-              <a:rPr lang="en-US" dirty="0"/>
-              <a:t> commit –m "Merged commits from </a:t>
-            </a:r>
-            <a:r>
-              <a:rPr lang="en-US" dirty="0" err="1"/>
-              <a:t>ga</a:t>
-            </a:r>
-            <a:r>
-              <a:rPr lang="en-US" dirty="0"/>
-              <a:t>-students/DAT-BOS-16-work"</a:t>
-            </a:r>
-          </a:p>
-          <a:p>
-            <a:endParaRPr lang="en-US" dirty="0"/>
+              <a:rPr lang="en-US" smtClean="0"/>
+              <a:t>II. Exploring GitHub</a:t>
+            </a:r>
+            <a:endParaRPr lang="en-US"/>
+          </a:p>
+        </p:txBody>
+      </p:sp>
+      <p:sp>
+        <p:nvSpPr>
+          <p:cNvPr id="6" name="Subtitle 5"/>
+          <p:cNvSpPr>
+            <a:spLocks noGrp="1"/>
+          </p:cNvSpPr>
+          <p:nvPr>
+            <p:ph type="subTitle" idx="1"/>
+          </p:nvPr>
+        </p:nvSpPr>
+        <p:spPr/>
+        <p:txBody>
+          <a:bodyPr/>
+          <a:lstStyle/>
+          <a:p>
+            <a:endParaRPr lang="en-US"/>
           </a:p>
         </p:txBody>
       </p:sp>
     </p:spTree>
     <p:extLst>
       <p:ext uri="{BB962C8B-B14F-4D97-AF65-F5344CB8AC3E}">
-        <p14:creationId xmlns:p14="http://schemas.microsoft.com/office/powerpoint/2010/main" val="3070119153"/>
+        <p14:creationId xmlns:p14="http://schemas.microsoft.com/office/powerpoint/2010/main" val="2405991152"/>
       </p:ext>
     </p:extLst>
   </p:cSld>
@@ -5593,12 +5941,12 @@
       </p:grpSpPr>
       <p:sp>
         <p:nvSpPr>
-          <p:cNvPr id="4" name="Title 3"/>
-          <p:cNvSpPr>
-            <a:spLocks noGrp="1"/>
-          </p:cNvSpPr>
-          <p:nvPr>
-            <p:ph type="ctrTitle"/>
+          <p:cNvPr id="2" name="Title 1"/>
+          <p:cNvSpPr>
+            <a:spLocks noGrp="1"/>
+          </p:cNvSpPr>
+          <p:nvPr>
+            <p:ph type="title"/>
           </p:nvPr>
         </p:nvSpPr>
         <p:spPr/>
@@ -5608,35 +5956,143 @@
           <a:p>
             <a:r>
               <a:rPr lang="en-US" smtClean="0"/>
-              <a:t>II. Exploring GitHub</a:t>
-            </a:r>
-            <a:endParaRPr lang="en-US"/>
-          </a:p>
-        </p:txBody>
-      </p:sp>
-      <p:sp>
-        <p:nvSpPr>
-          <p:cNvPr id="6" name="Subtitle 5"/>
-          <p:cNvSpPr>
-            <a:spLocks noGrp="1"/>
-          </p:cNvSpPr>
-          <p:nvPr>
-            <p:ph type="subTitle" idx="1"/>
-          </p:nvPr>
-        </p:nvSpPr>
-        <p:spPr/>
-        <p:txBody>
-          <a:bodyPr/>
-          <a:lstStyle/>
-          <a:p>
-            <a:endParaRPr lang="en-US"/>
+              <a:t>Navigating a GitHub repo (1 of 2)</a:t>
+            </a:r>
+            <a:endParaRPr lang="en-US"/>
+          </a:p>
+        </p:txBody>
+      </p:sp>
+      <p:sp>
+        <p:nvSpPr>
+          <p:cNvPr id="3" name="Content Placeholder 2"/>
+          <p:cNvSpPr>
+            <a:spLocks noGrp="1"/>
+          </p:cNvSpPr>
+          <p:nvPr>
+            <p:ph idx="1"/>
+          </p:nvPr>
+        </p:nvSpPr>
+        <p:spPr>
+          <a:xfrm>
+            <a:off x="457200" y="1600200"/>
+            <a:ext cx="8229600" cy="4800600"/>
+          </a:xfrm>
+        </p:spPr>
+        <p:txBody>
+          <a:bodyPr>
+            <a:normAutofit fontScale="92500" lnSpcReduction="20000"/>
+          </a:bodyPr>
+          <a:lstStyle/>
+          <a:p>
+            <a:r>
+              <a:rPr lang="en-US" dirty="0" smtClean="0"/>
+              <a:t>Example repo: </a:t>
+            </a:r>
+            <a:r>
+              <a:rPr lang="en-US" dirty="0" smtClean="0">
+                <a:hlinkClick r:id="rId2"/>
+              </a:rPr>
+              <a:t>https</a:t>
+            </a:r>
+            <a:r>
+              <a:rPr lang="en-US" dirty="0">
+                <a:hlinkClick r:id="rId2"/>
+              </a:rPr>
+              <a:t>://github.com/ga-students/</a:t>
+            </a:r>
+            <a:r>
+              <a:rPr lang="en-US" dirty="0" smtClean="0">
+                <a:hlinkClick r:id="rId2"/>
+              </a:rPr>
+              <a:t>DAT-BOS-16</a:t>
+            </a:r>
+            <a:endParaRPr lang="en-US" dirty="0" smtClean="0"/>
+          </a:p>
+          <a:p>
+            <a:pPr marL="0" indent="0">
+              <a:buNone/>
+            </a:pPr>
+            <a:r>
+              <a:rPr lang="en-US" dirty="0" smtClean="0"/>
+              <a:t>Account name, repo name, description</a:t>
+            </a:r>
+          </a:p>
+          <a:p>
+            <a:r>
+              <a:rPr lang="en-US" dirty="0"/>
+              <a:t>F</a:t>
+            </a:r>
+            <a:r>
+              <a:rPr lang="en-US" dirty="0" smtClean="0"/>
+              <a:t>older structure</a:t>
+            </a:r>
+          </a:p>
+          <a:p>
+            <a:r>
+              <a:rPr lang="en-US" dirty="0" smtClean="0"/>
+              <a:t>Viewing files:</a:t>
+            </a:r>
+          </a:p>
+          <a:p>
+            <a:pPr lvl="1"/>
+            <a:r>
+              <a:rPr lang="en-US" dirty="0"/>
+              <a:t>R</a:t>
+            </a:r>
+            <a:r>
+              <a:rPr lang="en-US" dirty="0" smtClean="0"/>
+              <a:t>endered view (with syntax highlighting)</a:t>
+            </a:r>
+          </a:p>
+          <a:p>
+            <a:pPr lvl="1"/>
+            <a:r>
+              <a:rPr lang="en-US" dirty="0" smtClean="0"/>
+              <a:t>Raw view</a:t>
+            </a:r>
+          </a:p>
+          <a:p>
+            <a:r>
+              <a:rPr lang="en-US" dirty="0" err="1" smtClean="0"/>
+              <a:t>README.md</a:t>
+            </a:r>
+            <a:r>
+              <a:rPr lang="en-US" dirty="0" smtClean="0"/>
+              <a:t>:</a:t>
+            </a:r>
+          </a:p>
+          <a:p>
+            <a:pPr lvl="1"/>
+            <a:r>
+              <a:rPr lang="en-US" dirty="0" smtClean="0"/>
+              <a:t>Describes a repo</a:t>
+            </a:r>
+          </a:p>
+          <a:p>
+            <a:pPr lvl="1"/>
+            <a:r>
+              <a:rPr lang="en-US" dirty="0"/>
+              <a:t>A</a:t>
+            </a:r>
+            <a:r>
+              <a:rPr lang="en-US" dirty="0" smtClean="0"/>
+              <a:t>utomatically displayed</a:t>
+            </a:r>
+          </a:p>
+          <a:p>
+            <a:pPr lvl="1"/>
+            <a:r>
+              <a:rPr lang="en-US" dirty="0" smtClean="0"/>
+              <a:t>Written in Markdown</a:t>
+            </a:r>
+            <a:endParaRPr lang="en-US" dirty="0"/>
           </a:p>
         </p:txBody>
       </p:sp>
     </p:spTree>
     <p:extLst>
       <p:ext uri="{BB962C8B-B14F-4D97-AF65-F5344CB8AC3E}">
-        <p14:creationId xmlns:p14="http://schemas.microsoft.com/office/powerpoint/2010/main" val="2405991152"/>
+        <p14:creationId xmlns:p14="http://schemas.microsoft.com/office/powerpoint/2010/main" val="996277193"/>
       </p:ext>
     </p:extLst>
   </p:cSld>
@@ -5686,10 +6142,17 @@
           <a:lstStyle/>
           <a:p>
             <a:r>
-              <a:rPr lang="en-US" smtClean="0"/>
-              <a:t>Navigating a GitHub repo (1 of 2)</a:t>
-            </a:r>
-            <a:endParaRPr lang="en-US"/>
+              <a:rPr lang="en-US"/>
+              <a:t>Navigating a GitHub repo </a:t>
+            </a:r>
+            <a:r>
+              <a:rPr lang="en-US" smtClean="0"/>
+              <a:t>(2 </a:t>
+            </a:r>
+            <a:r>
+              <a:rPr lang="en-US"/>
+              <a:t>of 2)</a:t>
+            </a:r>
           </a:p>
         </p:txBody>
       </p:sp>
@@ -5703,131 +6166,61 @@
             <p:ph idx="1"/>
           </p:nvPr>
         </p:nvSpPr>
-        <p:spPr>
-          <a:xfrm>
-            <a:off x="457200" y="1600200"/>
-            <a:ext cx="8229600" cy="4800600"/>
-          </a:xfrm>
-        </p:spPr>
-        <p:txBody>
-          <a:bodyPr>
-            <a:normAutofit fontScale="92500" lnSpcReduction="20000"/>
-          </a:bodyPr>
-          <a:lstStyle/>
-          <a:p>
-            <a:r>
-              <a:rPr lang="en-US" dirty="0" smtClean="0"/>
-              <a:t>Example repo: </a:t>
-            </a:r>
-            <a:r>
-              <a:rPr lang="en-US" dirty="0" smtClean="0">
-                <a:hlinkClick r:id="rId2"/>
-              </a:rPr>
-              <a:t>https</a:t>
-            </a:r>
-            <a:r>
-              <a:rPr lang="en-US" dirty="0">
-                <a:hlinkClick r:id="rId2"/>
-              </a:rPr>
-              <a:t>://github.com/ga-students/</a:t>
-            </a:r>
-            <a:r>
-              <a:rPr lang="en-US" dirty="0" smtClean="0">
-                <a:hlinkClick r:id="rId2"/>
-              </a:rPr>
-              <a:t>DAT-BOS-16</a:t>
-            </a:r>
-            <a:endParaRPr lang="en-US" dirty="0" smtClean="0"/>
-          </a:p>
-          <a:p>
-            <a:pPr marL="0" indent="0">
-              <a:buNone/>
-            </a:pPr>
-            <a:r>
-              <a:rPr lang="en-US" dirty="0" smtClean="0"/>
-              <a:t>Account </a:t>
-            </a:r>
-            <a:r>
-              <a:rPr lang="en-US" dirty="0" smtClean="0"/>
-              <a:t>name, repo name, description</a:t>
-            </a:r>
-          </a:p>
-          <a:p>
-            <a:r>
-              <a:rPr lang="en-US" dirty="0"/>
-              <a:t>F</a:t>
-            </a:r>
-            <a:r>
-              <a:rPr lang="en-US" dirty="0" smtClean="0"/>
-              <a:t>older structure</a:t>
-            </a:r>
-          </a:p>
-          <a:p>
-            <a:r>
-              <a:rPr lang="en-US" dirty="0" smtClean="0"/>
-              <a:t>Viewing files:</a:t>
+        <p:spPr/>
+        <p:txBody>
+          <a:bodyPr/>
+          <a:lstStyle/>
+          <a:p>
+            <a:r>
+              <a:rPr lang="en-US" smtClean="0"/>
+              <a:t>Commits:</a:t>
             </a:r>
           </a:p>
           <a:p>
             <a:pPr lvl="1"/>
             <a:r>
-              <a:rPr lang="en-US" dirty="0"/>
-              <a:t>R</a:t>
-            </a:r>
-            <a:r>
-              <a:rPr lang="en-US" dirty="0" smtClean="0"/>
-              <a:t>endered view (with syntax highlighting)</a:t>
+              <a:rPr lang="en-US" smtClean="0"/>
+              <a:t>One or more changes to one or more files</a:t>
             </a:r>
           </a:p>
           <a:p>
             <a:pPr lvl="1"/>
             <a:r>
-              <a:rPr lang="en-US" dirty="0" smtClean="0"/>
-              <a:t>Raw view</a:t>
-            </a:r>
-          </a:p>
-          <a:p>
-            <a:r>
-              <a:rPr lang="en-US" dirty="0" err="1" smtClean="0"/>
-              <a:t>README.md</a:t>
-            </a:r>
-            <a:r>
-              <a:rPr lang="en-US" dirty="0" smtClean="0"/>
-              <a:t>:</a:t>
+              <a:rPr lang="en-US" smtClean="0"/>
+              <a:t>Revision highlighting</a:t>
             </a:r>
           </a:p>
           <a:p>
             <a:pPr lvl="1"/>
             <a:r>
-              <a:rPr lang="en-US" dirty="0" smtClean="0"/>
-              <a:t>Describes a repo</a:t>
+              <a:rPr lang="en-US"/>
+              <a:t>Commit comments are </a:t>
+            </a:r>
+            <a:r>
+              <a:rPr lang="en-US" smtClean="0"/>
+              <a:t>required</a:t>
             </a:r>
           </a:p>
           <a:p>
             <a:pPr lvl="1"/>
             <a:r>
-              <a:rPr lang="en-US" dirty="0"/>
-              <a:t>A</a:t>
-            </a:r>
-            <a:r>
-              <a:rPr lang="en-US" dirty="0" smtClean="0"/>
-              <a:t>utomatically displayed</a:t>
-            </a:r>
-          </a:p>
-          <a:p>
-            <a:pPr lvl="1"/>
-            <a:r>
-              <a:rPr lang="en-US" dirty="0" smtClean="0"/>
-              <a:t>Written in Markdown</a:t>
-            </a:r>
-            <a:endParaRPr lang="en-US" dirty="0"/>
+              <a:rPr lang="en-US" smtClean="0"/>
+              <a:t>Most recent commit comment shown by filename</a:t>
+            </a:r>
+          </a:p>
+          <a:p>
+            <a:r>
+              <a:rPr lang="en-US" smtClean="0"/>
+              <a:t>Profile page</a:t>
+            </a:r>
+            <a:endParaRPr lang="en-US"/>
           </a:p>
         </p:txBody>
       </p:sp>
     </p:spTree>
     <p:extLst>
       <p:ext uri="{BB962C8B-B14F-4D97-AF65-F5344CB8AC3E}">
-        <p14:creationId xmlns:p14="http://schemas.microsoft.com/office/powerpoint/2010/main" val="996277193"/>
+        <p14:creationId xmlns:p14="http://schemas.microsoft.com/office/powerpoint/2010/main" val="4083938562"/>
       </p:ext>
     </p:extLst>
   </p:cSld>
@@ -5877,17 +6270,10 @@
           <a:lstStyle/>
           <a:p>
             <a:r>
-              <a:rPr lang="en-US"/>
-              <a:t>Navigating a GitHub repo </a:t>
-            </a:r>
-            <a:r>
-              <a:rPr lang="en-US" smtClean="0"/>
-              <a:t>(2 </a:t>
-            </a:r>
-            <a:r>
-              <a:rPr lang="en-US"/>
-              <a:t>of 2)</a:t>
-            </a:r>
+              <a:rPr lang="en-US" smtClean="0"/>
+              <a:t>Creating a repo on GitHub</a:t>
+            </a:r>
+            <a:endParaRPr lang="en-US"/>
           </a:p>
         </p:txBody>
       </p:sp>
@@ -5908,45 +6294,41 @@
           <a:p>
             <a:r>
               <a:rPr lang="en-US" smtClean="0"/>
-              <a:t>Commits:</a:t>
+              <a:t>Click “Create New” (plus sign):</a:t>
             </a:r>
           </a:p>
           <a:p>
             <a:pPr lvl="1"/>
             <a:r>
               <a:rPr lang="en-US" smtClean="0"/>
-              <a:t>One or more changes to one or more files</a:t>
+              <a:t>Define name, description, public or private</a:t>
             </a:r>
           </a:p>
           <a:p>
             <a:pPr lvl="1"/>
             <a:r>
               <a:rPr lang="en-US" smtClean="0"/>
-              <a:t>Revision highlighting</a:t>
+              <a:t>Initialize with README (if you’re going to clone)</a:t>
+            </a:r>
+          </a:p>
+          <a:p>
+            <a:r>
+              <a:rPr lang="en-US" smtClean="0"/>
+              <a:t>Notes:</a:t>
             </a:r>
           </a:p>
           <a:p>
             <a:pPr lvl="1"/>
             <a:r>
-              <a:rPr lang="en-US"/>
-              <a:t>Commit comments are </a:t>
-            </a:r>
-            <a:r>
-              <a:rPr lang="en-US" smtClean="0"/>
-              <a:t>required</a:t>
+              <a:rPr lang="en-US" smtClean="0"/>
+              <a:t>Nothing has happened to your local computer</a:t>
             </a:r>
           </a:p>
           <a:p>
             <a:pPr lvl="1"/>
             <a:r>
               <a:rPr lang="en-US" smtClean="0"/>
-              <a:t>Most recent commit comment shown by filename</a:t>
-            </a:r>
-          </a:p>
-          <a:p>
-            <a:r>
-              <a:rPr lang="en-US" smtClean="0"/>
-              <a:t>Profile page</a:t>
+              <a:t>This was done on GitHub, but GitHub used Git to add the README.md file</a:t>
             </a:r>
             <a:endParaRPr lang="en-US"/>
           </a:p>
@@ -5955,7 +6337,7 @@
     </p:spTree>
     <p:extLst>
       <p:ext uri="{BB962C8B-B14F-4D97-AF65-F5344CB8AC3E}">
-        <p14:creationId xmlns:p14="http://schemas.microsoft.com/office/powerpoint/2010/main" val="4083938562"/>
+        <p14:creationId xmlns:p14="http://schemas.microsoft.com/office/powerpoint/2010/main" val="2217687155"/>
       </p:ext>
     </p:extLst>
   </p:cSld>
@@ -6006,7 +6388,7 @@
           <a:p>
             <a:r>
               <a:rPr lang="en-US" smtClean="0"/>
-              <a:t>Creating a repo on GitHub</a:t>
+              <a:t>Basic Markdown</a:t>
             </a:r>
             <a:endParaRPr lang="en-US"/>
           </a:p>
@@ -6022,57 +6404,103 @@
             <p:ph idx="1"/>
           </p:nvPr>
         </p:nvSpPr>
-        <p:spPr/>
-        <p:txBody>
-          <a:bodyPr/>
-          <a:lstStyle/>
-          <a:p>
-            <a:r>
-              <a:rPr lang="en-US" smtClean="0"/>
-              <a:t>Click “Create New” (plus sign):</a:t>
+        <p:spPr>
+          <a:xfrm>
+            <a:off x="457200" y="1524000"/>
+            <a:ext cx="8229600" cy="4800600"/>
+          </a:xfrm>
+        </p:spPr>
+        <p:txBody>
+          <a:bodyPr>
+            <a:normAutofit fontScale="92500" lnSpcReduction="20000"/>
+          </a:bodyPr>
+          <a:lstStyle/>
+          <a:p>
+            <a:r>
+              <a:rPr lang="en-US" smtClean="0"/>
+              <a:t>Easy-to-read, easy-to-write markup language</a:t>
+            </a:r>
+          </a:p>
+          <a:p>
+            <a:r>
+              <a:rPr lang="en-US" smtClean="0"/>
+              <a:t>Usually (always?) rendered as HTML</a:t>
+            </a:r>
+          </a:p>
+          <a:p>
+            <a:r>
+              <a:rPr lang="en-US" smtClean="0"/>
+              <a:t>Many implementations (aka “flavors”)</a:t>
+            </a:r>
+          </a:p>
+          <a:p>
+            <a:r>
+              <a:rPr lang="en-US" smtClean="0"/>
+              <a:t>Let’s edit </a:t>
+            </a:r>
+            <a:r>
+              <a:rPr lang="en-US"/>
+              <a:t>README.md using </a:t>
+            </a:r>
+            <a:r>
+              <a:rPr lang="en-US" smtClean="0"/>
+              <a:t>GitHub!</a:t>
+            </a:r>
+            <a:endParaRPr lang="en-US"/>
+          </a:p>
+          <a:p>
+            <a:r>
+              <a:rPr lang="en-US" smtClean="0"/>
+              <a:t>Common syntax:</a:t>
             </a:r>
           </a:p>
           <a:p>
             <a:pPr lvl="1"/>
             <a:r>
               <a:rPr lang="en-US" smtClean="0"/>
-              <a:t>Define name, description, public or private</a:t>
+              <a:t>## Header size 2</a:t>
             </a:r>
           </a:p>
           <a:p>
             <a:pPr lvl="1"/>
             <a:r>
               <a:rPr lang="en-US" smtClean="0"/>
-              <a:t>Initialize with README (if you’re going to clone)</a:t>
-            </a:r>
-          </a:p>
-          <a:p>
-            <a:r>
-              <a:rPr lang="en-US" smtClean="0"/>
-              <a:t>Notes:</a:t>
+              <a:t>*italics* and **bold**</a:t>
             </a:r>
           </a:p>
           <a:p>
             <a:pPr lvl="1"/>
             <a:r>
               <a:rPr lang="en-US" smtClean="0"/>
-              <a:t>Nothing has happened to your local computer</a:t>
+              <a:t>[link to GitHub](https://github.com)</a:t>
             </a:r>
           </a:p>
           <a:p>
             <a:pPr lvl="1"/>
             <a:r>
               <a:rPr lang="en-US" smtClean="0"/>
-              <a:t>This was done on GitHub, but GitHub used Git to add the README.md file</a:t>
-            </a:r>
-            <a:endParaRPr lang="en-US"/>
+              <a:t>* bullet</a:t>
+            </a:r>
+          </a:p>
+          <a:p>
+            <a:pPr lvl="1"/>
+            <a:r>
+              <a:rPr lang="en-US" smtClean="0"/>
+              <a:t>`inline code` and ```code blocks```</a:t>
+            </a:r>
+          </a:p>
+          <a:p>
+            <a:r>
+              <a:rPr lang="en-US" smtClean="0"/>
+              <a:t>Valid HTML can also be used within Markdown</a:t>
+            </a:r>
           </a:p>
         </p:txBody>
       </p:sp>
     </p:spTree>
     <p:extLst>
       <p:ext uri="{BB962C8B-B14F-4D97-AF65-F5344CB8AC3E}">
-        <p14:creationId xmlns:p14="http://schemas.microsoft.com/office/powerpoint/2010/main" val="2217687155"/>
+        <p14:creationId xmlns:p14="http://schemas.microsoft.com/office/powerpoint/2010/main" val="1934599691"/>
       </p:ext>
     </p:extLst>
   </p:cSld>
@@ -6108,12 +6536,12 @@
       </p:grpSpPr>
       <p:sp>
         <p:nvSpPr>
-          <p:cNvPr id="2" name="Title 1"/>
-          <p:cNvSpPr>
-            <a:spLocks noGrp="1"/>
-          </p:cNvSpPr>
-          <p:nvPr>
-            <p:ph type="title"/>
+          <p:cNvPr id="4" name="Title 3"/>
+          <p:cNvSpPr>
+            <a:spLocks noGrp="1"/>
+          </p:cNvSpPr>
+          <p:nvPr>
+            <p:ph type="ctrTitle"/>
           </p:nvPr>
         </p:nvSpPr>
         <p:spPr/>
@@ -6123,119 +6551,35 @@
           <a:p>
             <a:r>
               <a:rPr lang="en-US" smtClean="0"/>
-              <a:t>Basic Markdown</a:t>
-            </a:r>
-            <a:endParaRPr lang="en-US"/>
-          </a:p>
-        </p:txBody>
-      </p:sp>
-      <p:sp>
-        <p:nvSpPr>
-          <p:cNvPr id="3" name="Content Placeholder 2"/>
-          <p:cNvSpPr>
-            <a:spLocks noGrp="1"/>
-          </p:cNvSpPr>
-          <p:nvPr>
-            <p:ph idx="1"/>
-          </p:nvPr>
-        </p:nvSpPr>
-        <p:spPr>
-          <a:xfrm>
-            <a:off x="457200" y="1524000"/>
-            <a:ext cx="8229600" cy="4800600"/>
-          </a:xfrm>
-        </p:spPr>
-        <p:txBody>
-          <a:bodyPr>
-            <a:normAutofit fontScale="92500" lnSpcReduction="20000"/>
-          </a:bodyPr>
-          <a:lstStyle/>
-          <a:p>
-            <a:r>
-              <a:rPr lang="en-US" smtClean="0"/>
-              <a:t>Easy-to-read, easy-to-write markup language</a:t>
-            </a:r>
-          </a:p>
-          <a:p>
-            <a:r>
-              <a:rPr lang="en-US" smtClean="0"/>
-              <a:t>Usually (always?) rendered as HTML</a:t>
-            </a:r>
-          </a:p>
-          <a:p>
-            <a:r>
-              <a:rPr lang="en-US" smtClean="0"/>
-              <a:t>Many implementations (aka “flavors”)</a:t>
-            </a:r>
-          </a:p>
-          <a:p>
-            <a:r>
-              <a:rPr lang="en-US" smtClean="0"/>
-              <a:t>Let’s edit </a:t>
-            </a:r>
-            <a:r>
-              <a:rPr lang="en-US"/>
-              <a:t>README.md using </a:t>
-            </a:r>
-            <a:r>
-              <a:rPr lang="en-US" smtClean="0"/>
-              <a:t>GitHub!</a:t>
-            </a:r>
-            <a:endParaRPr lang="en-US"/>
-          </a:p>
-          <a:p>
-            <a:r>
-              <a:rPr lang="en-US" smtClean="0"/>
-              <a:t>Common syntax:</a:t>
-            </a:r>
-          </a:p>
-          <a:p>
-            <a:pPr lvl="1"/>
-            <a:r>
-              <a:rPr lang="en-US" smtClean="0"/>
-              <a:t>## Header size 2</a:t>
-            </a:r>
-          </a:p>
-          <a:p>
-            <a:pPr lvl="1"/>
-            <a:r>
-              <a:rPr lang="en-US" smtClean="0"/>
-              <a:t>*italics* and **bold**</a:t>
-            </a:r>
-          </a:p>
-          <a:p>
-            <a:pPr lvl="1"/>
-            <a:r>
-              <a:rPr lang="en-US" smtClean="0"/>
-              <a:t>[link to GitHub](https://github.com)</a:t>
-            </a:r>
-          </a:p>
-          <a:p>
-            <a:pPr lvl="1"/>
-            <a:r>
-              <a:rPr lang="en-US" smtClean="0"/>
-              <a:t>* bullet</a:t>
-            </a:r>
-          </a:p>
-          <a:p>
-            <a:pPr lvl="1"/>
-            <a:r>
-              <a:rPr lang="en-US" smtClean="0"/>
-              <a:t>`inline code` and ```code blocks```</a:t>
-            </a:r>
-          </a:p>
-          <a:p>
-            <a:r>
-              <a:rPr lang="en-US" smtClean="0"/>
-              <a:t>Valid HTML can also be used within Markdown</a:t>
-            </a:r>
+              <a:t>III. Using Git with GitHub</a:t>
+            </a:r>
+            <a:endParaRPr lang="en-US"/>
+          </a:p>
+        </p:txBody>
+      </p:sp>
+      <p:sp>
+        <p:nvSpPr>
+          <p:cNvPr id="5" name="Subtitle 4"/>
+          <p:cNvSpPr>
+            <a:spLocks noGrp="1"/>
+          </p:cNvSpPr>
+          <p:nvPr>
+            <p:ph type="subTitle" idx="1"/>
+          </p:nvPr>
+        </p:nvSpPr>
+        <p:spPr/>
+        <p:txBody>
+          <a:bodyPr/>
+          <a:lstStyle/>
+          <a:p>
+            <a:endParaRPr lang="en-US"/>
           </a:p>
         </p:txBody>
       </p:sp>
     </p:spTree>
     <p:extLst>
       <p:ext uri="{BB962C8B-B14F-4D97-AF65-F5344CB8AC3E}">
-        <p14:creationId xmlns:p14="http://schemas.microsoft.com/office/powerpoint/2010/main" val="1934599691"/>
+        <p14:creationId xmlns:p14="http://schemas.microsoft.com/office/powerpoint/2010/main" val="339807533"/>
       </p:ext>
     </p:extLst>
   </p:cSld>
@@ -6271,12 +6615,12 @@
       </p:grpSpPr>
       <p:sp>
         <p:nvSpPr>
-          <p:cNvPr id="4" name="Title 3"/>
-          <p:cNvSpPr>
-            <a:spLocks noGrp="1"/>
-          </p:cNvSpPr>
-          <p:nvPr>
-            <p:ph type="ctrTitle"/>
+          <p:cNvPr id="2" name="Title 1"/>
+          <p:cNvSpPr>
+            <a:spLocks noGrp="1"/>
+          </p:cNvSpPr>
+          <p:nvPr>
+            <p:ph type="title"/>
           </p:nvPr>
         </p:nvSpPr>
         <p:spPr/>
@@ -6286,35 +6630,58 @@
           <a:p>
             <a:r>
               <a:rPr lang="en-US" smtClean="0"/>
-              <a:t>III. Using Git with GitHub</a:t>
-            </a:r>
-            <a:endParaRPr lang="en-US"/>
-          </a:p>
-        </p:txBody>
-      </p:sp>
-      <p:sp>
-        <p:nvSpPr>
-          <p:cNvPr id="5" name="Subtitle 4"/>
-          <p:cNvSpPr>
-            <a:spLocks noGrp="1"/>
-          </p:cNvSpPr>
-          <p:nvPr>
-            <p:ph type="subTitle" idx="1"/>
-          </p:nvPr>
-        </p:nvSpPr>
-        <p:spPr/>
-        <p:txBody>
-          <a:bodyPr/>
-          <a:lstStyle/>
-          <a:p>
-            <a:endParaRPr lang="en-US"/>
+              <a:t>Preview of what you’re about to do</a:t>
+            </a:r>
+            <a:endParaRPr lang="en-US"/>
+          </a:p>
+        </p:txBody>
+      </p:sp>
+      <p:sp>
+        <p:nvSpPr>
+          <p:cNvPr id="3" name="Content Placeholder 2"/>
+          <p:cNvSpPr>
+            <a:spLocks noGrp="1"/>
+          </p:cNvSpPr>
+          <p:nvPr>
+            <p:ph idx="1"/>
+          </p:nvPr>
+        </p:nvSpPr>
+        <p:spPr/>
+        <p:txBody>
+          <a:bodyPr>
+            <a:normAutofit/>
+          </a:bodyPr>
+          <a:lstStyle/>
+          <a:p>
+            <a:r>
+              <a:rPr lang="en-US" smtClean="0"/>
+              <a:t>Copy your new GitHub repo to your computer</a:t>
+            </a:r>
+          </a:p>
+          <a:p>
+            <a:r>
+              <a:rPr lang="en-US" smtClean="0"/>
+              <a:t>Make some file changes locally</a:t>
+            </a:r>
+          </a:p>
+          <a:p>
+            <a:r>
+              <a:rPr lang="en-US" smtClean="0"/>
+              <a:t>Save those changes locally (“commit” them)</a:t>
+            </a:r>
+          </a:p>
+          <a:p>
+            <a:r>
+              <a:rPr lang="en-US" smtClean="0"/>
+              <a:t>Update your GitHub repo with those changes</a:t>
+            </a:r>
           </a:p>
         </p:txBody>
       </p:sp>
     </p:spTree>
     <p:extLst>
       <p:ext uri="{BB962C8B-B14F-4D97-AF65-F5344CB8AC3E}">
-        <p14:creationId xmlns:p14="http://schemas.microsoft.com/office/powerpoint/2010/main" val="339807533"/>
+        <p14:creationId xmlns:p14="http://schemas.microsoft.com/office/powerpoint/2010/main" val="2988114977"/>
       </p:ext>
     </p:extLst>
   </p:cSld>
@@ -6365,7 +6732,7 @@
           <a:p>
             <a:r>
               <a:rPr lang="en-US" smtClean="0"/>
-              <a:t>Preview of what you’re about to do</a:t>
+              <a:t>Cloning your new GitHub repo</a:t>
             </a:r>
             <a:endParaRPr lang="en-US"/>
           </a:p>
@@ -6384,31 +6751,99 @@
         <p:spPr/>
         <p:txBody>
           <a:bodyPr>
-            <a:normAutofit/>
+            <a:normAutofit fontScale="92500" lnSpcReduction="10000"/>
           </a:bodyPr>
           <a:lstStyle/>
           <a:p>
             <a:r>
               <a:rPr lang="en-US" smtClean="0"/>
-              <a:t>Copy your new GitHub repo to your computer</a:t>
-            </a:r>
-          </a:p>
-          <a:p>
-            <a:r>
-              <a:rPr lang="en-US" smtClean="0"/>
-              <a:t>Make some file changes locally</a:t>
-            </a:r>
-          </a:p>
-          <a:p>
-            <a:r>
-              <a:rPr lang="en-US" smtClean="0"/>
-              <a:t>Save those changes locally (“commit” them)</a:t>
-            </a:r>
-          </a:p>
-          <a:p>
-            <a:r>
-              <a:rPr lang="en-US" smtClean="0"/>
-              <a:t>Update your GitHub repo with those changes</a:t>
+              <a:t>Cloning = copying to your local computer</a:t>
+            </a:r>
+          </a:p>
+          <a:p>
+            <a:pPr lvl="1"/>
+            <a:r>
+              <a:rPr lang="en-US" smtClean="0"/>
+              <a:t>Like copying your Dropbox files to a new machine</a:t>
+            </a:r>
+          </a:p>
+          <a:p>
+            <a:r>
+              <a:rPr lang="en-US" smtClean="0"/>
+              <a:t>First, change your working directory to where you want the repo to be stored locally: </a:t>
+            </a:r>
+            <a:r>
+              <a:rPr lang="en-US" smtClean="0">
+                <a:solidFill>
+                  <a:srgbClr val="C00000"/>
+                </a:solidFill>
+              </a:rPr>
+              <a:t>cd</a:t>
+            </a:r>
+          </a:p>
+          <a:p>
+            <a:r>
+              <a:rPr lang="en-US" smtClean="0"/>
+              <a:t>Then, clone the repo: </a:t>
+            </a:r>
+            <a:r>
+              <a:rPr lang="en-US" smtClean="0">
+                <a:solidFill>
+                  <a:srgbClr val="C00000"/>
+                </a:solidFill>
+              </a:rPr>
+              <a:t>git clone &lt;URL&gt;</a:t>
+            </a:r>
+          </a:p>
+          <a:p>
+            <a:pPr lvl="1"/>
+            <a:r>
+              <a:rPr lang="en-US" smtClean="0"/>
+              <a:t>Get URL from GitHub (ends in .git)</a:t>
+            </a:r>
+          </a:p>
+          <a:p>
+            <a:pPr lvl="1"/>
+            <a:r>
+              <a:rPr lang="en-US" smtClean="0"/>
+              <a:t>Clones to a subdirectory of the working directory</a:t>
+            </a:r>
+          </a:p>
+          <a:p>
+            <a:pPr lvl="1"/>
+            <a:r>
+              <a:rPr lang="en-US" smtClean="0"/>
+              <a:t>No visual feedback when you type your password</a:t>
+            </a:r>
+          </a:p>
+          <a:p>
+            <a:r>
+              <a:rPr lang="en-US" smtClean="0"/>
+              <a:t>Navigate to the repo (</a:t>
+            </a:r>
+            <a:r>
+              <a:rPr lang="en-US" smtClean="0">
+                <a:solidFill>
+                  <a:srgbClr val="C00000"/>
+                </a:solidFill>
+              </a:rPr>
+              <a:t>cd</a:t>
+            </a:r>
+            <a:r>
+              <a:rPr lang="en-US" smtClean="0"/>
+              <a:t>), then list the files (</a:t>
+            </a:r>
+            <a:r>
+              <a:rPr lang="en-US" smtClean="0">
+                <a:solidFill>
+                  <a:srgbClr val="C00000"/>
+                </a:solidFill>
+              </a:rPr>
+              <a:t>ls</a:t>
+            </a:r>
+            <a:r>
+              <a:rPr lang="en-US" smtClean="0"/>
+              <a:t>)</a:t>
             </a:r>
           </a:p>
         </p:txBody>
@@ -6416,7 +6851,7 @@
     </p:spTree>
     <p:extLst>
       <p:ext uri="{BB962C8B-B14F-4D97-AF65-F5344CB8AC3E}">
-        <p14:creationId xmlns:p14="http://schemas.microsoft.com/office/powerpoint/2010/main" val="2988114977"/>
+        <p14:creationId xmlns:p14="http://schemas.microsoft.com/office/powerpoint/2010/main" val="1504453294"/>
       </p:ext>
     </p:extLst>
   </p:cSld>
@@ -6467,7 +6902,7 @@
           <a:p>
             <a:r>
               <a:rPr lang="en-US" smtClean="0"/>
-              <a:t>Cloning your new GitHub repo</a:t>
+              <a:t>Checking your remotes</a:t>
             </a:r>
             <a:endParaRPr lang="en-US"/>
           </a:p>
@@ -6485,27 +6920,37 @@
         </p:nvSpPr>
         <p:spPr/>
         <p:txBody>
-          <a:bodyPr>
-            <a:normAutofit fontScale="92500" lnSpcReduction="10000"/>
-          </a:bodyPr>
-          <a:lstStyle/>
-          <a:p>
-            <a:r>
-              <a:rPr lang="en-US" smtClean="0"/>
-              <a:t>Cloning = copying to your local computer</a:t>
+          <a:bodyPr/>
+          <a:lstStyle/>
+          <a:p>
+            <a:r>
+              <a:rPr lang="en-US" smtClean="0"/>
+              <a:t>A “remote alias” is a reference to a repo not on your local computer</a:t>
             </a:r>
           </a:p>
           <a:p>
             <a:pPr lvl="1"/>
             <a:r>
               <a:rPr lang="en-US" smtClean="0"/>
-              <a:t>Like copying your Dropbox files to a new machine</a:t>
-            </a:r>
-          </a:p>
-          <a:p>
-            <a:r>
-              <a:rPr lang="en-US" smtClean="0"/>
-              <a:t>First, change your working directory to where you want the repo to be stored locally: </a:t>
+              <a:t>Like a connection to your Dropbox account</a:t>
+            </a:r>
+          </a:p>
+          <a:p>
+            <a:r>
+              <a:rPr lang="en-US" smtClean="0"/>
+              <a:t>View </a:t>
+            </a:r>
+            <a:r>
+              <a:rPr lang="en-US"/>
+              <a:t>remotes: </a:t>
+            </a:r>
+            <a:r>
+              <a:rPr lang="en-US">
+                <a:solidFill>
+                  <a:srgbClr val="C00000"/>
+                </a:solidFill>
+              </a:rPr>
+              <a:t>git remote -</a:t>
             </a:r>
             <a:r>
               <a:rPr lang="en-US" smtClean="0">
@@ -6513,72 +6958,20 @@
                   <a:srgbClr val="C00000"/>
                 </a:solidFill>
               </a:rPr>
-              <a:t>cd</a:t>
-            </a:r>
-          </a:p>
-          <a:p>
-            <a:r>
-              <a:rPr lang="en-US" smtClean="0"/>
-              <a:t>Then, clone the repo: </a:t>
-            </a:r>
-            <a:r>
-              <a:rPr lang="en-US" smtClean="0">
-                <a:solidFill>
-                  <a:srgbClr val="C00000"/>
-                </a:solidFill>
-              </a:rPr>
-              <a:t>git clone &lt;URL&gt;</a:t>
-            </a:r>
-          </a:p>
-          <a:p>
-            <a:pPr lvl="1"/>
-            <a:r>
-              <a:rPr lang="en-US" smtClean="0"/>
-              <a:t>Get URL from GitHub (ends in .git)</a:t>
-            </a:r>
-          </a:p>
-          <a:p>
-            <a:pPr lvl="1"/>
-            <a:r>
-              <a:rPr lang="en-US" smtClean="0"/>
-              <a:t>Clones to a subdirectory of the working directory</a:t>
-            </a:r>
-          </a:p>
-          <a:p>
-            <a:pPr lvl="1"/>
-            <a:r>
-              <a:rPr lang="en-US" smtClean="0"/>
-              <a:t>No visual feedback when you type your password</a:t>
-            </a:r>
-          </a:p>
-          <a:p>
-            <a:r>
-              <a:rPr lang="en-US" smtClean="0"/>
-              <a:t>Navigate to the repo (</a:t>
-            </a:r>
-            <a:r>
-              <a:rPr lang="en-US" smtClean="0">
-                <a:solidFill>
-                  <a:srgbClr val="C00000"/>
-                </a:solidFill>
-              </a:rPr>
-              <a:t>cd</a:t>
-            </a:r>
-            <a:r>
-              <a:rPr lang="en-US" smtClean="0"/>
-              <a:t>), then list the files (</a:t>
-            </a:r>
-            <a:r>
-              <a:rPr lang="en-US" smtClean="0">
-                <a:solidFill>
-                  <a:srgbClr val="C00000"/>
-                </a:solidFill>
-              </a:rPr>
-              <a:t>ls</a:t>
-            </a:r>
-            <a:r>
-              <a:rPr lang="en-US" smtClean="0"/>
-              <a:t>)</a:t>
+              <a:t>v</a:t>
+            </a:r>
+            <a:endParaRPr lang="en-US" smtClean="0"/>
+          </a:p>
+          <a:p>
+            <a:r>
+              <a:rPr lang="en-US"/>
+              <a:t>“origin” remote was set up by “git clone”</a:t>
+            </a:r>
+          </a:p>
+          <a:p>
+            <a:r>
+              <a:rPr lang="en-US" smtClean="0"/>
+              <a:t>Note: Remotes are repo-specific</a:t>
             </a:r>
           </a:p>
         </p:txBody>
@@ -6586,7 +6979,7 @@
     </p:spTree>
     <p:extLst>
       <p:ext uri="{BB962C8B-B14F-4D97-AF65-F5344CB8AC3E}">
-        <p14:creationId xmlns:p14="http://schemas.microsoft.com/office/powerpoint/2010/main" val="1504453294"/>
+        <p14:creationId xmlns:p14="http://schemas.microsoft.com/office/powerpoint/2010/main" val="3828473833"/>
       </p:ext>
     </p:extLst>
   </p:cSld>
@@ -6632,12 +7025,14 @@
         </p:nvSpPr>
         <p:spPr/>
         <p:txBody>
-          <a:bodyPr/>
-          <a:lstStyle/>
-          <a:p>
-            <a:r>
-              <a:rPr lang="en-US" smtClean="0"/>
-              <a:t>Checking your remotes</a:t>
+          <a:bodyPr>
+            <a:normAutofit fontScale="90000"/>
+          </a:bodyPr>
+          <a:lstStyle/>
+          <a:p>
+            <a:r>
+              <a:rPr lang="en-US" smtClean="0"/>
+              <a:t>Making changes, checking your status</a:t>
             </a:r>
             <a:endParaRPr lang="en-US"/>
           </a:p>
@@ -6655,37 +7050,28 @@
         </p:nvSpPr>
         <p:spPr/>
         <p:txBody>
-          <a:bodyPr/>
-          <a:lstStyle/>
-          <a:p>
-            <a:r>
-              <a:rPr lang="en-US" smtClean="0"/>
-              <a:t>A “remote alias” is a reference to a repo not on your local computer</a:t>
+          <a:bodyPr>
+            <a:normAutofit fontScale="92500" lnSpcReduction="20000"/>
+          </a:bodyPr>
+          <a:lstStyle/>
+          <a:p>
+            <a:r>
+              <a:rPr lang="en-US" smtClean="0"/>
+              <a:t>Making changes:</a:t>
             </a:r>
           </a:p>
           <a:p>
             <a:pPr lvl="1"/>
             <a:r>
               <a:rPr lang="en-US" smtClean="0"/>
-              <a:t>Like a connection to your Dropbox account</a:t>
-            </a:r>
-          </a:p>
-          <a:p>
-            <a:r>
-              <a:rPr lang="en-US" smtClean="0"/>
-              <a:t>View </a:t>
-            </a:r>
-            <a:r>
-              <a:rPr lang="en-US"/>
-              <a:t>remotes: </a:t>
-            </a:r>
-            <a:r>
-              <a:rPr lang="en-US">
-                <a:solidFill>
-                  <a:srgbClr val="C00000"/>
-                </a:solidFill>
-              </a:rPr>
-              <a:t>git remote -</a:t>
+              <a:t>Modify README.md in any text editor</a:t>
+            </a:r>
+          </a:p>
+          <a:p>
+            <a:pPr lvl="1"/>
+            <a:r>
+              <a:rPr lang="en-US" smtClean="0"/>
+              <a:t>Create a new file: </a:t>
             </a:r>
             <a:r>
               <a:rPr lang="en-US" smtClean="0">
@@ -6693,20 +7079,66 @@
                   <a:srgbClr val="C00000"/>
                 </a:solidFill>
               </a:rPr>
-              <a:t>v</a:t>
-            </a:r>
-            <a:endParaRPr lang="en-US" smtClean="0"/>
-          </a:p>
-          <a:p>
+              <a:t>touch &lt;filename&gt;</a:t>
+            </a:r>
+          </a:p>
+          <a:p>
+            <a:r>
+              <a:rPr lang="en-US" smtClean="0"/>
+              <a:t>Check your status:</a:t>
+            </a:r>
+          </a:p>
+          <a:p>
+            <a:pPr lvl="1"/>
+            <a:r>
+              <a:rPr lang="en-US" smtClean="0"/>
+              <a:t> </a:t>
+            </a:r>
+            <a:r>
+              <a:rPr lang="en-US" smtClean="0">
+                <a:solidFill>
+                  <a:srgbClr val="C00000"/>
+                </a:solidFill>
+              </a:rPr>
+              <a:t>git status</a:t>
+            </a:r>
+          </a:p>
+          <a:p>
+            <a:r>
+              <a:rPr lang="en-US" smtClean="0"/>
+              <a:t>File statuses (possibly color-coded):</a:t>
+            </a:r>
+          </a:p>
+          <a:p>
+            <a:pPr lvl="1"/>
+            <a:r>
+              <a:rPr lang="en-US" smtClean="0"/>
+              <a:t>Untracked (red)</a:t>
+            </a:r>
+          </a:p>
+          <a:p>
+            <a:pPr lvl="1"/>
+            <a:r>
+              <a:rPr lang="en-US" smtClean="0"/>
+              <a:t>Tracked and modified (red)</a:t>
+            </a:r>
+          </a:p>
+          <a:p>
+            <a:pPr lvl="1"/>
             <a:r>
               <a:rPr lang="en-US"/>
-              <a:t>“origin” remote was set up by “git clone”</a:t>
-            </a:r>
-          </a:p>
-          <a:p>
-            <a:r>
-              <a:rPr lang="en-US" smtClean="0"/>
-              <a:t>Note: Remotes are repo-specific</a:t>
+              <a:t>S</a:t>
+            </a:r>
+            <a:r>
+              <a:rPr lang="en-US" smtClean="0"/>
+              <a:t>taged for committing (green)</a:t>
+            </a:r>
+          </a:p>
+          <a:p>
+            <a:pPr lvl="1"/>
+            <a:r>
+              <a:rPr lang="en-US" smtClean="0"/>
+              <a:t>Committed</a:t>
             </a:r>
           </a:p>
         </p:txBody>
@@ -6714,7 +7146,7 @@
     </p:spTree>
     <p:extLst>
       <p:ext uri="{BB962C8B-B14F-4D97-AF65-F5344CB8AC3E}">
-        <p14:creationId xmlns:p14="http://schemas.microsoft.com/office/powerpoint/2010/main" val="3828473833"/>
+        <p14:creationId xmlns:p14="http://schemas.microsoft.com/office/powerpoint/2010/main" val="3431436500"/>
       </p:ext>
     </p:extLst>
   </p:cSld>
@@ -6760,53 +7192,44 @@
         </p:nvSpPr>
         <p:spPr/>
         <p:txBody>
+          <a:bodyPr/>
+          <a:lstStyle/>
+          <a:p>
+            <a:r>
+              <a:rPr lang="en-US" smtClean="0"/>
+              <a:t>Staging and committing changes</a:t>
+            </a:r>
+            <a:endParaRPr lang="en-US"/>
+          </a:p>
+        </p:txBody>
+      </p:sp>
+      <p:sp>
+        <p:nvSpPr>
+          <p:cNvPr id="3" name="Content Placeholder 2"/>
+          <p:cNvSpPr>
+            <a:spLocks noGrp="1"/>
+          </p:cNvSpPr>
+          <p:nvPr>
+            <p:ph idx="1"/>
+          </p:nvPr>
+        </p:nvSpPr>
+        <p:spPr/>
+        <p:txBody>
           <a:bodyPr>
-            <a:normAutofit fontScale="90000"/>
+            <a:normAutofit fontScale="92500" lnSpcReduction="10000"/>
           </a:bodyPr>
           <a:lstStyle/>
           <a:p>
             <a:r>
               <a:rPr lang="en-US" smtClean="0"/>
-              <a:t>Making changes, checking your status</a:t>
-            </a:r>
-            <a:endParaRPr lang="en-US"/>
-          </a:p>
-        </p:txBody>
-      </p:sp>
-      <p:sp>
-        <p:nvSpPr>
-          <p:cNvPr id="3" name="Content Placeholder 2"/>
-          <p:cNvSpPr>
-            <a:spLocks noGrp="1"/>
-          </p:cNvSpPr>
-          <p:nvPr>
-            <p:ph idx="1"/>
-          </p:nvPr>
-        </p:nvSpPr>
-        <p:spPr/>
-        <p:txBody>
-          <a:bodyPr>
-            <a:normAutofit fontScale="92500" lnSpcReduction="20000"/>
-          </a:bodyPr>
-          <a:lstStyle/>
-          <a:p>
-            <a:r>
-              <a:rPr lang="en-US" smtClean="0"/>
-              <a:t>Making changes:</a:t>
+              <a:t>Stage changes for committing:</a:t>
             </a:r>
           </a:p>
           <a:p>
             <a:pPr lvl="1"/>
             <a:r>
               <a:rPr lang="en-US" smtClean="0"/>
-              <a:t>Modify README.md in any text editor</a:t>
-            </a:r>
-          </a:p>
-          <a:p>
-            <a:pPr lvl="1"/>
-            <a:r>
-              <a:rPr lang="en-US" smtClean="0"/>
-              <a:t>Create a new file: </a:t>
+              <a:t>Add a single file: </a:t>
             </a:r>
             <a:r>
               <a:rPr lang="en-US" smtClean="0">
@@ -6814,20 +7237,14 @@
                   <a:srgbClr val="C00000"/>
                 </a:solidFill>
               </a:rPr>
-              <a:t>touch &lt;filename&gt;</a:t>
-            </a:r>
-          </a:p>
-          <a:p>
-            <a:r>
-              <a:rPr lang="en-US" smtClean="0"/>
-              <a:t>Check your status:</a:t>
+              <a:t>git add &lt;filename&gt;</a:t>
             </a:r>
           </a:p>
           <a:p>
             <a:pPr lvl="1"/>
             <a:r>
               <a:rPr lang="en-US" smtClean="0"/>
-              <a:t> </a:t>
+              <a:t>Add all “red” files: </a:t>
             </a:r>
             <a:r>
               <a:rPr lang="en-US" smtClean="0">
@@ -6835,53 +7252,74 @@
                   <a:srgbClr val="C00000"/>
                 </a:solidFill>
               </a:rPr>
-              <a:t>git status</a:t>
-            </a:r>
-          </a:p>
-          <a:p>
-            <a:r>
-              <a:rPr lang="en-US" smtClean="0"/>
-              <a:t>File statuses (possibly color-coded):</a:t>
+              <a:t>git add -A</a:t>
+            </a:r>
+          </a:p>
+          <a:p>
+            <a:r>
+              <a:rPr lang="en-US" smtClean="0"/>
+              <a:t>Check your status:</a:t>
             </a:r>
           </a:p>
           <a:p>
             <a:pPr lvl="1"/>
             <a:r>
               <a:rPr lang="en-US" smtClean="0"/>
-              <a:t>Untracked (red)</a:t>
+              <a:t>Red files have turned green</a:t>
+            </a:r>
+          </a:p>
+          <a:p>
+            <a:r>
+              <a:rPr lang="en-US" smtClean="0"/>
+              <a:t>Commit changes:</a:t>
             </a:r>
           </a:p>
           <a:p>
             <a:pPr lvl="1"/>
             <a:r>
               <a:rPr lang="en-US" smtClean="0"/>
-              <a:t>Tracked and modified (red)</a:t>
-            </a:r>
-          </a:p>
-          <a:p>
-            <a:pPr lvl="1"/>
-            <a:r>
-              <a:rPr lang="en-US"/>
-              <a:t>S</a:t>
-            </a:r>
-            <a:r>
-              <a:rPr lang="en-US" smtClean="0"/>
-              <a:t>taged for committing (green)</a:t>
-            </a:r>
-          </a:p>
-          <a:p>
-            <a:pPr lvl="1"/>
-            <a:r>
-              <a:rPr lang="en-US" smtClean="0"/>
-              <a:t>Committed</a:t>
-            </a:r>
+              <a:t> </a:t>
+            </a:r>
+            <a:r>
+              <a:rPr lang="en-US" smtClean="0">
+                <a:solidFill>
+                  <a:srgbClr val="C00000"/>
+                </a:solidFill>
+              </a:rPr>
+              <a:t>git commit -m “message about commit”</a:t>
+            </a:r>
+          </a:p>
+          <a:p>
+            <a:r>
+              <a:rPr lang="en-US" smtClean="0"/>
+              <a:t>Check your status again!</a:t>
+            </a:r>
+          </a:p>
+          <a:p>
+            <a:r>
+              <a:rPr lang="en-US" smtClean="0"/>
+              <a:t>Check the log: </a:t>
+            </a:r>
+            <a:r>
+              <a:rPr lang="en-US" smtClean="0">
+                <a:solidFill>
+                  <a:srgbClr val="C00000"/>
+                </a:solidFill>
+              </a:rPr>
+              <a:t>git log</a:t>
+            </a:r>
+            <a:endParaRPr lang="en-US">
+              <a:solidFill>
+                <a:srgbClr val="C00000"/>
+              </a:solidFill>
+            </a:endParaRPr>
           </a:p>
         </p:txBody>
       </p:sp>
     </p:spTree>
     <p:extLst>
       <p:ext uri="{BB962C8B-B14F-4D97-AF65-F5344CB8AC3E}">
-        <p14:creationId xmlns:p14="http://schemas.microsoft.com/office/powerpoint/2010/main" val="3431436500"/>
+        <p14:creationId xmlns:p14="http://schemas.microsoft.com/office/powerpoint/2010/main" val="3199936325"/>
       </p:ext>
     </p:extLst>
   </p:cSld>
@@ -7011,7 +7449,7 @@
           <a:p>
             <a:r>
               <a:rPr lang="en-US" smtClean="0"/>
-              <a:t>Staging and committing changes</a:t>
+              <a:t>Pushing changes to GitHub</a:t>
             </a:r>
             <a:endParaRPr lang="en-US"/>
           </a:p>
@@ -7030,20 +7468,39 @@
         <p:spPr/>
         <p:txBody>
           <a:bodyPr>
-            <a:normAutofit fontScale="92500" lnSpcReduction="10000"/>
+            <a:normAutofit/>
           </a:bodyPr>
           <a:lstStyle/>
           <a:p>
             <a:r>
               <a:rPr lang="en-US" smtClean="0"/>
-              <a:t>Stage changes for committing:</a:t>
+              <a:t>Everything you’ve done to your cloned repo (so far) has been local</a:t>
+            </a:r>
+          </a:p>
+          <a:p>
+            <a:r>
+              <a:rPr lang="en-US" smtClean="0"/>
+              <a:t>You’ve been working in the “master” branch</a:t>
+            </a:r>
+          </a:p>
+          <a:p>
+            <a:r>
+              <a:rPr lang="en-US" smtClean="0"/>
+              <a:t>Push committed changes to GitHub:</a:t>
             </a:r>
           </a:p>
           <a:p>
             <a:pPr lvl="1"/>
             <a:r>
               <a:rPr lang="en-US" smtClean="0"/>
-              <a:t>Add a single file: </a:t>
+              <a:t>Like syncing local file changes to Dropbox</a:t>
+            </a:r>
+          </a:p>
+          <a:p>
+            <a:pPr lvl="1"/>
+            <a:r>
+              <a:rPr lang="en-US" smtClean="0"/>
+              <a:t> </a:t>
             </a:r>
             <a:r>
               <a:rPr lang="en-US" smtClean="0">
@@ -7051,14 +7508,14 @@
                   <a:srgbClr val="C00000"/>
                 </a:solidFill>
               </a:rPr>
-              <a:t>git add &lt;filename&gt;</a:t>
+              <a:t>git push &lt;remote&gt; &lt;branch&gt;</a:t>
             </a:r>
           </a:p>
           <a:p>
             <a:pPr lvl="1"/>
             <a:r>
               <a:rPr lang="en-US" smtClean="0"/>
-              <a:t>Add all “red” files: </a:t>
+              <a:t>Often: </a:t>
             </a:r>
             <a:r>
               <a:rPr lang="en-US" smtClean="0">
@@ -7066,74 +7523,22 @@
                   <a:srgbClr val="C00000"/>
                 </a:solidFill>
               </a:rPr>
-              <a:t>git add -A</a:t>
-            </a:r>
-          </a:p>
-          <a:p>
-            <a:r>
-              <a:rPr lang="en-US" smtClean="0"/>
-              <a:t>Check your status:</a:t>
-            </a:r>
-          </a:p>
-          <a:p>
-            <a:pPr lvl="1"/>
-            <a:r>
-              <a:rPr lang="en-US" smtClean="0"/>
-              <a:t>Red files have turned green</a:t>
-            </a:r>
-          </a:p>
-          <a:p>
-            <a:r>
-              <a:rPr lang="en-US" smtClean="0"/>
-              <a:t>Commit changes:</a:t>
-            </a:r>
-          </a:p>
-          <a:p>
-            <a:pPr lvl="1"/>
-            <a:r>
-              <a:rPr lang="en-US" smtClean="0"/>
-              <a:t> </a:t>
-            </a:r>
-            <a:r>
-              <a:rPr lang="en-US" smtClean="0">
-                <a:solidFill>
-                  <a:srgbClr val="C00000"/>
-                </a:solidFill>
-              </a:rPr>
-              <a:t>git commit -m “message about commit”</a:t>
-            </a:r>
-          </a:p>
-          <a:p>
-            <a:r>
-              <a:rPr lang="en-US" smtClean="0"/>
-              <a:t>Check your status again!</a:t>
-            </a:r>
-          </a:p>
-          <a:p>
-            <a:r>
-              <a:rPr lang="en-US" smtClean="0"/>
-              <a:t>Check the log: </a:t>
-            </a:r>
-            <a:r>
-              <a:rPr lang="en-US" smtClean="0">
-                <a:solidFill>
-                  <a:srgbClr val="C00000"/>
-                </a:solidFill>
-              </a:rPr>
-              <a:t>git log</a:t>
-            </a:r>
-            <a:endParaRPr lang="en-US">
-              <a:solidFill>
-                <a:srgbClr val="C00000"/>
-              </a:solidFill>
-            </a:endParaRPr>
+              <a:t>git push origin master</a:t>
+            </a:r>
+          </a:p>
+          <a:p>
+            <a:r>
+              <a:rPr lang="en-US" smtClean="0"/>
+              <a:t>Refresh your GitHub repo to check!</a:t>
+            </a:r>
+            <a:endParaRPr lang="en-US"/>
           </a:p>
         </p:txBody>
       </p:sp>
     </p:spTree>
     <p:extLst>
       <p:ext uri="{BB962C8B-B14F-4D97-AF65-F5344CB8AC3E}">
-        <p14:creationId xmlns:p14="http://schemas.microsoft.com/office/powerpoint/2010/main" val="3199936325"/>
+        <p14:creationId xmlns:p14="http://schemas.microsoft.com/office/powerpoint/2010/main" val="963782855"/>
       </p:ext>
     </p:extLst>
   </p:cSld>
@@ -7184,7 +7589,7 @@
           <a:p>
             <a:r>
               <a:rPr lang="en-US" smtClean="0"/>
-              <a:t>Pushing changes to GitHub</a:t>
+              <a:t>Quick recap of what you’ve done</a:t>
             </a:r>
             <a:endParaRPr lang="en-US"/>
           </a:p>
@@ -7203,39 +7608,19 @@
         <p:spPr/>
         <p:txBody>
           <a:bodyPr>
-            <a:normAutofit/>
+            <a:normAutofit fontScale="92500" lnSpcReduction="10000"/>
           </a:bodyPr>
           <a:lstStyle/>
           <a:p>
             <a:r>
               <a:rPr lang="en-US" smtClean="0"/>
-              <a:t>Everything you’ve done to your cloned repo (so far) has been local</a:t>
-            </a:r>
-          </a:p>
-          <a:p>
-            <a:r>
-              <a:rPr lang="en-US" smtClean="0"/>
-              <a:t>You’ve been working in the “master” branch</a:t>
-            </a:r>
-          </a:p>
-          <a:p>
-            <a:r>
-              <a:rPr lang="en-US" smtClean="0"/>
-              <a:t>Push committed changes to GitHub:</a:t>
-            </a:r>
-          </a:p>
-          <a:p>
-            <a:pPr lvl="1"/>
-            <a:r>
-              <a:rPr lang="en-US" smtClean="0"/>
-              <a:t>Like syncing local file changes to Dropbox</a:t>
-            </a:r>
-          </a:p>
-          <a:p>
-            <a:pPr lvl="1"/>
-            <a:r>
-              <a:rPr lang="en-US" smtClean="0"/>
-              <a:t> </a:t>
+              <a:t>Created a repo on GitHub</a:t>
+            </a:r>
+          </a:p>
+          <a:p>
+            <a:r>
+              <a:rPr lang="en-US" smtClean="0"/>
+              <a:t>Cloned repo to your local computer (</a:t>
             </a:r>
             <a:r>
               <a:rPr lang="en-US" smtClean="0">
@@ -7243,14 +7628,30 @@
                   <a:srgbClr val="C00000"/>
                 </a:solidFill>
               </a:rPr>
-              <a:t>git push &lt;remote&gt; &lt;branch&gt;</a:t>
+              <a:t>git clone</a:t>
+            </a:r>
+            <a:r>
+              <a:rPr lang="en-US" smtClean="0"/>
+              <a:t>)</a:t>
             </a:r>
           </a:p>
           <a:p>
             <a:pPr lvl="1"/>
             <a:r>
               <a:rPr lang="en-US" smtClean="0"/>
-              <a:t>Often: </a:t>
+              <a:t>Automatically sets up your “origin” remote</a:t>
+            </a:r>
+          </a:p>
+          <a:p>
+            <a:r>
+              <a:rPr lang="en-US" smtClean="0"/>
+              <a:t>Made two file changes</a:t>
+            </a:r>
+          </a:p>
+          <a:p>
+            <a:r>
+              <a:rPr lang="en-US" smtClean="0"/>
+              <a:t>Staged changes for committing (</a:t>
             </a:r>
             <a:r>
               <a:rPr lang="en-US" smtClean="0">
@@ -7258,13 +7659,89 @@
                   <a:srgbClr val="C00000"/>
                 </a:solidFill>
               </a:rPr>
-              <a:t>git push origin master</a:t>
-            </a:r>
-          </a:p>
-          <a:p>
-            <a:r>
-              <a:rPr lang="en-US" smtClean="0"/>
-              <a:t>Refresh your GitHub repo to check!</a:t>
+              <a:t>git add</a:t>
+            </a:r>
+            <a:r>
+              <a:rPr lang="en-US" smtClean="0"/>
+              <a:t>)</a:t>
+            </a:r>
+          </a:p>
+          <a:p>
+            <a:r>
+              <a:rPr lang="en-US" smtClean="0"/>
+              <a:t>Committed changes (</a:t>
+            </a:r>
+            <a:r>
+              <a:rPr lang="en-US" smtClean="0">
+                <a:solidFill>
+                  <a:srgbClr val="C00000"/>
+                </a:solidFill>
+              </a:rPr>
+              <a:t>git commit</a:t>
+            </a:r>
+            <a:r>
+              <a:rPr lang="en-US" smtClean="0"/>
+              <a:t>)</a:t>
+            </a:r>
+          </a:p>
+          <a:p>
+            <a:r>
+              <a:rPr lang="en-US" smtClean="0"/>
+              <a:t>Pushed changes to GitHub (</a:t>
+            </a:r>
+            <a:r>
+              <a:rPr lang="en-US" smtClean="0">
+                <a:solidFill>
+                  <a:srgbClr val="C00000"/>
+                </a:solidFill>
+              </a:rPr>
+              <a:t>git push</a:t>
+            </a:r>
+            <a:r>
+              <a:rPr lang="en-US" smtClean="0"/>
+              <a:t>)</a:t>
+            </a:r>
+          </a:p>
+          <a:p>
+            <a:r>
+              <a:rPr lang="en-US" smtClean="0"/>
+              <a:t>Inspected along the way (</a:t>
+            </a:r>
+            <a:r>
+              <a:rPr lang="en-US" smtClean="0">
+                <a:solidFill>
+                  <a:srgbClr val="C00000"/>
+                </a:solidFill>
+              </a:rPr>
+              <a:t>git remote</a:t>
+            </a:r>
+            <a:r>
+              <a:rPr lang="en-US" smtClean="0"/>
+              <a:t>, </a:t>
+            </a:r>
+            <a:r>
+              <a:rPr lang="en-US" smtClean="0">
+                <a:solidFill>
+                  <a:srgbClr val="C00000"/>
+                </a:solidFill>
+              </a:rPr>
+              <a:t>git status</a:t>
+            </a:r>
+            <a:r>
+              <a:rPr lang="en-US" smtClean="0"/>
+              <a:t>, </a:t>
+            </a:r>
+            <a:r>
+              <a:rPr lang="en-US" smtClean="0">
+                <a:solidFill>
+                  <a:srgbClr val="C00000"/>
+                </a:solidFill>
+              </a:rPr>
+              <a:t>git log</a:t>
+            </a:r>
+            <a:r>
+              <a:rPr lang="en-US" smtClean="0"/>
+              <a:t>)</a:t>
             </a:r>
             <a:endParaRPr lang="en-US"/>
           </a:p>
@@ -7273,7 +7750,7 @@
     </p:spTree>
     <p:extLst>
       <p:ext uri="{BB962C8B-B14F-4D97-AF65-F5344CB8AC3E}">
-        <p14:creationId xmlns:p14="http://schemas.microsoft.com/office/powerpoint/2010/main" val="963782855"/>
+        <p14:creationId xmlns:p14="http://schemas.microsoft.com/office/powerpoint/2010/main" val="3631315944"/>
       </p:ext>
     </p:extLst>
   </p:cSld>
@@ -7324,7 +7801,7 @@
           <a:p>
             <a:r>
               <a:rPr lang="en-US" smtClean="0"/>
-              <a:t>Quick recap of what you’ve done</a:t>
+              <a:t>Let’s do it again!</a:t>
             </a:r>
             <a:endParaRPr lang="en-US"/>
           </a:p>
@@ -7342,117 +7819,12 @@
         </p:nvSpPr>
         <p:spPr/>
         <p:txBody>
-          <a:bodyPr>
-            <a:normAutofit fontScale="92500" lnSpcReduction="10000"/>
-          </a:bodyPr>
-          <a:lstStyle/>
-          <a:p>
-            <a:r>
-              <a:rPr lang="en-US" smtClean="0"/>
-              <a:t>Created a repo on GitHub</a:t>
-            </a:r>
-          </a:p>
-          <a:p>
-            <a:r>
-              <a:rPr lang="en-US" smtClean="0"/>
-              <a:t>Cloned repo to your local computer (</a:t>
-            </a:r>
-            <a:r>
-              <a:rPr lang="en-US" smtClean="0">
-                <a:solidFill>
-                  <a:srgbClr val="C00000"/>
-                </a:solidFill>
-              </a:rPr>
-              <a:t>git clone</a:t>
-            </a:r>
-            <a:r>
-              <a:rPr lang="en-US" smtClean="0"/>
-              <a:t>)</a:t>
-            </a:r>
-          </a:p>
-          <a:p>
-            <a:pPr lvl="1"/>
-            <a:r>
-              <a:rPr lang="en-US" smtClean="0"/>
-              <a:t>Automatically sets up your “origin” remote</a:t>
-            </a:r>
-          </a:p>
-          <a:p>
-            <a:r>
-              <a:rPr lang="en-US" smtClean="0"/>
-              <a:t>Made two file changes</a:t>
-            </a:r>
-          </a:p>
-          <a:p>
-            <a:r>
-              <a:rPr lang="en-US" smtClean="0"/>
-              <a:t>Staged changes for committing (</a:t>
-            </a:r>
-            <a:r>
-              <a:rPr lang="en-US" smtClean="0">
-                <a:solidFill>
-                  <a:srgbClr val="C00000"/>
-                </a:solidFill>
-              </a:rPr>
-              <a:t>git add</a:t>
-            </a:r>
-            <a:r>
-              <a:rPr lang="en-US" smtClean="0"/>
-              <a:t>)</a:t>
-            </a:r>
-          </a:p>
-          <a:p>
-            <a:r>
-              <a:rPr lang="en-US" smtClean="0"/>
-              <a:t>Committed changes (</a:t>
-            </a:r>
-            <a:r>
-              <a:rPr lang="en-US" smtClean="0">
-                <a:solidFill>
-                  <a:srgbClr val="C00000"/>
-                </a:solidFill>
-              </a:rPr>
-              <a:t>git commit</a:t>
-            </a:r>
-            <a:r>
-              <a:rPr lang="en-US" smtClean="0"/>
-              <a:t>)</a:t>
-            </a:r>
-          </a:p>
-          <a:p>
-            <a:r>
-              <a:rPr lang="en-US" smtClean="0"/>
-              <a:t>Pushed changes to GitHub (</a:t>
-            </a:r>
-            <a:r>
-              <a:rPr lang="en-US" smtClean="0">
-                <a:solidFill>
-                  <a:srgbClr val="C00000"/>
-                </a:solidFill>
-              </a:rPr>
-              <a:t>git push</a:t>
-            </a:r>
-            <a:r>
-              <a:rPr lang="en-US" smtClean="0"/>
-              <a:t>)</a:t>
-            </a:r>
-          </a:p>
-          <a:p>
-            <a:r>
-              <a:rPr lang="en-US" smtClean="0"/>
-              <a:t>Inspected along the way (</a:t>
-            </a:r>
-            <a:r>
-              <a:rPr lang="en-US" smtClean="0">
-                <a:solidFill>
-                  <a:srgbClr val="C00000"/>
-                </a:solidFill>
-              </a:rPr>
-              <a:t>git remote</a:t>
-            </a:r>
-            <a:r>
-              <a:rPr lang="en-US" smtClean="0"/>
-              <a:t>, </a:t>
+          <a:bodyPr/>
+          <a:lstStyle/>
+          <a:p>
+            <a:r>
+              <a:rPr lang="en-US" smtClean="0"/>
+              <a:t>Modify or add a file, then </a:t>
             </a:r>
             <a:r>
               <a:rPr lang="en-US" smtClean="0">
@@ -7462,9 +7834,11 @@
               </a:rPr>
               <a:t>git status</a:t>
             </a:r>
-            <a:r>
-              <a:rPr lang="en-US" smtClean="0"/>
-              <a:t>, </a:t>
+          </a:p>
+          <a:p>
+            <a:r>
+              <a:rPr lang="en-US" smtClean="0"/>
+              <a:t> </a:t>
             </a:r>
             <a:r>
               <a:rPr lang="en-US" smtClean="0">
@@ -7472,12 +7846,56 @@
                   <a:srgbClr val="C00000"/>
                 </a:solidFill>
               </a:rPr>
-              <a:t>git log</a:t>
-            </a:r>
-            <a:r>
-              <a:rPr lang="en-US" smtClean="0"/>
-              <a:t>)</a:t>
-            </a:r>
+              <a:t>git add &lt;filename&gt;</a:t>
+            </a:r>
+            <a:r>
+              <a:rPr lang="en-US" smtClean="0"/>
+              <a:t>, then </a:t>
+            </a:r>
+            <a:r>
+              <a:rPr lang="en-US" smtClean="0">
+                <a:solidFill>
+                  <a:srgbClr val="C00000"/>
+                </a:solidFill>
+              </a:rPr>
+              <a:t>git status</a:t>
+            </a:r>
+          </a:p>
+          <a:p>
+            <a:r>
+              <a:rPr lang="en-US" smtClean="0"/>
+              <a:t> </a:t>
+            </a:r>
+            <a:r>
+              <a:rPr lang="en-US" smtClean="0">
+                <a:solidFill>
+                  <a:srgbClr val="C00000"/>
+                </a:solidFill>
+              </a:rPr>
+              <a:t>git commit -m “message”</a:t>
+            </a:r>
+          </a:p>
+          <a:p>
+            <a:r>
+              <a:rPr lang="en-US" smtClean="0"/>
+              <a:t> </a:t>
+            </a:r>
+            <a:r>
+              <a:rPr lang="en-US" smtClean="0">
+                <a:solidFill>
+                  <a:srgbClr val="C00000"/>
+                </a:solidFill>
+              </a:rPr>
+              <a:t>git push origin master</a:t>
+            </a:r>
+          </a:p>
+          <a:p>
+            <a:r>
+              <a:rPr lang="en-US" smtClean="0"/>
+              <a:t>Refresh your GitHub repo</a:t>
+            </a:r>
+          </a:p>
+          <a:p>
             <a:endParaRPr lang="en-US"/>
           </a:p>
         </p:txBody>
@@ -7485,7 +7903,7 @@
     </p:spTree>
     <p:extLst>
       <p:ext uri="{BB962C8B-B14F-4D97-AF65-F5344CB8AC3E}">
-        <p14:creationId xmlns:p14="http://schemas.microsoft.com/office/powerpoint/2010/main" val="3631315944"/>
+        <p14:creationId xmlns:p14="http://schemas.microsoft.com/office/powerpoint/2010/main" val="4057909759"/>
       </p:ext>
     </p:extLst>
   </p:cSld>
@@ -7521,12 +7939,12 @@
       </p:grpSpPr>
       <p:sp>
         <p:nvSpPr>
-          <p:cNvPr id="2" name="Title 1"/>
-          <p:cNvSpPr>
-            <a:spLocks noGrp="1"/>
-          </p:cNvSpPr>
-          <p:nvPr>
-            <p:ph type="title"/>
+          <p:cNvPr id="4" name="Title 3"/>
+          <p:cNvSpPr>
+            <a:spLocks noGrp="1"/>
+          </p:cNvSpPr>
+          <p:nvPr>
+            <p:ph type="ctrTitle"/>
           </p:nvPr>
         </p:nvSpPr>
         <p:spPr/>
@@ -7536,100 +7954,33 @@
           <a:p>
             <a:r>
               <a:rPr lang="en-US" smtClean="0"/>
-              <a:t>Let’s do it again!</a:t>
-            </a:r>
-            <a:endParaRPr lang="en-US"/>
-          </a:p>
-        </p:txBody>
-      </p:sp>
-      <p:sp>
-        <p:nvSpPr>
-          <p:cNvPr id="3" name="Content Placeholder 2"/>
-          <p:cNvSpPr>
-            <a:spLocks noGrp="1"/>
-          </p:cNvSpPr>
-          <p:nvPr>
-            <p:ph idx="1"/>
+              <a:t>IV. Updating a Local Repo</a:t>
+            </a:r>
+            <a:br>
+              <a:rPr lang="en-US" smtClean="0"/>
+            </a:br>
+            <a:r>
+              <a:rPr lang="en-US" smtClean="0"/>
+              <a:t>from GitHub</a:t>
+            </a:r>
+            <a:endParaRPr lang="en-US"/>
+          </a:p>
+        </p:txBody>
+      </p:sp>
+      <p:sp>
+        <p:nvSpPr>
+          <p:cNvPr id="5" name="Subtitle 4"/>
+          <p:cNvSpPr>
+            <a:spLocks noGrp="1"/>
+          </p:cNvSpPr>
+          <p:nvPr>
+            <p:ph type="subTitle" idx="1"/>
           </p:nvPr>
         </p:nvSpPr>
         <p:spPr/>
         <p:txBody>
           <a:bodyPr/>
           <a:lstStyle/>
-          <a:p>
-            <a:r>
-              <a:rPr lang="en-US" smtClean="0"/>
-              <a:t>Modify or add a file, then </a:t>
-            </a:r>
-            <a:r>
-              <a:rPr lang="en-US" smtClean="0">
-                <a:solidFill>
-                  <a:srgbClr val="C00000"/>
-                </a:solidFill>
-              </a:rPr>
-              <a:t>git status</a:t>
-            </a:r>
-          </a:p>
-          <a:p>
-            <a:r>
-              <a:rPr lang="en-US" smtClean="0"/>
-              <a:t> </a:t>
-            </a:r>
-            <a:r>
-              <a:rPr lang="en-US" smtClean="0">
-                <a:solidFill>
-                  <a:srgbClr val="C00000"/>
-                </a:solidFill>
-              </a:rPr>
-              <a:t>git add &lt;filename&gt;</a:t>
-            </a:r>
-            <a:r>
-              <a:rPr lang="en-US" smtClean="0"/>
-              <a:t>, then </a:t>
-            </a:r>
-            <a:r>
-              <a:rPr lang="en-US" smtClean="0">
-                <a:solidFill>
-                  <a:srgbClr val="C00000"/>
-                </a:solidFill>
-              </a:rPr>
-              <a:t>git status</a:t>
-            </a:r>
-          </a:p>
-          <a:p>
-            <a:r>
-              <a:rPr lang="en-US" smtClean="0"/>
-              <a:t> </a:t>
-            </a:r>
-            <a:r>
-              <a:rPr lang="en-US" smtClean="0">
-                <a:solidFill>
-                  <a:srgbClr val="C00000"/>
-                </a:solidFill>
-              </a:rPr>
-              <a:t>git commit -m “message”</a:t>
-            </a:r>
-          </a:p>
-          <a:p>
-            <a:r>
-              <a:rPr lang="en-US" smtClean="0"/>
-              <a:t> </a:t>
-            </a:r>
-            <a:r>
-              <a:rPr lang="en-US" smtClean="0">
-                <a:solidFill>
-                  <a:srgbClr val="C00000"/>
-                </a:solidFill>
-              </a:rPr>
-              <a:t>git push origin master</a:t>
-            </a:r>
-          </a:p>
-          <a:p>
-            <a:r>
-              <a:rPr lang="en-US" smtClean="0"/>
-              <a:t>Refresh your GitHub repo</a:t>
-            </a:r>
-          </a:p>
           <a:p>
             <a:endParaRPr lang="en-US"/>
           </a:p>
@@ -7638,7 +7989,7 @@
     </p:spTree>
     <p:extLst>
       <p:ext uri="{BB962C8B-B14F-4D97-AF65-F5344CB8AC3E}">
-        <p14:creationId xmlns:p14="http://schemas.microsoft.com/office/powerpoint/2010/main" val="4057909759"/>
+        <p14:creationId xmlns:p14="http://schemas.microsoft.com/office/powerpoint/2010/main" val="2925110185"/>
       </p:ext>
     </p:extLst>
   </p:cSld>
@@ -7674,12 +8025,12 @@
       </p:grpSpPr>
       <p:sp>
         <p:nvSpPr>
-          <p:cNvPr id="4" name="Title 3"/>
-          <p:cNvSpPr>
-            <a:spLocks noGrp="1"/>
-          </p:cNvSpPr>
-          <p:nvPr>
-            <p:ph type="ctrTitle"/>
+          <p:cNvPr id="2" name="Title 1"/>
+          <p:cNvSpPr>
+            <a:spLocks noGrp="1"/>
+          </p:cNvSpPr>
+          <p:nvPr>
+            <p:ph type="title"/>
           </p:nvPr>
         </p:nvSpPr>
         <p:spPr/>
@@ -7689,42 +8040,65 @@
           <a:p>
             <a:r>
               <a:rPr lang="en-US" smtClean="0"/>
-              <a:t>IV. Updating a Local Repo</a:t>
-            </a:r>
-            <a:br>
-              <a:rPr lang="en-US" smtClean="0"/>
-            </a:br>
-            <a:r>
-              <a:rPr lang="en-US" smtClean="0"/>
-              <a:t>from GitHub</a:t>
-            </a:r>
-            <a:endParaRPr lang="en-US"/>
-          </a:p>
-        </p:txBody>
-      </p:sp>
-      <p:sp>
-        <p:nvSpPr>
-          <p:cNvPr id="5" name="Subtitle 4"/>
-          <p:cNvSpPr>
-            <a:spLocks noGrp="1"/>
-          </p:cNvSpPr>
-          <p:nvPr>
-            <p:ph type="subTitle" idx="1"/>
-          </p:nvPr>
-        </p:nvSpPr>
-        <p:spPr/>
-        <p:txBody>
-          <a:bodyPr/>
-          <a:lstStyle/>
-          <a:p>
-            <a:endParaRPr lang="en-US"/>
+              <a:t>Changes being made remotely</a:t>
+            </a:r>
+            <a:endParaRPr lang="en-US"/>
+          </a:p>
+        </p:txBody>
+      </p:sp>
+      <p:sp>
+        <p:nvSpPr>
+          <p:cNvPr id="3" name="Content Placeholder 2"/>
+          <p:cNvSpPr>
+            <a:spLocks noGrp="1"/>
+          </p:cNvSpPr>
+          <p:nvPr>
+            <p:ph idx="1"/>
+          </p:nvPr>
+        </p:nvSpPr>
+        <p:spPr>
+          <a:xfrm>
+            <a:off x="457200" y="1600200"/>
+            <a:ext cx="8382000" cy="4876800"/>
+          </a:xfrm>
+        </p:spPr>
+        <p:txBody>
+          <a:bodyPr>
+            <a:normAutofit/>
+          </a:bodyPr>
+          <a:lstStyle/>
+          <a:p>
+            <a:r>
+              <a:rPr lang="en-US" smtClean="0"/>
+              <a:t>So far, repo changes have been made on your local machine and then pushed to GitHub</a:t>
+            </a:r>
+          </a:p>
+          <a:p>
+            <a:r>
+              <a:rPr lang="en-US" smtClean="0"/>
+              <a:t>What if you clone someone else’s GitHub repo, and then they make changes to it?</a:t>
+            </a:r>
+          </a:p>
+          <a:p>
+            <a:r>
+              <a:rPr lang="en-US" smtClean="0"/>
+              <a:t>Git </a:t>
+            </a:r>
+            <a:r>
+              <a:rPr lang="en-US"/>
+              <a:t>does not automatically update your local repository with remote </a:t>
+            </a:r>
+            <a:r>
+              <a:rPr lang="en-US" smtClean="0"/>
+              <a:t>changes</a:t>
+            </a:r>
           </a:p>
         </p:txBody>
       </p:sp>
     </p:spTree>
     <p:extLst>
       <p:ext uri="{BB962C8B-B14F-4D97-AF65-F5344CB8AC3E}">
-        <p14:creationId xmlns:p14="http://schemas.microsoft.com/office/powerpoint/2010/main" val="2925110185"/>
+        <p14:creationId xmlns:p14="http://schemas.microsoft.com/office/powerpoint/2010/main" val="2298330560"/>
       </p:ext>
     </p:extLst>
   </p:cSld>
@@ -7775,7 +8149,7 @@
           <a:p>
             <a:r>
               <a:rPr lang="en-US" smtClean="0"/>
-              <a:t>Changes being made remotely</a:t>
+              <a:t>Pulling changes from GitHub</a:t>
             </a:r>
             <a:endParaRPr lang="en-US"/>
           </a:p>
@@ -7794,7 +8168,7 @@
         <p:spPr>
           <a:xfrm>
             <a:off x="457200" y="1600200"/>
-            <a:ext cx="8382000" cy="4876800"/>
+            <a:ext cx="8229600" cy="4876800"/>
           </a:xfrm>
         </p:spPr>
         <p:txBody>
@@ -7805,27 +8179,50 @@
           <a:p>
             <a:r>
               <a:rPr lang="en-US" smtClean="0"/>
-              <a:t>So far, repo changes have been made on your local machine and then pushed to GitHub</a:t>
-            </a:r>
-          </a:p>
-          <a:p>
-            <a:r>
-              <a:rPr lang="en-US" smtClean="0"/>
-              <a:t>What if you clone someone else’s GitHub repo, and then they make changes to it?</a:t>
-            </a:r>
-          </a:p>
-          <a:p>
-            <a:r>
-              <a:rPr lang="en-US" smtClean="0"/>
-              <a:t>Git </a:t>
-            </a:r>
-            <a:r>
-              <a:rPr lang="en-US"/>
-              <a:t>does not automatically update your local repository with remote </a:t>
-            </a:r>
-            <a:r>
-              <a:rPr lang="en-US" smtClean="0"/>
-              <a:t>changes</a:t>
+              <a:t>Git allows you to manually “pull” changes from remote locations</a:t>
+            </a:r>
+          </a:p>
+          <a:p>
+            <a:pPr lvl="1"/>
+            <a:r>
+              <a:rPr lang="en-US" smtClean="0"/>
+              <a:t>Like syncing your local files from Dropbox</a:t>
+            </a:r>
+          </a:p>
+          <a:p>
+            <a:pPr lvl="1"/>
+            <a:r>
+              <a:rPr lang="en-US" smtClean="0"/>
+              <a:t> </a:t>
+            </a:r>
+            <a:r>
+              <a:rPr lang="en-US" smtClean="0">
+                <a:solidFill>
+                  <a:srgbClr val="FF0000"/>
+                </a:solidFill>
+              </a:rPr>
+              <a:t>git pull &lt;remote&gt; &lt;branch&gt;</a:t>
+            </a:r>
+          </a:p>
+          <a:p>
+            <a:pPr lvl="1"/>
+            <a:r>
+              <a:rPr lang="en-US" smtClean="0"/>
+              <a:t>Often: </a:t>
+            </a:r>
+            <a:r>
+              <a:rPr lang="en-US" smtClean="0">
+                <a:solidFill>
+                  <a:srgbClr val="FF0000"/>
+                </a:solidFill>
+              </a:rPr>
+              <a:t>git pull origin master</a:t>
+            </a:r>
+          </a:p>
+          <a:p>
+            <a:r>
+              <a:rPr lang="en-US" smtClean="0"/>
+              <a:t>Let’s practice with the DAT7 repo!</a:t>
             </a:r>
           </a:p>
         </p:txBody>
@@ -7833,7 +8230,7 @@
     </p:spTree>
     <p:extLst>
       <p:ext uri="{BB962C8B-B14F-4D97-AF65-F5344CB8AC3E}">
-        <p14:creationId xmlns:p14="http://schemas.microsoft.com/office/powerpoint/2010/main" val="2298330560"/>
+        <p14:creationId xmlns:p14="http://schemas.microsoft.com/office/powerpoint/2010/main" val="34833743"/>
       </p:ext>
     </p:extLst>
   </p:cSld>
@@ -7883,10 +8280,13 @@
           <a:lstStyle/>
           <a:p>
             <a:r>
-              <a:rPr lang="en-US" smtClean="0"/>
-              <a:t>Pulling changes from GitHub</a:t>
-            </a:r>
-            <a:endParaRPr lang="en-US"/>
+              <a:rPr lang="en-US" dirty="0" smtClean="0"/>
+              <a:t>Practice pulling from </a:t>
+            </a:r>
+            <a:r>
+              <a:rPr lang="en-US" dirty="0"/>
+              <a:t>DAT-BOS-16</a:t>
+            </a:r>
           </a:p>
         </p:txBody>
       </p:sp>
@@ -7913,51 +8313,130 @@
           <a:lstStyle/>
           <a:p>
             <a:r>
-              <a:rPr lang="en-US" smtClean="0"/>
-              <a:t>Git allows you to manually “pull” changes from remote locations</a:t>
+              <a:rPr lang="en-US" dirty="0" smtClean="0"/>
+              <a:t>Clone the </a:t>
+            </a:r>
+            <a:r>
+              <a:rPr lang="en-US" dirty="0"/>
+              <a:t>DAT-BOS-16 </a:t>
+            </a:r>
+            <a:r>
+              <a:rPr lang="en-US" dirty="0" smtClean="0"/>
+              <a:t>repo (if you haven’t already)</a:t>
             </a:r>
           </a:p>
           <a:p>
             <a:pPr lvl="1"/>
             <a:r>
-              <a:rPr lang="en-US" smtClean="0"/>
-              <a:t>Like syncing your local files from Dropbox</a:t>
+              <a:rPr lang="en-US" dirty="0" smtClean="0"/>
+              <a:t>Store it where you can find it easily</a:t>
             </a:r>
           </a:p>
           <a:p>
             <a:pPr lvl="1"/>
             <a:r>
-              <a:rPr lang="en-US" smtClean="0"/>
+              <a:rPr lang="en-US" dirty="0" smtClean="0"/>
+              <a:t>Don’t store it inside another </a:t>
+            </a:r>
+            <a:r>
+              <a:rPr lang="en-US" dirty="0" err="1" smtClean="0"/>
+              <a:t>Git</a:t>
+            </a:r>
+            <a:r>
+              <a:rPr lang="en-US" dirty="0" smtClean="0"/>
+              <a:t> repo</a:t>
+            </a:r>
+          </a:p>
+          <a:p>
+            <a:r>
+              <a:rPr lang="en-US" dirty="0"/>
+              <a:t>Navigate to the repo (</a:t>
+            </a:r>
+            <a:r>
+              <a:rPr lang="en-US" dirty="0">
+                <a:solidFill>
+                  <a:srgbClr val="C00000"/>
+                </a:solidFill>
+              </a:rPr>
+              <a:t>cd</a:t>
+            </a:r>
+            <a:r>
+              <a:rPr lang="en-US" dirty="0" smtClean="0"/>
+              <a:t>), </a:t>
+            </a:r>
+            <a:r>
+              <a:rPr lang="en-US" dirty="0"/>
+              <a:t>then list the files (</a:t>
+            </a:r>
+            <a:r>
+              <a:rPr lang="en-US" dirty="0" err="1">
+                <a:solidFill>
+                  <a:srgbClr val="C00000"/>
+                </a:solidFill>
+              </a:rPr>
+              <a:t>ls</a:t>
+            </a:r>
+            <a:r>
+              <a:rPr lang="en-US" dirty="0" smtClean="0"/>
+              <a:t>)</a:t>
+            </a:r>
+          </a:p>
+          <a:p>
+            <a:r>
+              <a:rPr lang="en-US" dirty="0" smtClean="0"/>
               <a:t> </a:t>
             </a:r>
             <a:r>
-              <a:rPr lang="en-US" smtClean="0">
+              <a:rPr lang="en-US" dirty="0" err="1" smtClean="0">
                 <a:solidFill>
                   <a:srgbClr val="FF0000"/>
                 </a:solidFill>
               </a:rPr>
-              <a:t>git pull &lt;remote&gt; &lt;branch&gt;</a:t>
-            </a:r>
-          </a:p>
-          <a:p>
-            <a:pPr lvl="1"/>
-            <a:r>
-              <a:rPr lang="en-US" smtClean="0"/>
-              <a:t>Often: </a:t>
-            </a:r>
-            <a:r>
-              <a:rPr lang="en-US" smtClean="0">
+              <a:t>git</a:t>
+            </a:r>
+            <a:r>
+              <a:rPr lang="en-US" dirty="0" smtClean="0">
                 <a:solidFill>
                   <a:srgbClr val="FF0000"/>
                 </a:solidFill>
               </a:rPr>
-              <a:t>git pull origin master</a:t>
-            </a:r>
-          </a:p>
-          <a:p>
-            <a:r>
-              <a:rPr lang="en-US" smtClean="0"/>
-              <a:t>Let’s practice with the DAT7 repo!</a:t>
+              <a:t> pull origin master</a:t>
+            </a:r>
+          </a:p>
+          <a:p>
+            <a:r>
+              <a:rPr lang="en-US" dirty="0" smtClean="0"/>
+              <a:t>I’ll push a new change to </a:t>
+            </a:r>
+            <a:r>
+              <a:rPr lang="en-US" dirty="0"/>
+              <a:t>DAT-BOS-</a:t>
+            </a:r>
+            <a:r>
+              <a:rPr lang="en-US" dirty="0" smtClean="0"/>
+              <a:t>16</a:t>
+            </a:r>
+          </a:p>
+          <a:p>
+            <a:r>
+              <a:rPr lang="en-US" dirty="0" smtClean="0"/>
+              <a:t>Again: </a:t>
+            </a:r>
+            <a:r>
+              <a:rPr lang="en-US" dirty="0" err="1" smtClean="0">
+                <a:solidFill>
+                  <a:srgbClr val="FF0000"/>
+                </a:solidFill>
+              </a:rPr>
+              <a:t>git</a:t>
+            </a:r>
+            <a:r>
+              <a:rPr lang="en-US" dirty="0" smtClean="0">
+                <a:solidFill>
+                  <a:srgbClr val="FF0000"/>
+                </a:solidFill>
+              </a:rPr>
+              <a:t> pull origin master</a:t>
             </a:r>
           </a:p>
         </p:txBody>
@@ -7965,7 +8444,7 @@
     </p:spTree>
     <p:extLst>
       <p:ext uri="{BB962C8B-B14F-4D97-AF65-F5344CB8AC3E}">
-        <p14:creationId xmlns:p14="http://schemas.microsoft.com/office/powerpoint/2010/main" val="34833743"/>
+        <p14:creationId xmlns:p14="http://schemas.microsoft.com/office/powerpoint/2010/main" val="3109935834"/>
       </p:ext>
     </p:extLst>
   </p:cSld>
@@ -8015,14 +8494,10 @@
           <a:lstStyle/>
           <a:p>
             <a:r>
-              <a:rPr lang="en-US" dirty="0" smtClean="0"/>
-              <a:t>Practice pulling from </a:t>
-            </a:r>
-            <a:r>
-              <a:rPr lang="en-US" dirty="0"/>
-              <a:t>DAT-BOS-16</a:t>
-            </a:r>
-            <a:endParaRPr lang="en-US" dirty="0"/>
+              <a:rPr lang="en-US" smtClean="0"/>
+              <a:t>When is pulling necessary?</a:t>
+            </a:r>
+            <a:endParaRPr lang="en-US"/>
           </a:p>
         </p:txBody>
       </p:sp>
@@ -8039,7 +8514,7 @@
         <p:spPr>
           <a:xfrm>
             <a:off x="457200" y="1600200"/>
-            <a:ext cx="8229600" cy="4876800"/>
+            <a:ext cx="8382000" cy="4876800"/>
           </a:xfrm>
         </p:spPr>
         <p:txBody>
@@ -8049,134 +8524,33 @@
           <a:lstStyle/>
           <a:p>
             <a:r>
-              <a:rPr lang="en-US" dirty="0" smtClean="0"/>
-              <a:t>Clone the </a:t>
-            </a:r>
-            <a:r>
-              <a:rPr lang="en-US" dirty="0"/>
-              <a:t>DAT-BOS-16 </a:t>
-            </a:r>
-            <a:r>
-              <a:rPr lang="en-US" dirty="0" smtClean="0"/>
-              <a:t>repo (if you haven’t already)</a:t>
+              <a:rPr lang="en-US" smtClean="0"/>
+              <a:t>Pulling is only necessary when changes have been made remotely but not locally</a:t>
+            </a:r>
+          </a:p>
+          <a:p>
+            <a:r>
+              <a:rPr lang="en-US" smtClean="0"/>
+              <a:t>Most common scenario: repo is owned by someone else</a:t>
+            </a:r>
+          </a:p>
+          <a:p>
+            <a:r>
+              <a:rPr lang="en-US" smtClean="0"/>
+              <a:t>Also common: you make changes to the same repo from multiple computers</a:t>
+            </a:r>
+          </a:p>
+          <a:p>
+            <a:r>
+              <a:rPr lang="en-US" smtClean="0"/>
+              <a:t>Good habit to pull before you start working</a:t>
             </a:r>
           </a:p>
           <a:p>
             <a:pPr lvl="1"/>
             <a:r>
-              <a:rPr lang="en-US" dirty="0" smtClean="0"/>
-              <a:t>Store it where you can find it easily</a:t>
-            </a:r>
-          </a:p>
-          <a:p>
-            <a:pPr lvl="1"/>
-            <a:r>
-              <a:rPr lang="en-US" dirty="0" smtClean="0"/>
-              <a:t>Don’t store it inside another </a:t>
-            </a:r>
-            <a:r>
-              <a:rPr lang="en-US" dirty="0" err="1" smtClean="0"/>
-              <a:t>Git</a:t>
-            </a:r>
-            <a:r>
-              <a:rPr lang="en-US" dirty="0" smtClean="0"/>
-              <a:t> repo</a:t>
-            </a:r>
-          </a:p>
-          <a:p>
-            <a:r>
-              <a:rPr lang="en-US" dirty="0"/>
-              <a:t>Navigate to the repo (</a:t>
-            </a:r>
-            <a:r>
-              <a:rPr lang="en-US" dirty="0">
-                <a:solidFill>
-                  <a:srgbClr val="C00000"/>
-                </a:solidFill>
-              </a:rPr>
-              <a:t>cd</a:t>
-            </a:r>
-            <a:r>
-              <a:rPr lang="en-US" dirty="0" smtClean="0"/>
-              <a:t>), </a:t>
-            </a:r>
-            <a:r>
-              <a:rPr lang="en-US" dirty="0"/>
-              <a:t>then list the files (</a:t>
-            </a:r>
-            <a:r>
-              <a:rPr lang="en-US" dirty="0" err="1">
-                <a:solidFill>
-                  <a:srgbClr val="C00000"/>
-                </a:solidFill>
-              </a:rPr>
-              <a:t>ls</a:t>
-            </a:r>
-            <a:r>
-              <a:rPr lang="en-US" dirty="0" smtClean="0"/>
-              <a:t>)</a:t>
-            </a:r>
-          </a:p>
-          <a:p>
-            <a:r>
-              <a:rPr lang="en-US" dirty="0" smtClean="0"/>
-              <a:t> </a:t>
-            </a:r>
-            <a:r>
-              <a:rPr lang="en-US" dirty="0" err="1" smtClean="0">
-                <a:solidFill>
-                  <a:srgbClr val="FF0000"/>
-                </a:solidFill>
-              </a:rPr>
-              <a:t>git</a:t>
-            </a:r>
-            <a:r>
-              <a:rPr lang="en-US" dirty="0" smtClean="0">
-                <a:solidFill>
-                  <a:srgbClr val="FF0000"/>
-                </a:solidFill>
-              </a:rPr>
-              <a:t> pull origin master</a:t>
-            </a:r>
-          </a:p>
-          <a:p>
-            <a:r>
-              <a:rPr lang="en-US" dirty="0" smtClean="0"/>
-              <a:t>I’ll push a new change to </a:t>
-            </a:r>
-            <a:r>
-              <a:rPr lang="en-US" dirty="0"/>
-              <a:t>DAT-BOS-</a:t>
-            </a:r>
-            <a:r>
-              <a:rPr lang="en-US" dirty="0" smtClean="0"/>
-              <a:t>16</a:t>
-            </a:r>
-          </a:p>
-          <a:p>
-            <a:r>
-              <a:rPr lang="en-US" dirty="0" smtClean="0"/>
-              <a:t>Again</a:t>
-            </a:r>
-            <a:r>
-              <a:rPr lang="en-US" dirty="0" smtClean="0"/>
-              <a:t>: </a:t>
-            </a:r>
-            <a:r>
-              <a:rPr lang="en-US" dirty="0" err="1" smtClean="0">
-                <a:solidFill>
-                  <a:srgbClr val="FF0000"/>
-                </a:solidFill>
-              </a:rPr>
-              <a:t>git</a:t>
-            </a:r>
-            <a:r>
-              <a:rPr lang="en-US" dirty="0" smtClean="0">
-                <a:solidFill>
-                  <a:srgbClr val="FF0000"/>
-                </a:solidFill>
-              </a:rPr>
-              <a:t> pull origin master</a:t>
+              <a:rPr lang="en-US" smtClean="0"/>
+              <a:t>No harm is done by pulling from a repo that hasn’t changed</a:t>
             </a:r>
           </a:p>
         </p:txBody>
@@ -8184,7 +8558,7 @@
     </p:spTree>
     <p:extLst>
       <p:ext uri="{BB962C8B-B14F-4D97-AF65-F5344CB8AC3E}">
-        <p14:creationId xmlns:p14="http://schemas.microsoft.com/office/powerpoint/2010/main" val="3109935834"/>
+        <p14:creationId xmlns:p14="http://schemas.microsoft.com/office/powerpoint/2010/main" val="4049578568"/>
       </p:ext>
     </p:extLst>
   </p:cSld>
@@ -8235,7 +8609,7 @@
           <a:p>
             <a:r>
               <a:rPr lang="en-US" smtClean="0"/>
-              <a:t>When is pulling necessary?</a:t>
+              <a:t>Merge conflicts</a:t>
             </a:r>
             <a:endParaRPr lang="en-US"/>
           </a:p>
@@ -8254,43 +8628,80 @@
         <p:spPr>
           <a:xfrm>
             <a:off x="457200" y="1600200"/>
-            <a:ext cx="8382000" cy="4876800"/>
+            <a:ext cx="8229600" cy="4876800"/>
           </a:xfrm>
         </p:spPr>
         <p:txBody>
           <a:bodyPr>
-            <a:normAutofit/>
+            <a:normAutofit lnSpcReduction="10000"/>
           </a:bodyPr>
           <a:lstStyle/>
           <a:p>
             <a:r>
-              <a:rPr lang="en-US" smtClean="0"/>
-              <a:t>Pulling is only necessary when changes have been made remotely but not locally</a:t>
-            </a:r>
-          </a:p>
-          <a:p>
-            <a:r>
-              <a:rPr lang="en-US" smtClean="0"/>
-              <a:t>Most common scenario: repo is owned by someone else</a:t>
-            </a:r>
-          </a:p>
-          <a:p>
-            <a:r>
-              <a:rPr lang="en-US" smtClean="0"/>
-              <a:t>Also common: you make changes to the same repo from multiple computers</a:t>
-            </a:r>
-          </a:p>
-          <a:p>
-            <a:r>
-              <a:rPr lang="en-US" smtClean="0"/>
-              <a:t>Good habit to pull before you start working</a:t>
+              <a:rPr lang="en-US" dirty="0" smtClean="0"/>
+              <a:t>The most common problem when pulling is a “merge conflict”: there is a conflict between the changes being merged and changes you have made locally</a:t>
+            </a:r>
+          </a:p>
+          <a:p>
+            <a:r>
+              <a:rPr lang="en-US" dirty="0" smtClean="0"/>
+              <a:t>How to avoid merge conflicts:</a:t>
             </a:r>
           </a:p>
           <a:p>
             <a:pPr lvl="1"/>
             <a:r>
-              <a:rPr lang="en-US" smtClean="0"/>
-              <a:t>No harm is done by pulling from a repo that hasn’t changed</a:t>
+              <a:rPr lang="en-US" dirty="0" smtClean="0"/>
+              <a:t>If you want to edit </a:t>
+            </a:r>
+            <a:r>
+              <a:rPr lang="en-US" dirty="0"/>
+              <a:t>DAT-BOS-16 </a:t>
+            </a:r>
+            <a:r>
+              <a:rPr lang="en-US" dirty="0" smtClean="0"/>
+              <a:t>files, make copies and edit the copies instead</a:t>
+            </a:r>
+          </a:p>
+          <a:p>
+            <a:r>
+              <a:rPr lang="en-US" dirty="0" smtClean="0"/>
+              <a:t>How to resolve a merge conflict:</a:t>
+            </a:r>
+          </a:p>
+          <a:p>
+            <a:pPr lvl="1"/>
+            <a:r>
+              <a:rPr lang="en-US" dirty="0" smtClean="0"/>
+              <a:t>Discard your changes: </a:t>
+            </a:r>
+            <a:r>
+              <a:rPr lang="en-US" dirty="0" err="1" smtClean="0">
+                <a:solidFill>
+                  <a:srgbClr val="FF0000"/>
+                </a:solidFill>
+              </a:rPr>
+              <a:t>git</a:t>
+            </a:r>
+            <a:r>
+              <a:rPr lang="en-US" dirty="0" smtClean="0">
+                <a:solidFill>
+                  <a:srgbClr val="FF0000"/>
+                </a:solidFill>
+              </a:rPr>
+              <a:t> checkout -- &lt;filename&gt;</a:t>
+            </a:r>
+            <a:endParaRPr lang="en-US" dirty="0">
+              <a:solidFill>
+                <a:srgbClr val="FF0000"/>
+              </a:solidFill>
+            </a:endParaRPr>
+          </a:p>
+          <a:p>
+            <a:pPr lvl="1"/>
+            <a:r>
+              <a:rPr lang="en-US" dirty="0" smtClean="0"/>
+              <a:t>Then try pulling again</a:t>
             </a:r>
           </a:p>
         </p:txBody>
@@ -8298,7 +8709,7 @@
     </p:spTree>
     <p:extLst>
       <p:ext uri="{BB962C8B-B14F-4D97-AF65-F5344CB8AC3E}">
-        <p14:creationId xmlns:p14="http://schemas.microsoft.com/office/powerpoint/2010/main" val="4049578568"/>
+        <p14:creationId xmlns:p14="http://schemas.microsoft.com/office/powerpoint/2010/main" val="1021624435"/>
       </p:ext>
     </p:extLst>
   </p:cSld>
@@ -8334,12 +8745,12 @@
       </p:grpSpPr>
       <p:sp>
         <p:nvSpPr>
-          <p:cNvPr id="2" name="Title 1"/>
-          <p:cNvSpPr>
-            <a:spLocks noGrp="1"/>
-          </p:cNvSpPr>
-          <p:nvPr>
-            <p:ph type="title"/>
+          <p:cNvPr id="4" name="Title 3"/>
+          <p:cNvSpPr>
+            <a:spLocks noGrp="1"/>
+          </p:cNvSpPr>
+          <p:nvPr>
+            <p:ph type="ctrTitle"/>
           </p:nvPr>
         </p:nvSpPr>
         <p:spPr/>
@@ -8349,107 +8760,35 @@
           <a:p>
             <a:r>
               <a:rPr lang="en-US" smtClean="0"/>
-              <a:t>Merge conflicts</a:t>
-            </a:r>
-            <a:endParaRPr lang="en-US"/>
-          </a:p>
-        </p:txBody>
-      </p:sp>
-      <p:sp>
-        <p:nvSpPr>
-          <p:cNvPr id="3" name="Content Placeholder 2"/>
-          <p:cNvSpPr>
-            <a:spLocks noGrp="1"/>
-          </p:cNvSpPr>
-          <p:nvPr>
-            <p:ph idx="1"/>
-          </p:nvPr>
-        </p:nvSpPr>
-        <p:spPr>
-          <a:xfrm>
-            <a:off x="457200" y="1600200"/>
-            <a:ext cx="8229600" cy="4876800"/>
-          </a:xfrm>
-        </p:spPr>
-        <p:txBody>
-          <a:bodyPr>
-            <a:normAutofit lnSpcReduction="10000"/>
-          </a:bodyPr>
-          <a:lstStyle/>
-          <a:p>
-            <a:r>
-              <a:rPr lang="en-US" dirty="0" smtClean="0"/>
-              <a:t>The most common problem when pulling is a “merge conflict”: there is a conflict between the changes being merged and changes you have made locally</a:t>
-            </a:r>
-          </a:p>
-          <a:p>
-            <a:r>
-              <a:rPr lang="en-US" dirty="0" smtClean="0"/>
-              <a:t>How to avoid merge conflicts:</a:t>
-            </a:r>
-          </a:p>
-          <a:p>
-            <a:pPr lvl="1"/>
-            <a:r>
-              <a:rPr lang="en-US" dirty="0" smtClean="0"/>
-              <a:t>If you want to edit </a:t>
-            </a:r>
-            <a:r>
-              <a:rPr lang="en-US" dirty="0"/>
-              <a:t>DAT-BOS-16 </a:t>
-            </a:r>
-            <a:r>
-              <a:rPr lang="en-US" dirty="0" smtClean="0"/>
-              <a:t>files, make copies and edit the copies instead</a:t>
-            </a:r>
-          </a:p>
-          <a:p>
-            <a:r>
-              <a:rPr lang="en-US" dirty="0" smtClean="0"/>
-              <a:t>How to resolve a merge conflict:</a:t>
-            </a:r>
-          </a:p>
-          <a:p>
-            <a:pPr lvl="1"/>
-            <a:r>
-              <a:rPr lang="en-US" dirty="0" smtClean="0"/>
-              <a:t>Discard your changes: </a:t>
-            </a:r>
-            <a:r>
-              <a:rPr lang="en-US" dirty="0" err="1" smtClean="0">
-                <a:solidFill>
-                  <a:srgbClr val="FF0000"/>
-                </a:solidFill>
-              </a:rPr>
-              <a:t>git</a:t>
-            </a:r>
-            <a:r>
-              <a:rPr lang="en-US" dirty="0" smtClean="0">
-                <a:solidFill>
-                  <a:srgbClr val="FF0000"/>
-                </a:solidFill>
-              </a:rPr>
-              <a:t> checkout -- &lt;filename&gt;</a:t>
-            </a:r>
-            <a:endParaRPr lang="en-US" dirty="0">
-              <a:solidFill>
-                <a:srgbClr val="FF0000"/>
-              </a:solidFill>
-            </a:endParaRPr>
-          </a:p>
-          <a:p>
-            <a:pPr lvl="1"/>
-            <a:r>
-              <a:rPr lang="en-US" dirty="0" smtClean="0"/>
-              <a:t>Then try pulling again</a:t>
-            </a:r>
+              <a:t>V. Assorted Tips</a:t>
+            </a:r>
+            <a:endParaRPr lang="en-US"/>
+          </a:p>
+        </p:txBody>
+      </p:sp>
+      <p:sp>
+        <p:nvSpPr>
+          <p:cNvPr id="5" name="Subtitle 4"/>
+          <p:cNvSpPr>
+            <a:spLocks noGrp="1"/>
+          </p:cNvSpPr>
+          <p:nvPr>
+            <p:ph type="subTitle" idx="1"/>
+          </p:nvPr>
+        </p:nvSpPr>
+        <p:spPr/>
+        <p:txBody>
+          <a:bodyPr/>
+          <a:lstStyle/>
+          <a:p>
+            <a:endParaRPr lang="en-US"/>
           </a:p>
         </p:txBody>
       </p:sp>
     </p:spTree>
     <p:extLst>
       <p:ext uri="{BB962C8B-B14F-4D97-AF65-F5344CB8AC3E}">
-        <p14:creationId xmlns:p14="http://schemas.microsoft.com/office/powerpoint/2010/main" val="1021624435"/>
+        <p14:creationId xmlns:p14="http://schemas.microsoft.com/office/powerpoint/2010/main" val="2910544581"/>
       </p:ext>
     </p:extLst>
   </p:cSld>
@@ -8602,12 +8941,12 @@
       </p:grpSpPr>
       <p:sp>
         <p:nvSpPr>
-          <p:cNvPr id="4" name="Title 3"/>
-          <p:cNvSpPr>
-            <a:spLocks noGrp="1"/>
-          </p:cNvSpPr>
-          <p:nvPr>
-            <p:ph type="ctrTitle"/>
+          <p:cNvPr id="2" name="Title 1"/>
+          <p:cNvSpPr>
+            <a:spLocks noGrp="1"/>
+          </p:cNvSpPr>
+          <p:nvPr>
+            <p:ph type="title"/>
           </p:nvPr>
         </p:nvSpPr>
         <p:spPr/>
@@ -8617,20 +8956,20 @@
           <a:p>
             <a:r>
               <a:rPr lang="en-US" smtClean="0"/>
-              <a:t>V. Assorted Tips</a:t>
-            </a:r>
-            <a:endParaRPr lang="en-US"/>
-          </a:p>
-        </p:txBody>
-      </p:sp>
-      <p:sp>
-        <p:nvSpPr>
-          <p:cNvPr id="5" name="Subtitle 4"/>
-          <p:cNvSpPr>
-            <a:spLocks noGrp="1"/>
-          </p:cNvSpPr>
-          <p:nvPr>
-            <p:ph type="subTitle" idx="1"/>
+              <a:t>Deleting or moving a repo</a:t>
+            </a:r>
+            <a:endParaRPr lang="en-US"/>
+          </a:p>
+        </p:txBody>
+      </p:sp>
+      <p:sp>
+        <p:nvSpPr>
+          <p:cNvPr id="3" name="Content Placeholder 2"/>
+          <p:cNvSpPr>
+            <a:spLocks noGrp="1"/>
+          </p:cNvSpPr>
+          <p:nvPr>
+            <p:ph idx="1"/>
           </p:nvPr>
         </p:nvSpPr>
         <p:spPr/>
@@ -8638,6 +8977,43 @@
           <a:bodyPr/>
           <a:lstStyle/>
           <a:p>
+            <a:r>
+              <a:rPr lang="en-US" smtClean="0"/>
+              <a:t>Deleting a GitHub repo:</a:t>
+            </a:r>
+          </a:p>
+          <a:p>
+            <a:pPr lvl="1"/>
+            <a:r>
+              <a:rPr lang="en-US" smtClean="0"/>
+              <a:t>Settings, then Delete</a:t>
+            </a:r>
+          </a:p>
+          <a:p>
+            <a:r>
+              <a:rPr lang="en-US" smtClean="0"/>
+              <a:t>Deleting a local repo:</a:t>
+            </a:r>
+          </a:p>
+          <a:p>
+            <a:pPr lvl="1"/>
+            <a:r>
+              <a:rPr lang="en-US" smtClean="0"/>
+              <a:t>Just delete the folder!</a:t>
+            </a:r>
+          </a:p>
+          <a:p>
+            <a:r>
+              <a:rPr lang="en-US" smtClean="0"/>
+              <a:t>Moving a local repo:</a:t>
+            </a:r>
+          </a:p>
+          <a:p>
+            <a:pPr lvl="1"/>
+            <a:r>
+              <a:rPr lang="en-US" smtClean="0"/>
+              <a:t>Just move the folder!</a:t>
+            </a:r>
             <a:endParaRPr lang="en-US"/>
           </a:p>
         </p:txBody>
@@ -8645,7 +9021,7 @@
     </p:spTree>
     <p:extLst>
       <p:ext uri="{BB962C8B-B14F-4D97-AF65-F5344CB8AC3E}">
-        <p14:creationId xmlns:p14="http://schemas.microsoft.com/office/powerpoint/2010/main" val="2910544581"/>
+        <p14:creationId xmlns:p14="http://schemas.microsoft.com/office/powerpoint/2010/main" val="910434589"/>
       </p:ext>
     </p:extLst>
   </p:cSld>
@@ -8695,8 +9071,12 @@
           <a:lstStyle/>
           <a:p>
             <a:r>
-              <a:rPr lang="en-US" smtClean="0"/>
-              <a:t>Deleting or moving a repo</a:t>
+              <a:rPr lang="en-US" err="1" smtClean="0"/>
+              <a:t>Gists</a:t>
+            </a:r>
+            <a:r>
+              <a:rPr lang="en-US" smtClean="0"/>
+              <a:t>: lightweight repos</a:t>
             </a:r>
             <a:endParaRPr lang="en-US"/>
           </a:p>
@@ -8712,56 +9092,92 @@
             <p:ph idx="1"/>
           </p:nvPr>
         </p:nvSpPr>
-        <p:spPr/>
-        <p:txBody>
-          <a:bodyPr/>
-          <a:lstStyle/>
-          <a:p>
-            <a:r>
-              <a:rPr lang="en-US" smtClean="0"/>
-              <a:t>Deleting a GitHub repo:</a:t>
-            </a:r>
-          </a:p>
-          <a:p>
-            <a:pPr lvl="1"/>
-            <a:r>
-              <a:rPr lang="en-US" smtClean="0"/>
-              <a:t>Settings, then Delete</a:t>
-            </a:r>
-          </a:p>
-          <a:p>
-            <a:r>
-              <a:rPr lang="en-US" smtClean="0"/>
-              <a:t>Deleting a local repo:</a:t>
-            </a:r>
-          </a:p>
-          <a:p>
-            <a:pPr lvl="1"/>
-            <a:r>
-              <a:rPr lang="en-US" smtClean="0"/>
-              <a:t>Just delete the folder!</a:t>
-            </a:r>
-          </a:p>
-          <a:p>
-            <a:r>
-              <a:rPr lang="en-US" smtClean="0"/>
-              <a:t>Moving a local repo:</a:t>
-            </a:r>
-          </a:p>
-          <a:p>
-            <a:pPr lvl="1"/>
-            <a:r>
-              <a:rPr lang="en-US" smtClean="0"/>
-              <a:t>Just move the folder!</a:t>
-            </a:r>
-            <a:endParaRPr lang="en-US"/>
+        <p:spPr>
+          <a:xfrm>
+            <a:off x="457200" y="1600200"/>
+            <a:ext cx="8229600" cy="4724400"/>
+          </a:xfrm>
+        </p:spPr>
+        <p:txBody>
+          <a:bodyPr>
+            <a:normAutofit/>
+          </a:bodyPr>
+          <a:lstStyle/>
+          <a:p>
+            <a:r>
+              <a:rPr lang="en-US" smtClean="0"/>
+              <a:t>You have access to Gist</a:t>
+            </a:r>
+            <a:r>
+              <a:rPr lang="en-US"/>
+              <a:t>: </a:t>
+            </a:r>
+            <a:r>
+              <a:rPr lang="en-US" smtClean="0">
+                <a:hlinkClick r:id="rId2"/>
+              </a:rPr>
+              <a:t>gist.github.com</a:t>
+            </a:r>
+            <a:endParaRPr lang="en-US" smtClean="0"/>
+          </a:p>
+          <a:p>
+            <a:r>
+              <a:rPr lang="en-US" smtClean="0"/>
+              <a:t>Can include one or more files</a:t>
+            </a:r>
+          </a:p>
+          <a:p>
+            <a:r>
+              <a:rPr lang="en-US" smtClean="0"/>
+              <a:t>Useful for snippets, homework submissions</a:t>
+            </a:r>
+          </a:p>
+          <a:p>
+            <a:r>
+              <a:rPr lang="en-US"/>
+              <a:t>Can be public or secret (not private)</a:t>
+            </a:r>
+          </a:p>
+          <a:p>
+            <a:r>
+              <a:rPr lang="en-US" smtClean="0"/>
+              <a:t>Let’s </a:t>
+            </a:r>
+            <a:r>
+              <a:rPr lang="en-US"/>
+              <a:t>create one right now</a:t>
+            </a:r>
+            <a:r>
+              <a:rPr lang="en-US" smtClean="0"/>
+              <a:t>!</a:t>
+            </a:r>
+          </a:p>
+          <a:p>
+            <a:r>
+              <a:rPr lang="en-US" smtClean="0"/>
+              <a:t>Sharing the correct URL for a Gist</a:t>
+            </a:r>
+          </a:p>
+          <a:p>
+            <a:r>
+              <a:rPr lang="en-US" smtClean="0"/>
+              <a:t>Supports online editing, cloning</a:t>
+            </a:r>
+            <a:r>
+              <a:rPr lang="en-US"/>
+              <a:t>, committing, </a:t>
+            </a:r>
+            <a:r>
+              <a:rPr lang="en-US" smtClean="0"/>
+              <a:t>commenting, embedding, etc.</a:t>
+            </a:r>
           </a:p>
         </p:txBody>
       </p:sp>
     </p:spTree>
     <p:extLst>
       <p:ext uri="{BB962C8B-B14F-4D97-AF65-F5344CB8AC3E}">
-        <p14:creationId xmlns:p14="http://schemas.microsoft.com/office/powerpoint/2010/main" val="910434589"/>
+        <p14:creationId xmlns:p14="http://schemas.microsoft.com/office/powerpoint/2010/main" val="1993830181"/>
       </p:ext>
     </p:extLst>
   </p:cSld>
@@ -8811,162 +9227,6 @@
           <a:lstStyle/>
           <a:p>
             <a:r>
-              <a:rPr lang="en-US" err="1" smtClean="0"/>
-              <a:t>Gists</a:t>
-            </a:r>
-            <a:r>
-              <a:rPr lang="en-US" smtClean="0"/>
-              <a:t>: lightweight repos</a:t>
-            </a:r>
-            <a:endParaRPr lang="en-US"/>
-          </a:p>
-        </p:txBody>
-      </p:sp>
-      <p:sp>
-        <p:nvSpPr>
-          <p:cNvPr id="3" name="Content Placeholder 2"/>
-          <p:cNvSpPr>
-            <a:spLocks noGrp="1"/>
-          </p:cNvSpPr>
-          <p:nvPr>
-            <p:ph idx="1"/>
-          </p:nvPr>
-        </p:nvSpPr>
-        <p:spPr>
-          <a:xfrm>
-            <a:off x="457200" y="1600200"/>
-            <a:ext cx="8229600" cy="4724400"/>
-          </a:xfrm>
-        </p:spPr>
-        <p:txBody>
-          <a:bodyPr>
-            <a:normAutofit/>
-          </a:bodyPr>
-          <a:lstStyle/>
-          <a:p>
-            <a:r>
-              <a:rPr lang="en-US" smtClean="0"/>
-              <a:t>You have access to Gist</a:t>
-            </a:r>
-            <a:r>
-              <a:rPr lang="en-US"/>
-              <a:t>: </a:t>
-            </a:r>
-            <a:r>
-              <a:rPr lang="en-US" smtClean="0">
-                <a:hlinkClick r:id="rId2"/>
-              </a:rPr>
-              <a:t>gist.github.com</a:t>
-            </a:r>
-            <a:endParaRPr lang="en-US" smtClean="0"/>
-          </a:p>
-          <a:p>
-            <a:r>
-              <a:rPr lang="en-US" smtClean="0"/>
-              <a:t>Can include one or more files</a:t>
-            </a:r>
-          </a:p>
-          <a:p>
-            <a:r>
-              <a:rPr lang="en-US" smtClean="0"/>
-              <a:t>Useful for snippets, homework submissions</a:t>
-            </a:r>
-          </a:p>
-          <a:p>
-            <a:r>
-              <a:rPr lang="en-US"/>
-              <a:t>Can be public or secret (not private)</a:t>
-            </a:r>
-          </a:p>
-          <a:p>
-            <a:r>
-              <a:rPr lang="en-US" smtClean="0"/>
-              <a:t>Let’s </a:t>
-            </a:r>
-            <a:r>
-              <a:rPr lang="en-US"/>
-              <a:t>create one right now</a:t>
-            </a:r>
-            <a:r>
-              <a:rPr lang="en-US" smtClean="0"/>
-              <a:t>!</a:t>
-            </a:r>
-          </a:p>
-          <a:p>
-            <a:r>
-              <a:rPr lang="en-US" smtClean="0"/>
-              <a:t>Sharing the correct URL for a Gist</a:t>
-            </a:r>
-          </a:p>
-          <a:p>
-            <a:r>
-              <a:rPr lang="en-US" smtClean="0"/>
-              <a:t>Supports online editing, cloning</a:t>
-            </a:r>
-            <a:r>
-              <a:rPr lang="en-US"/>
-              <a:t>, committing, </a:t>
-            </a:r>
-            <a:r>
-              <a:rPr lang="en-US" smtClean="0"/>
-              <a:t>commenting, embedding, etc.</a:t>
-            </a:r>
-          </a:p>
-        </p:txBody>
-      </p:sp>
-    </p:spTree>
-    <p:extLst>
-      <p:ext uri="{BB962C8B-B14F-4D97-AF65-F5344CB8AC3E}">
-        <p14:creationId xmlns:p14="http://schemas.microsoft.com/office/powerpoint/2010/main" val="1993830181"/>
-      </p:ext>
-    </p:extLst>
-  </p:cSld>
-  <p:clrMapOvr>
-    <a:masterClrMapping/>
-  </p:clrMapOvr>
-  <p:timing>
-    <p:tnLst>
-      <p:par>
-        <p:cTn xmlns:p14="http://schemas.microsoft.com/office/powerpoint/2010/main" id="1" dur="indefinite" restart="never" nodeType="tmRoot"/>
-      </p:par>
-    </p:tnLst>
-  </p:timing>
-</p:sld>
-</file>
-
-<file path=ppt/slides/slide43.xml><?xml version="1.0" encoding="utf-8"?>
-<p:sld xmlns:a="http://schemas.openxmlformats.org/drawingml/2006/main" xmlns:r="http://schemas.openxmlformats.org/officeDocument/2006/relationships" xmlns:p="http://schemas.openxmlformats.org/presentationml/2006/main">
-  <p:cSld>
-    <p:spTree>
-      <p:nvGrpSpPr>
-        <p:cNvPr id="1" name=""/>
-        <p:cNvGrpSpPr/>
-        <p:nvPr/>
-      </p:nvGrpSpPr>
-      <p:grpSpPr>
-        <a:xfrm>
-          <a:off x="0" y="0"/>
-          <a:ext cx="0" cy="0"/>
-          <a:chOff x="0" y="0"/>
-          <a:chExt cx="0" cy="0"/>
-        </a:xfrm>
-      </p:grpSpPr>
-      <p:sp>
-        <p:nvSpPr>
-          <p:cNvPr id="2" name="Title 1"/>
-          <p:cNvSpPr>
-            <a:spLocks noGrp="1"/>
-          </p:cNvSpPr>
-          <p:nvPr>
-            <p:ph type="title"/>
-          </p:nvPr>
-        </p:nvSpPr>
-        <p:spPr/>
-        <p:txBody>
-          <a:bodyPr/>
-          <a:lstStyle/>
-          <a:p>
-            <a:r>
               <a:rPr lang="en-US" smtClean="0"/>
               <a:t>Excluding files from a repo</a:t>
             </a:r>
@@ -9116,7 +9376,7 @@
 </p:sld>
 </file>
 
-<file path=ppt/slides/slide44.xml><?xml version="1.0" encoding="utf-8"?>
+<file path=ppt/slides/slide43.xml><?xml version="1.0" encoding="utf-8"?>
 <p:sld xmlns:a="http://schemas.openxmlformats.org/drawingml/2006/main" xmlns:r="http://schemas.openxmlformats.org/officeDocument/2006/relationships" xmlns:p="http://schemas.openxmlformats.org/presentationml/2006/main">
   <p:cSld>
     <p:spTree>
@@ -9680,7 +9940,6 @@
               <a:rPr lang="en-US" dirty="0"/>
               <a:t>DAT-BOS-16</a:t>
             </a:r>
-            <a:endParaRPr lang="en-US" dirty="0"/>
           </a:p>
         </p:txBody>
       </p:sp>
@@ -9697,7 +9956,7 @@
         <p:spPr/>
         <p:txBody>
           <a:bodyPr>
-            <a:normAutofit fontScale="85000" lnSpcReduction="10000"/>
+            <a:normAutofit/>
           </a:bodyPr>
           <a:lstStyle/>
           <a:p>
@@ -9706,7 +9965,42 @@
             </a:pPr>
             <a:r>
               <a:rPr lang="en-US" dirty="0"/>
-              <a:t>‣ Open https://</a:t>
+              <a:t>Clone the course repository</a:t>
+            </a:r>
+          </a:p>
+          <a:p>
+            <a:pPr marL="0" indent="0">
+              <a:buNone/>
+            </a:pPr>
+            <a:r>
+              <a:rPr lang="en-US" dirty="0"/>
+              <a:t>(one-time setup)</a:t>
+            </a:r>
+          </a:p>
+          <a:p>
+            <a:pPr marL="0" indent="0">
+              <a:buNone/>
+            </a:pPr>
+            <a:r>
+              <a:rPr lang="en-US" dirty="0"/>
+              <a:t>‣ Using your terminal:</a:t>
+            </a:r>
+          </a:p>
+          <a:p>
+            <a:pPr marL="0" indent="0">
+              <a:buNone/>
+            </a:pPr>
+            <a:r>
+              <a:rPr lang="en-US" dirty="0"/>
+              <a:t>‣ </a:t>
+            </a:r>
+            <a:r>
+              <a:rPr lang="en-US" dirty="0" err="1"/>
+              <a:t>git</a:t>
+            </a:r>
+            <a:r>
+              <a:rPr lang="en-US" dirty="0"/>
+              <a:t> clone https://</a:t>
             </a:r>
             <a:r>
               <a:rPr lang="en-US" dirty="0" err="1"/>
@@ -9718,117 +10012,6 @@
             </a:r>
             <a:r>
               <a:rPr lang="en-US" dirty="0" err="1"/>
-              <a:t>ga</a:t>
-            </a:r>
-            <a:r>
-              <a:rPr lang="en-US" dirty="0"/>
-              <a:t>-students/DAT-BOS-16; click on </a:t>
-            </a:r>
-            <a:r>
-              <a:rPr lang="en-US" dirty="0" smtClean="0"/>
-              <a:t>the Fork </a:t>
-            </a:r>
-            <a:r>
-              <a:rPr lang="en-US" dirty="0"/>
-              <a:t>button on the top right; your fork is</a:t>
-            </a:r>
-          </a:p>
-          <a:p>
-            <a:pPr marL="0" indent="0">
-              <a:buNone/>
-            </a:pPr>
-            <a:r>
-              <a:rPr lang="en-US" dirty="0"/>
-              <a:t>https://</a:t>
-            </a:r>
-            <a:r>
-              <a:rPr lang="en-US" dirty="0" err="1"/>
-              <a:t>github.com</a:t>
-            </a:r>
-            <a:r>
-              <a:rPr lang="en-US" dirty="0"/>
-              <a:t>/&lt;username&gt;/DAT-BOS-16</a:t>
-            </a:r>
-          </a:p>
-          <a:p>
-            <a:pPr marL="0" indent="0">
-              <a:buNone/>
-            </a:pPr>
-            <a:endParaRPr lang="en-US" dirty="0" smtClean="0"/>
-          </a:p>
-          <a:p>
-            <a:pPr marL="0" indent="0">
-              <a:buNone/>
-            </a:pPr>
-            <a:r>
-              <a:rPr lang="en-US" dirty="0" smtClean="0"/>
-              <a:t>‣ </a:t>
-            </a:r>
-            <a:r>
-              <a:rPr lang="en-US" dirty="0"/>
-              <a:t>Using your terminal:</a:t>
-            </a:r>
-          </a:p>
-          <a:p>
-            <a:pPr marL="0" indent="0">
-              <a:buNone/>
-            </a:pPr>
-            <a:r>
-              <a:rPr lang="en-US" dirty="0"/>
-              <a:t>‣ </a:t>
-            </a:r>
-            <a:r>
-              <a:rPr lang="en-US" dirty="0" err="1"/>
-              <a:t>git</a:t>
-            </a:r>
-            <a:r>
-              <a:rPr lang="en-US" dirty="0"/>
-              <a:t> clone https://</a:t>
-            </a:r>
-            <a:r>
-              <a:rPr lang="en-US" dirty="0" err="1"/>
-              <a:t>github.com</a:t>
-            </a:r>
-            <a:r>
-              <a:rPr lang="en-US" dirty="0"/>
-              <a:t>/&lt;username&gt;/DAT-BOS-16</a:t>
-            </a:r>
-          </a:p>
-          <a:p>
-            <a:pPr marL="0" indent="0">
-              <a:buNone/>
-            </a:pPr>
-            <a:r>
-              <a:rPr lang="en-US" dirty="0"/>
-              <a:t>‣ cd DAT-BOS-16</a:t>
-            </a:r>
-          </a:p>
-          <a:p>
-            <a:pPr marL="0" indent="0">
-              <a:buNone/>
-            </a:pPr>
-            <a:r>
-              <a:rPr lang="en-US" dirty="0"/>
-              <a:t>‣ </a:t>
-            </a:r>
-            <a:r>
-              <a:rPr lang="en-US" dirty="0" err="1"/>
-              <a:t>git</a:t>
-            </a:r>
-            <a:r>
-              <a:rPr lang="en-US" dirty="0"/>
-              <a:t> remote add upstream https://</a:t>
-            </a:r>
-            <a:r>
-              <a:rPr lang="en-US" dirty="0" err="1"/>
-              <a:t>github.com</a:t>
-            </a:r>
-            <a:r>
-              <a:rPr lang="en-US" dirty="0"/>
-              <a:t>/</a:t>
-            </a:r>
-            <a:r>
-              <a:rPr lang="en-US" dirty="0" err="1"/>
               <a:t>gastudents</a:t>
             </a:r>
             <a:r>
@@ -9841,10 +10024,13 @@
             </a:r>
           </a:p>
           <a:p>
-            <a:endParaRPr lang="en-US" dirty="0"/>
-          </a:p>
-          <a:p>
-            <a:endParaRPr lang="en-US" dirty="0"/>
+            <a:pPr marL="0" indent="0">
+              <a:buNone/>
+            </a:pPr>
+            <a:r>
+              <a:rPr lang="en-US" dirty="0"/>
+              <a:t>‣ cd DAT-BOS-16</a:t>
+            </a:r>
           </a:p>
           <a:p>
             <a:endParaRPr lang="en-US" dirty="0"/>
@@ -9854,7 +10040,7 @@
     </p:spTree>
     <p:extLst>
       <p:ext uri="{BB962C8B-B14F-4D97-AF65-F5344CB8AC3E}">
-        <p14:creationId xmlns:p14="http://schemas.microsoft.com/office/powerpoint/2010/main" val="2217555734"/>
+        <p14:creationId xmlns:p14="http://schemas.microsoft.com/office/powerpoint/2010/main" val="3784800741"/>
       </p:ext>
     </p:extLst>
   </p:cSld>
@@ -9907,7 +10093,6 @@
               <a:rPr lang="en-US" dirty="0"/>
               <a:t>DAT-BOS-16</a:t>
             </a:r>
-            <a:endParaRPr lang="en-US" dirty="0"/>
           </a:p>
         </p:txBody>
       </p:sp>
@@ -9921,45 +10106,32 @@
             <p:ph idx="1"/>
           </p:nvPr>
         </p:nvSpPr>
-        <p:spPr/>
+        <p:spPr>
+          <a:xfrm>
+            <a:off x="457200" y="1371600"/>
+            <a:ext cx="8305800" cy="4648200"/>
+          </a:xfrm>
+        </p:spPr>
         <p:txBody>
           <a:bodyPr>
-            <a:normAutofit fontScale="77500" lnSpcReduction="20000"/>
+            <a:normAutofit fontScale="92500" lnSpcReduction="20000"/>
           </a:bodyPr>
           <a:lstStyle/>
           <a:p>
             <a:pPr marL="0" indent="0">
               <a:buNone/>
             </a:pPr>
-            <a:r>
-              <a:rPr lang="en-US" dirty="0"/>
-              <a:t>Update your clone and fork (in that order)</a:t>
-            </a:r>
-          </a:p>
-          <a:p>
-            <a:pPr marL="0" indent="0">
-              <a:buNone/>
-            </a:pPr>
-            <a:r>
-              <a:rPr lang="en-US" dirty="0"/>
-              <a:t>(recurring)</a:t>
-            </a:r>
-          </a:p>
-          <a:p>
-            <a:pPr marL="0" indent="0">
-              <a:buNone/>
-            </a:pPr>
-            <a:r>
-              <a:rPr lang="en-US" dirty="0"/>
-              <a:t>‣ </a:t>
-            </a:r>
             <a:r>
               <a:rPr lang="en-US" dirty="0" err="1"/>
               <a:t>git</a:t>
             </a:r>
             <a:r>
               <a:rPr lang="en-US" dirty="0"/>
-              <a:t> fetch upstream</a:t>
+              <a:t> add </a:t>
+            </a:r>
+            <a:r>
+              <a:rPr lang="en-US" dirty="0" smtClean="0"/>
+              <a:t>.   </a:t>
             </a:r>
           </a:p>
           <a:p>
@@ -9968,7 +10140,7 @@
             </a:pPr>
             <a:r>
               <a:rPr lang="en-US" dirty="0"/>
-              <a:t>‣ </a:t>
+              <a:t>or </a:t>
             </a:r>
             <a:r>
               <a:rPr lang="en-US" dirty="0" err="1"/>
@@ -9976,69 +10148,34 @@
             </a:r>
             <a:r>
               <a:rPr lang="en-US" dirty="0"/>
-              <a:t> merge upstream/master</a:t>
+              <a:t> add unit-project-1-bear.ipynb</a:t>
             </a:r>
           </a:p>
           <a:p>
             <a:pPr marL="0" indent="0">
               <a:buNone/>
             </a:pPr>
-            <a:r>
-              <a:rPr lang="en-US" dirty="0"/>
-              <a:t>‣ </a:t>
-            </a:r>
             <a:r>
               <a:rPr lang="en-US" dirty="0" err="1"/>
               <a:t>git</a:t>
             </a:r>
             <a:r>
               <a:rPr lang="en-US" dirty="0"/>
-              <a:t> commit –m "Merged commits from </a:t>
+              <a:t> commit -m "commit </a:t>
             </a:r>
             <a:r>
               <a:rPr lang="en-US" dirty="0" err="1"/>
-              <a:t>gastudents</a:t>
-            </a:r>
-            <a:r>
-              <a:rPr lang="en-US" dirty="0"/>
-              <a:t>/</a:t>
+              <a:t>msg</a:t>
+            </a:r>
+            <a:r>
+              <a:rPr lang="en-US" dirty="0"/>
+              <a:t>"</a:t>
             </a:r>
           </a:p>
           <a:p>
             <a:pPr marL="0" indent="0">
               <a:buNone/>
             </a:pPr>
-            <a:r>
-              <a:rPr lang="en-US" dirty="0"/>
-              <a:t>DAT-BOS-16 by xxx"</a:t>
-            </a:r>
-          </a:p>
-          <a:p>
-            <a:pPr marL="0" indent="0">
-              <a:buNone/>
-            </a:pPr>
-            <a:r>
-              <a:rPr lang="en-US" dirty="0"/>
-              <a:t>‣ (if the merge was “Fast-forward”, i.e., trivial, there is no commit</a:t>
-            </a:r>
-          </a:p>
-          <a:p>
-            <a:pPr marL="0" indent="0">
-              <a:buNone/>
-            </a:pPr>
-            <a:r>
-              <a:rPr lang="en-US" dirty="0"/>
-              <a:t>to do)</a:t>
-            </a:r>
-          </a:p>
-          <a:p>
-            <a:pPr marL="0" indent="0">
-              <a:buNone/>
-            </a:pPr>
-            <a:r>
-              <a:rPr lang="en-US" dirty="0"/>
-              <a:t>‣ </a:t>
-            </a:r>
             <a:r>
               <a:rPr lang="en-US" dirty="0" err="1"/>
               <a:t>git</a:t>
@@ -10052,25 +10189,37 @@
             <a:pPr marL="0" indent="0">
               <a:buNone/>
             </a:pPr>
-            <a:r>
-              <a:rPr lang="en-US" dirty="0"/>
-              <a:t>‣ (</a:t>
+            <a:endParaRPr lang="en-US" dirty="0"/>
+          </a:p>
+          <a:p>
+            <a:pPr marL="0" indent="0">
+              <a:buNone/>
+            </a:pPr>
+            <a:endParaRPr lang="en-US" dirty="0"/>
+          </a:p>
+          <a:p>
+            <a:pPr marL="0" indent="0">
+              <a:buNone/>
+            </a:pPr>
+            <a:r>
+              <a:rPr lang="en-US" dirty="0"/>
+              <a:t>https://</a:t>
             </a:r>
             <a:r>
               <a:rPr lang="en-US" dirty="0" err="1"/>
-              <a:t>Git</a:t>
-            </a:r>
-            <a:r>
-              <a:rPr lang="en-US" dirty="0"/>
-              <a:t> might ask you your </a:t>
+              <a:t>git-scm.com</a:t>
+            </a:r>
+            <a:r>
+              <a:rPr lang="en-US" dirty="0"/>
+              <a:t>/docs/</a:t>
             </a:r>
             <a:r>
               <a:rPr lang="en-US" dirty="0" err="1"/>
-              <a:t>GitHub</a:t>
-            </a:r>
-            <a:r>
-              <a:rPr lang="en-US" dirty="0"/>
-              <a:t> credentials the first time</a:t>
+              <a:t>git</a:t>
+            </a:r>
+            <a:r>
+              <a:rPr lang="en-US" dirty="0"/>
+              <a:t>-clone</a:t>
             </a:r>
           </a:p>
           <a:p>
@@ -10079,10 +10228,74 @@
             </a:pPr>
             <a:r>
               <a:rPr lang="en-US" dirty="0"/>
-              <a:t>around)</a:t>
-            </a:r>
-          </a:p>
-          <a:p>
+              <a:t>https://</a:t>
+            </a:r>
+            <a:r>
+              <a:rPr lang="en-US" dirty="0" err="1"/>
+              <a:t>git-scm.com</a:t>
+            </a:r>
+            <a:r>
+              <a:rPr lang="en-US" dirty="0"/>
+              <a:t>/docs/</a:t>
+            </a:r>
+            <a:r>
+              <a:rPr lang="en-US" dirty="0" err="1"/>
+              <a:t>git</a:t>
+            </a:r>
+            <a:r>
+              <a:rPr lang="en-US" dirty="0"/>
+              <a:t>-add</a:t>
+            </a:r>
+          </a:p>
+          <a:p>
+            <a:pPr marL="0" indent="0">
+              <a:buNone/>
+            </a:pPr>
+            <a:r>
+              <a:rPr lang="en-US" dirty="0"/>
+              <a:t>https://</a:t>
+            </a:r>
+            <a:r>
+              <a:rPr lang="en-US" dirty="0" err="1"/>
+              <a:t>git-scm.com</a:t>
+            </a:r>
+            <a:r>
+              <a:rPr lang="en-US" dirty="0"/>
+              <a:t>/docs/</a:t>
+            </a:r>
+            <a:r>
+              <a:rPr lang="en-US" dirty="0" err="1"/>
+              <a:t>git</a:t>
+            </a:r>
+            <a:r>
+              <a:rPr lang="en-US" dirty="0"/>
+              <a:t>-commit</a:t>
+            </a:r>
+          </a:p>
+          <a:p>
+            <a:pPr marL="0" indent="0">
+              <a:buNone/>
+            </a:pPr>
+            <a:r>
+              <a:rPr lang="en-US" dirty="0"/>
+              <a:t>https://</a:t>
+            </a:r>
+            <a:r>
+              <a:rPr lang="en-US" dirty="0" err="1"/>
+              <a:t>git-scm.com</a:t>
+            </a:r>
+            <a:r>
+              <a:rPr lang="en-US" dirty="0"/>
+              <a:t>/docs/</a:t>
+            </a:r>
+            <a:r>
+              <a:rPr lang="en-US" dirty="0" err="1"/>
+              <a:t>git</a:t>
+            </a:r>
+            <a:r>
+              <a:rPr lang="en-US" dirty="0"/>
+              <a:t>-push</a:t>
+            </a:r>
             <a:endParaRPr lang="en-US" dirty="0"/>
           </a:p>
         </p:txBody>
@@ -10090,7 +10303,7 @@
     </p:spTree>
     <p:extLst>
       <p:ext uri="{BB962C8B-B14F-4D97-AF65-F5344CB8AC3E}">
-        <p14:creationId xmlns:p14="http://schemas.microsoft.com/office/powerpoint/2010/main" val="3286113865"/>
+        <p14:creationId xmlns:p14="http://schemas.microsoft.com/office/powerpoint/2010/main" val="3165930535"/>
       </p:ext>
     </p:extLst>
   </p:cSld>
@@ -10388,4 +10601,324 @@
   <a:objectDefaults/>
   <a:extraClrSchemeLst/>
 </a:theme>
+</file>
+
+<file path=ppt/theme/theme2.xml><?xml version="1.0" encoding="utf-8"?>
+<a:theme xmlns:a="http://schemas.openxmlformats.org/drawingml/2006/main" name="Office Theme">
+  <a:themeElements>
+    <a:clrScheme name="Office">
+      <a:dk1>
+        <a:sysClr val="windowText" lastClr="000000"/>
+      </a:dk1>
+      <a:lt1>
+        <a:sysClr val="window" lastClr="FFFFFF"/>
+      </a:lt1>
+      <a:dk2>
+        <a:srgbClr val="1F497D"/>
+      </a:dk2>
+      <a:lt2>
+        <a:srgbClr val="EEECE1"/>
+      </a:lt2>
+      <a:accent1>
+        <a:srgbClr val="4F81BD"/>
+      </a:accent1>
+      <a:accent2>
+        <a:srgbClr val="C0504D"/>
+      </a:accent2>
+      <a:accent3>
+        <a:srgbClr val="9BBB59"/>
+      </a:accent3>
+      <a:accent4>
+        <a:srgbClr val="8064A2"/>
+      </a:accent4>
+      <a:accent5>
+        <a:srgbClr val="4BACC6"/>
+      </a:accent5>
+      <a:accent6>
+        <a:srgbClr val="F79646"/>
+      </a:accent6>
+      <a:hlink>
+        <a:srgbClr val="0000FF"/>
+      </a:hlink>
+      <a:folHlink>
+        <a:srgbClr val="800080"/>
+      </a:folHlink>
+    </a:clrScheme>
+    <a:fontScheme name="Office">
+      <a:majorFont>
+        <a:latin typeface="Calibri"/>
+        <a:ea typeface=""/>
+        <a:cs typeface=""/>
+        <a:font script="Jpan" typeface="ＭＳ Ｐゴシック"/>
+        <a:font script="Hang" typeface="맑은 고딕"/>
+        <a:font script="Hans" typeface="宋体"/>
+        <a:font script="Hant" typeface="新細明體"/>
+        <a:font script="Arab" typeface="Times New Roman"/>
+        <a:font script="Hebr" typeface="Times New Roman"/>
+        <a:font script="Thai" typeface="Angsana New"/>
+        <a:font script="Ethi" typeface="Nyala"/>
+        <a:font script="Beng" typeface="Vrinda"/>
+        <a:font script="Gujr" typeface="Shruti"/>
+        <a:font script="Khmr" typeface="MoolBoran"/>
+        <a:font script="Knda" typeface="Tunga"/>
+        <a:font script="Guru" typeface="Raavi"/>
+        <a:font script="Cans" typeface="Euphemia"/>
+        <a:font script="Cher" typeface="Plantagenet Cherokee"/>
+        <a:font script="Yiii" typeface="Microsoft Yi Baiti"/>
+        <a:font script="Tibt" typeface="Microsoft Himalaya"/>
+        <a:font script="Thaa" typeface="MV Boli"/>
+        <a:font script="Deva" typeface="Mangal"/>
+        <a:font script="Telu" typeface="Gautami"/>
+        <a:font script="Taml" typeface="Latha"/>
+        <a:font script="Syrc" typeface="Estrangelo Edessa"/>
+        <a:font script="Orya" typeface="Kalinga"/>
+        <a:font script="Mlym" typeface="Kartika"/>
+        <a:font script="Laoo" typeface="DokChampa"/>
+        <a:font script="Sinh" typeface="Iskoola Pota"/>
+        <a:font script="Mong" typeface="Mongolian Baiti"/>
+        <a:font script="Viet" typeface="Times New Roman"/>
+        <a:font script="Uigh" typeface="Microsoft Uighur"/>
+        <a:font script="Geor" typeface="Sylfaen"/>
+      </a:majorFont>
+      <a:minorFont>
+        <a:latin typeface="Calibri"/>
+        <a:ea typeface=""/>
+        <a:cs typeface=""/>
+        <a:font script="Jpan" typeface="ＭＳ Ｐゴシック"/>
+        <a:font script="Hang" typeface="맑은 고딕"/>
+        <a:font script="Hans" typeface="宋体"/>
+        <a:font script="Hant" typeface="新細明體"/>
+        <a:font script="Arab" typeface="Arial"/>
+        <a:font script="Hebr" typeface="Arial"/>
+        <a:font script="Thai" typeface="Cordia New"/>
+        <a:font script="Ethi" typeface="Nyala"/>
+        <a:font script="Beng" typeface="Vrinda"/>
+        <a:font script="Gujr" typeface="Shruti"/>
+        <a:font script="Khmr" typeface="DaunPenh"/>
+        <a:font script="Knda" typeface="Tunga"/>
+        <a:font script="Guru" typeface="Raavi"/>
+        <a:font script="Cans" typeface="Euphemia"/>
+        <a:font script="Cher" typeface="Plantagenet Cherokee"/>
+        <a:font script="Yiii" typeface="Microsoft Yi Baiti"/>
+        <a:font script="Tibt" typeface="Microsoft Himalaya"/>
+        <a:font script="Thaa" typeface="MV Boli"/>
+        <a:font script="Deva" typeface="Mangal"/>
+        <a:font script="Telu" typeface="Gautami"/>
+        <a:font script="Taml" typeface="Latha"/>
+        <a:font script="Syrc" typeface="Estrangelo Edessa"/>
+        <a:font script="Orya" typeface="Kalinga"/>
+        <a:font script="Mlym" typeface="Kartika"/>
+        <a:font script="Laoo" typeface="DokChampa"/>
+        <a:font script="Sinh" typeface="Iskoola Pota"/>
+        <a:font script="Mong" typeface="Mongolian Baiti"/>
+        <a:font script="Viet" typeface="Arial"/>
+        <a:font script="Uigh" typeface="Microsoft Uighur"/>
+        <a:font script="Geor" typeface="Sylfaen"/>
+      </a:minorFont>
+    </a:fontScheme>
+    <a:fmtScheme name="Office">
+      <a:fillStyleLst>
+        <a:solidFill>
+          <a:schemeClr val="phClr"/>
+        </a:solidFill>
+        <a:gradFill rotWithShape="1">
+          <a:gsLst>
+            <a:gs pos="0">
+              <a:schemeClr val="phClr">
+                <a:tint val="50000"/>
+                <a:satMod val="300000"/>
+              </a:schemeClr>
+            </a:gs>
+            <a:gs pos="35000">
+              <a:schemeClr val="phClr">
+                <a:tint val="37000"/>
+                <a:satMod val="300000"/>
+              </a:schemeClr>
+            </a:gs>
+            <a:gs pos="100000">
+              <a:schemeClr val="phClr">
+                <a:tint val="15000"/>
+                <a:satMod val="350000"/>
+              </a:schemeClr>
+            </a:gs>
+          </a:gsLst>
+          <a:lin ang="16200000" scaled="1"/>
+        </a:gradFill>
+        <a:gradFill rotWithShape="1">
+          <a:gsLst>
+            <a:gs pos="0">
+              <a:schemeClr val="phClr">
+                <a:tint val="100000"/>
+                <a:shade val="100000"/>
+                <a:satMod val="130000"/>
+              </a:schemeClr>
+            </a:gs>
+            <a:gs pos="100000">
+              <a:schemeClr val="phClr">
+                <a:tint val="50000"/>
+                <a:shade val="100000"/>
+                <a:satMod val="350000"/>
+              </a:schemeClr>
+            </a:gs>
+          </a:gsLst>
+          <a:lin ang="16200000" scaled="0"/>
+        </a:gradFill>
+      </a:fillStyleLst>
+      <a:lnStyleLst>
+        <a:ln w="9525" cap="flat" cmpd="sng" algn="ctr">
+          <a:solidFill>
+            <a:schemeClr val="phClr">
+              <a:shade val="95000"/>
+              <a:satMod val="105000"/>
+            </a:schemeClr>
+          </a:solidFill>
+          <a:prstDash val="solid"/>
+        </a:ln>
+        <a:ln w="25400" cap="flat" cmpd="sng" algn="ctr">
+          <a:solidFill>
+            <a:schemeClr val="phClr"/>
+          </a:solidFill>
+          <a:prstDash val="solid"/>
+        </a:ln>
+        <a:ln w="38100" cap="flat" cmpd="sng" algn="ctr">
+          <a:solidFill>
+            <a:schemeClr val="phClr"/>
+          </a:solidFill>
+          <a:prstDash val="solid"/>
+        </a:ln>
+      </a:lnStyleLst>
+      <a:effectStyleLst>
+        <a:effectStyle>
+          <a:effectLst>
+            <a:outerShdw blurRad="40000" dist="20000" dir="5400000" rotWithShape="0">
+              <a:srgbClr val="000000">
+                <a:alpha val="38000"/>
+              </a:srgbClr>
+            </a:outerShdw>
+          </a:effectLst>
+        </a:effectStyle>
+        <a:effectStyle>
+          <a:effectLst>
+            <a:outerShdw blurRad="40000" dist="23000" dir="5400000" rotWithShape="0">
+              <a:srgbClr val="000000">
+                <a:alpha val="35000"/>
+              </a:srgbClr>
+            </a:outerShdw>
+          </a:effectLst>
+        </a:effectStyle>
+        <a:effectStyle>
+          <a:effectLst>
+            <a:outerShdw blurRad="40000" dist="23000" dir="5400000" rotWithShape="0">
+              <a:srgbClr val="000000">
+                <a:alpha val="35000"/>
+              </a:srgbClr>
+            </a:outerShdw>
+          </a:effectLst>
+          <a:scene3d>
+            <a:camera prst="orthographicFront">
+              <a:rot lat="0" lon="0" rev="0"/>
+            </a:camera>
+            <a:lightRig rig="threePt" dir="t">
+              <a:rot lat="0" lon="0" rev="1200000"/>
+            </a:lightRig>
+          </a:scene3d>
+          <a:sp3d>
+            <a:bevelT w="63500" h="25400"/>
+          </a:sp3d>
+        </a:effectStyle>
+      </a:effectStyleLst>
+      <a:bgFillStyleLst>
+        <a:solidFill>
+          <a:schemeClr val="phClr"/>
+        </a:solidFill>
+        <a:gradFill rotWithShape="1">
+          <a:gsLst>
+            <a:gs pos="0">
+              <a:schemeClr val="phClr">
+                <a:tint val="40000"/>
+                <a:satMod val="350000"/>
+              </a:schemeClr>
+            </a:gs>
+            <a:gs pos="40000">
+              <a:schemeClr val="phClr">
+                <a:tint val="45000"/>
+                <a:shade val="99000"/>
+                <a:satMod val="350000"/>
+              </a:schemeClr>
+            </a:gs>
+            <a:gs pos="100000">
+              <a:schemeClr val="phClr">
+                <a:shade val="20000"/>
+                <a:satMod val="255000"/>
+              </a:schemeClr>
+            </a:gs>
+          </a:gsLst>
+          <a:path path="circle">
+            <a:fillToRect l="50000" t="-80000" r="50000" b="180000"/>
+          </a:path>
+        </a:gradFill>
+        <a:gradFill rotWithShape="1">
+          <a:gsLst>
+            <a:gs pos="0">
+              <a:schemeClr val="phClr">
+                <a:tint val="80000"/>
+                <a:satMod val="300000"/>
+              </a:schemeClr>
+            </a:gs>
+            <a:gs pos="100000">
+              <a:schemeClr val="phClr">
+                <a:shade val="30000"/>
+                <a:satMod val="200000"/>
+              </a:schemeClr>
+            </a:gs>
+          </a:gsLst>
+          <a:path path="circle">
+            <a:fillToRect l="50000" t="50000" r="50000" b="50000"/>
+          </a:path>
+        </a:gradFill>
+      </a:bgFillStyleLst>
+    </a:fmtScheme>
+  </a:themeElements>
+  <a:objectDefaults>
+    <a:spDef>
+      <a:spPr/>
+      <a:bodyPr/>
+      <a:lstStyle/>
+      <a:style>
+        <a:lnRef idx="1">
+          <a:schemeClr val="accent1"/>
+        </a:lnRef>
+        <a:fillRef idx="3">
+          <a:schemeClr val="accent1"/>
+        </a:fillRef>
+        <a:effectRef idx="2">
+          <a:schemeClr val="accent1"/>
+        </a:effectRef>
+        <a:fontRef idx="minor">
+          <a:schemeClr val="lt1"/>
+        </a:fontRef>
+      </a:style>
+    </a:spDef>
+    <a:lnDef>
+      <a:spPr/>
+      <a:bodyPr/>
+      <a:lstStyle/>
+      <a:style>
+        <a:lnRef idx="2">
+          <a:schemeClr val="accent1"/>
+        </a:lnRef>
+        <a:fillRef idx="0">
+          <a:schemeClr val="accent1"/>
+        </a:fillRef>
+        <a:effectRef idx="1">
+          <a:schemeClr val="accent1"/>
+        </a:effectRef>
+        <a:fontRef idx="minor">
+          <a:schemeClr val="tx1"/>
+        </a:fontRef>
+      </a:style>
+    </a:lnDef>
+  </a:objectDefaults>
+  <a:extraClrSchemeLst/>
+</a:theme>
 </file>